--- a/Introduction_to_Java_8_for_Grade_10_Students.pptx
+++ b/Introduction_to_Java_8_for_Grade_10_Students.pptx
@@ -4,17 +4,32 @@
   <p:sldMasterIdLst>
     <p:sldMasterId id="2147483648" r:id="rId1"/>
   </p:sldMasterIdLst>
+  <p:notesMasterIdLst>
+    <p:notesMasterId r:id="rId21"/>
+  </p:notesMasterIdLst>
+  <p:handoutMasterIdLst>
+    <p:handoutMasterId r:id="rId22"/>
+  </p:handoutMasterIdLst>
   <p:sldIdLst>
-    <p:sldId id="256" r:id="rId7"/>
-    <p:sldId id="257" r:id="rId8"/>
-    <p:sldId id="258" r:id="rId9"/>
-    <p:sldId id="259" r:id="rId10"/>
-    <p:sldId id="260" r:id="rId11"/>
-    <p:sldId id="261" r:id="rId12"/>
-    <p:sldId id="262" r:id="rId13"/>
-    <p:sldId id="263" r:id="rId14"/>
-    <p:sldId id="264" r:id="rId15"/>
-    <p:sldId id="265" r:id="rId16"/>
+    <p:sldId id="256" r:id="rId2"/>
+    <p:sldId id="257" r:id="rId3"/>
+    <p:sldId id="266" r:id="rId4"/>
+    <p:sldId id="268" r:id="rId5"/>
+    <p:sldId id="269" r:id="rId6"/>
+    <p:sldId id="270" r:id="rId7"/>
+    <p:sldId id="271" r:id="rId8"/>
+    <p:sldId id="272" r:id="rId9"/>
+    <p:sldId id="273" r:id="rId10"/>
+    <p:sldId id="274" r:id="rId11"/>
+    <p:sldId id="267" r:id="rId12"/>
+    <p:sldId id="258" r:id="rId13"/>
+    <p:sldId id="259" r:id="rId14"/>
+    <p:sldId id="260" r:id="rId15"/>
+    <p:sldId id="261" r:id="rId16"/>
+    <p:sldId id="262" r:id="rId17"/>
+    <p:sldId id="263" r:id="rId18"/>
+    <p:sldId id="264" r:id="rId19"/>
+    <p:sldId id="265" r:id="rId20"/>
   </p:sldIdLst>
   <p:sldSz cx="9144000" cy="6858000" type="screen4x3"/>
   <p:notesSz cx="6858000" cy="9144000"/>
@@ -113,7 +128,745 @@
       </a:defRPr>
     </a:lvl9pPr>
   </p:defaultTextStyle>
+  <p:extLst>
+    <p:ext uri="{EFAFB233-063F-42B5-8137-9DF3F51BA10A}">
+      <p15:sldGuideLst xmlns:p15="http://schemas.microsoft.com/office/powerpoint/2012/main">
+        <p15:guide id="1" orient="horz" pos="2160">
+          <p15:clr>
+            <a:srgbClr val="A4A3A4"/>
+          </p15:clr>
+        </p15:guide>
+        <p15:guide id="2" pos="2880">
+          <p15:clr>
+            <a:srgbClr val="A4A3A4"/>
+          </p15:clr>
+        </p15:guide>
+      </p15:sldGuideLst>
+    </p:ext>
+  </p:extLst>
 </p:presentation>
+</file>
+
+<file path=ppt/handoutMasters/handoutMaster1.xml><?xml version="1.0" encoding="utf-8"?>
+<p:handoutMaster xmlns:a="http://schemas.openxmlformats.org/drawingml/2006/main" xmlns:r="http://schemas.openxmlformats.org/officeDocument/2006/relationships" xmlns:p="http://schemas.openxmlformats.org/presentationml/2006/main">
+  <p:cSld>
+    <p:bg>
+      <p:bgRef idx="1001">
+        <a:schemeClr val="bg1"/>
+      </p:bgRef>
+    </p:bg>
+    <p:spTree>
+      <p:nvGrpSpPr>
+        <p:cNvPr id="1" name=""/>
+        <p:cNvGrpSpPr/>
+        <p:nvPr/>
+      </p:nvGrpSpPr>
+      <p:grpSpPr>
+        <a:xfrm>
+          <a:off x="0" y="0"/>
+          <a:ext cx="0" cy="0"/>
+          <a:chOff x="0" y="0"/>
+          <a:chExt cx="0" cy="0"/>
+        </a:xfrm>
+      </p:grpSpPr>
+      <p:sp>
+        <p:nvSpPr>
+          <p:cNvPr id="2" name="Header Placeholder 1">
+            <a:extLst>
+              <a:ext uri="{FF2B5EF4-FFF2-40B4-BE49-F238E27FC236}">
+                <a16:creationId xmlns:a16="http://schemas.microsoft.com/office/drawing/2014/main" id="{9140BB70-12D3-412A-9E10-F7DA089F4D8B}"/>
+              </a:ext>
+            </a:extLst>
+          </p:cNvPr>
+          <p:cNvSpPr>
+            <a:spLocks noGrp="1"/>
+          </p:cNvSpPr>
+          <p:nvPr>
+            <p:ph type="hdr" sz="quarter"/>
+          </p:nvPr>
+        </p:nvSpPr>
+        <p:spPr>
+          <a:xfrm>
+            <a:off x="0" y="0"/>
+            <a:ext cx="2971800" cy="458788"/>
+          </a:xfrm>
+          <a:prstGeom prst="rect">
+            <a:avLst/>
+          </a:prstGeom>
+        </p:spPr>
+        <p:txBody>
+          <a:bodyPr vert="horz" lIns="91440" tIns="45720" rIns="91440" bIns="45720" rtlCol="0"/>
+          <a:lstStyle>
+            <a:lvl1pPr algn="l">
+              <a:defRPr sz="1200"/>
+            </a:lvl1pPr>
+          </a:lstStyle>
+          <a:p>
+            <a:r>
+              <a:rPr lang="en-CA"/>
+              <a:t>Created by Saravanan Andavar</a:t>
+            </a:r>
+          </a:p>
+        </p:txBody>
+      </p:sp>
+      <p:sp>
+        <p:nvSpPr>
+          <p:cNvPr id="3" name="Date Placeholder 2">
+            <a:extLst>
+              <a:ext uri="{FF2B5EF4-FFF2-40B4-BE49-F238E27FC236}">
+                <a16:creationId xmlns:a16="http://schemas.microsoft.com/office/drawing/2014/main" id="{9265343A-A547-4A47-85E9-8BEB3A082C65}"/>
+              </a:ext>
+            </a:extLst>
+          </p:cNvPr>
+          <p:cNvSpPr>
+            <a:spLocks noGrp="1"/>
+          </p:cNvSpPr>
+          <p:nvPr>
+            <p:ph type="dt" sz="quarter" idx="1"/>
+          </p:nvPr>
+        </p:nvSpPr>
+        <p:spPr>
+          <a:xfrm>
+            <a:off x="3884613" y="0"/>
+            <a:ext cx="2971800" cy="458788"/>
+          </a:xfrm>
+          <a:prstGeom prst="rect">
+            <a:avLst/>
+          </a:prstGeom>
+        </p:spPr>
+        <p:txBody>
+          <a:bodyPr vert="horz" lIns="91440" tIns="45720" rIns="91440" bIns="45720" rtlCol="0"/>
+          <a:lstStyle>
+            <a:lvl1pPr algn="r">
+              <a:defRPr sz="1200"/>
+            </a:lvl1pPr>
+          </a:lstStyle>
+          <a:p>
+            <a:fld id="{61DA363B-DF09-4921-9703-246EEF9F3162}" type="datetime1">
+              <a:rPr lang="en-CA" smtClean="0"/>
+              <a:t>2024-12-10</a:t>
+            </a:fld>
+            <a:endParaRPr lang="en-CA"/>
+          </a:p>
+        </p:txBody>
+      </p:sp>
+      <p:sp>
+        <p:nvSpPr>
+          <p:cNvPr id="4" name="Footer Placeholder 3">
+            <a:extLst>
+              <a:ext uri="{FF2B5EF4-FFF2-40B4-BE49-F238E27FC236}">
+                <a16:creationId xmlns:a16="http://schemas.microsoft.com/office/drawing/2014/main" id="{08B0A2C6-809C-41AC-BED9-35DF430C7BCA}"/>
+              </a:ext>
+            </a:extLst>
+          </p:cNvPr>
+          <p:cNvSpPr>
+            <a:spLocks noGrp="1"/>
+          </p:cNvSpPr>
+          <p:nvPr>
+            <p:ph type="ftr" sz="quarter" idx="2"/>
+          </p:nvPr>
+        </p:nvSpPr>
+        <p:spPr>
+          <a:xfrm>
+            <a:off x="0" y="8685213"/>
+            <a:ext cx="2971800" cy="458787"/>
+          </a:xfrm>
+          <a:prstGeom prst="rect">
+            <a:avLst/>
+          </a:prstGeom>
+        </p:spPr>
+        <p:txBody>
+          <a:bodyPr vert="horz" lIns="91440" tIns="45720" rIns="91440" bIns="45720" rtlCol="0" anchor="b"/>
+          <a:lstStyle>
+            <a:lvl1pPr algn="l">
+              <a:defRPr sz="1200"/>
+            </a:lvl1pPr>
+          </a:lstStyle>
+          <a:p>
+            <a:r>
+              <a:rPr lang="en-CA"/>
+              <a:t>Learning purpost</a:t>
+            </a:r>
+          </a:p>
+        </p:txBody>
+      </p:sp>
+      <p:sp>
+        <p:nvSpPr>
+          <p:cNvPr id="5" name="Slide Number Placeholder 4">
+            <a:extLst>
+              <a:ext uri="{FF2B5EF4-FFF2-40B4-BE49-F238E27FC236}">
+                <a16:creationId xmlns:a16="http://schemas.microsoft.com/office/drawing/2014/main" id="{C2FF842A-757B-4329-A297-88449A40942B}"/>
+              </a:ext>
+            </a:extLst>
+          </p:cNvPr>
+          <p:cNvSpPr>
+            <a:spLocks noGrp="1"/>
+          </p:cNvSpPr>
+          <p:nvPr>
+            <p:ph type="sldNum" sz="quarter" idx="3"/>
+          </p:nvPr>
+        </p:nvSpPr>
+        <p:spPr>
+          <a:xfrm>
+            <a:off x="3884613" y="8685213"/>
+            <a:ext cx="2971800" cy="458787"/>
+          </a:xfrm>
+          <a:prstGeom prst="rect">
+            <a:avLst/>
+          </a:prstGeom>
+        </p:spPr>
+        <p:txBody>
+          <a:bodyPr vert="horz" lIns="91440" tIns="45720" rIns="91440" bIns="45720" rtlCol="0" anchor="b"/>
+          <a:lstStyle>
+            <a:lvl1pPr algn="r">
+              <a:defRPr sz="1200"/>
+            </a:lvl1pPr>
+          </a:lstStyle>
+          <a:p>
+            <a:fld id="{F1DCE538-67D8-49C5-972C-B5B5B44D77CD}" type="slidenum">
+              <a:rPr lang="en-CA" smtClean="0"/>
+              <a:t>‹#›</a:t>
+            </a:fld>
+            <a:endParaRPr lang="en-CA"/>
+          </a:p>
+        </p:txBody>
+      </p:sp>
+    </p:spTree>
+    <p:extLst>
+      <p:ext uri="{BB962C8B-B14F-4D97-AF65-F5344CB8AC3E}">
+        <p14:creationId xmlns:p14="http://schemas.microsoft.com/office/powerpoint/2010/main" val="1331001622"/>
+      </p:ext>
+    </p:extLst>
+  </p:cSld>
+  <p:clrMap bg1="lt1" tx1="dk1" bg2="lt2" tx2="dk2" accent1="accent1" accent2="accent2" accent3="accent3" accent4="accent4" accent5="accent5" accent6="accent6" hlink="hlink" folHlink="folHlink"/>
+  <p:hf/>
+</p:handoutMaster>
+</file>
+
+<file path=ppt/notesMasters/notesMaster1.xml><?xml version="1.0" encoding="utf-8"?>
+<p:notesMaster xmlns:a="http://schemas.openxmlformats.org/drawingml/2006/main" xmlns:r="http://schemas.openxmlformats.org/officeDocument/2006/relationships" xmlns:p="http://schemas.openxmlformats.org/presentationml/2006/main">
+  <p:cSld>
+    <p:bg>
+      <p:bgRef idx="1001">
+        <a:schemeClr val="bg1"/>
+      </p:bgRef>
+    </p:bg>
+    <p:spTree>
+      <p:nvGrpSpPr>
+        <p:cNvPr id="1" name=""/>
+        <p:cNvGrpSpPr/>
+        <p:nvPr/>
+      </p:nvGrpSpPr>
+      <p:grpSpPr>
+        <a:xfrm>
+          <a:off x="0" y="0"/>
+          <a:ext cx="0" cy="0"/>
+          <a:chOff x="0" y="0"/>
+          <a:chExt cx="0" cy="0"/>
+        </a:xfrm>
+      </p:grpSpPr>
+      <p:sp>
+        <p:nvSpPr>
+          <p:cNvPr id="2" name="Header Placeholder 1"/>
+          <p:cNvSpPr>
+            <a:spLocks noGrp="1"/>
+          </p:cNvSpPr>
+          <p:nvPr>
+            <p:ph type="hdr" sz="quarter"/>
+          </p:nvPr>
+        </p:nvSpPr>
+        <p:spPr>
+          <a:xfrm>
+            <a:off x="0" y="0"/>
+            <a:ext cx="2971800" cy="458788"/>
+          </a:xfrm>
+          <a:prstGeom prst="rect">
+            <a:avLst/>
+          </a:prstGeom>
+        </p:spPr>
+        <p:txBody>
+          <a:bodyPr vert="horz" lIns="91440" tIns="45720" rIns="91440" bIns="45720" rtlCol="0"/>
+          <a:lstStyle>
+            <a:lvl1pPr algn="l">
+              <a:defRPr sz="1200"/>
+            </a:lvl1pPr>
+          </a:lstStyle>
+          <a:p>
+            <a:r>
+              <a:rPr lang="en-CA"/>
+              <a:t>Created by Saravanan Andavar</a:t>
+            </a:r>
+          </a:p>
+        </p:txBody>
+      </p:sp>
+      <p:sp>
+        <p:nvSpPr>
+          <p:cNvPr id="3" name="Date Placeholder 2"/>
+          <p:cNvSpPr>
+            <a:spLocks noGrp="1"/>
+          </p:cNvSpPr>
+          <p:nvPr>
+            <p:ph type="dt" idx="1"/>
+          </p:nvPr>
+        </p:nvSpPr>
+        <p:spPr>
+          <a:xfrm>
+            <a:off x="3884613" y="0"/>
+            <a:ext cx="2971800" cy="458788"/>
+          </a:xfrm>
+          <a:prstGeom prst="rect">
+            <a:avLst/>
+          </a:prstGeom>
+        </p:spPr>
+        <p:txBody>
+          <a:bodyPr vert="horz" lIns="91440" tIns="45720" rIns="91440" bIns="45720" rtlCol="0"/>
+          <a:lstStyle>
+            <a:lvl1pPr algn="r">
+              <a:defRPr sz="1200"/>
+            </a:lvl1pPr>
+          </a:lstStyle>
+          <a:p>
+            <a:fld id="{5119AC6A-8C14-4AFB-855E-4DE99D51C3E5}" type="datetime1">
+              <a:rPr lang="en-CA" smtClean="0"/>
+              <a:t>2024-12-10</a:t>
+            </a:fld>
+            <a:endParaRPr lang="en-CA"/>
+          </a:p>
+        </p:txBody>
+      </p:sp>
+      <p:sp>
+        <p:nvSpPr>
+          <p:cNvPr id="4" name="Slide Image Placeholder 3"/>
+          <p:cNvSpPr>
+            <a:spLocks noGrp="1" noRot="1" noChangeAspect="1"/>
+          </p:cNvSpPr>
+          <p:nvPr>
+            <p:ph type="sldImg" idx="2"/>
+          </p:nvPr>
+        </p:nvSpPr>
+        <p:spPr>
+          <a:xfrm>
+            <a:off x="1371600" y="1143000"/>
+            <a:ext cx="4114800" cy="3086100"/>
+          </a:xfrm>
+          <a:prstGeom prst="rect">
+            <a:avLst/>
+          </a:prstGeom>
+          <a:noFill/>
+          <a:ln w="12700">
+            <a:solidFill>
+              <a:prstClr val="black"/>
+            </a:solidFill>
+          </a:ln>
+        </p:spPr>
+        <p:txBody>
+          <a:bodyPr vert="horz" lIns="91440" tIns="45720" rIns="91440" bIns="45720" rtlCol="0" anchor="ctr"/>
+          <a:lstStyle/>
+          <a:p>
+            <a:endParaRPr lang="en-CA"/>
+          </a:p>
+        </p:txBody>
+      </p:sp>
+      <p:sp>
+        <p:nvSpPr>
+          <p:cNvPr id="5" name="Notes Placeholder 4"/>
+          <p:cNvSpPr>
+            <a:spLocks noGrp="1"/>
+          </p:cNvSpPr>
+          <p:nvPr>
+            <p:ph type="body" sz="quarter" idx="3"/>
+          </p:nvPr>
+        </p:nvSpPr>
+        <p:spPr>
+          <a:xfrm>
+            <a:off x="685800" y="4400550"/>
+            <a:ext cx="5486400" cy="3600450"/>
+          </a:xfrm>
+          <a:prstGeom prst="rect">
+            <a:avLst/>
+          </a:prstGeom>
+        </p:spPr>
+        <p:txBody>
+          <a:bodyPr vert="horz" lIns="91440" tIns="45720" rIns="91440" bIns="45720" rtlCol="0"/>
+          <a:lstStyle/>
+          <a:p>
+            <a:pPr lvl="0"/>
+            <a:r>
+              <a:rPr lang="en-US"/>
+              <a:t>Edit Master text styles</a:t>
+            </a:r>
+          </a:p>
+          <a:p>
+            <a:pPr lvl="1"/>
+            <a:r>
+              <a:rPr lang="en-US"/>
+              <a:t>Second level</a:t>
+            </a:r>
+          </a:p>
+          <a:p>
+            <a:pPr lvl="2"/>
+            <a:r>
+              <a:rPr lang="en-US"/>
+              <a:t>Third level</a:t>
+            </a:r>
+          </a:p>
+          <a:p>
+            <a:pPr lvl="3"/>
+            <a:r>
+              <a:rPr lang="en-US"/>
+              <a:t>Fourth level</a:t>
+            </a:r>
+          </a:p>
+          <a:p>
+            <a:pPr lvl="4"/>
+            <a:r>
+              <a:rPr lang="en-US"/>
+              <a:t>Fifth level</a:t>
+            </a:r>
+            <a:endParaRPr lang="en-CA"/>
+          </a:p>
+        </p:txBody>
+      </p:sp>
+      <p:sp>
+        <p:nvSpPr>
+          <p:cNvPr id="6" name="Footer Placeholder 5"/>
+          <p:cNvSpPr>
+            <a:spLocks noGrp="1"/>
+          </p:cNvSpPr>
+          <p:nvPr>
+            <p:ph type="ftr" sz="quarter" idx="4"/>
+          </p:nvPr>
+        </p:nvSpPr>
+        <p:spPr>
+          <a:xfrm>
+            <a:off x="0" y="8685213"/>
+            <a:ext cx="2971800" cy="458787"/>
+          </a:xfrm>
+          <a:prstGeom prst="rect">
+            <a:avLst/>
+          </a:prstGeom>
+        </p:spPr>
+        <p:txBody>
+          <a:bodyPr vert="horz" lIns="91440" tIns="45720" rIns="91440" bIns="45720" rtlCol="0" anchor="b"/>
+          <a:lstStyle>
+            <a:lvl1pPr algn="l">
+              <a:defRPr sz="1200"/>
+            </a:lvl1pPr>
+          </a:lstStyle>
+          <a:p>
+            <a:r>
+              <a:rPr lang="en-CA"/>
+              <a:t>Learning purpost</a:t>
+            </a:r>
+          </a:p>
+        </p:txBody>
+      </p:sp>
+      <p:sp>
+        <p:nvSpPr>
+          <p:cNvPr id="7" name="Slide Number Placeholder 6"/>
+          <p:cNvSpPr>
+            <a:spLocks noGrp="1"/>
+          </p:cNvSpPr>
+          <p:nvPr>
+            <p:ph type="sldNum" sz="quarter" idx="5"/>
+          </p:nvPr>
+        </p:nvSpPr>
+        <p:spPr>
+          <a:xfrm>
+            <a:off x="3884613" y="8685213"/>
+            <a:ext cx="2971800" cy="458787"/>
+          </a:xfrm>
+          <a:prstGeom prst="rect">
+            <a:avLst/>
+          </a:prstGeom>
+        </p:spPr>
+        <p:txBody>
+          <a:bodyPr vert="horz" lIns="91440" tIns="45720" rIns="91440" bIns="45720" rtlCol="0" anchor="b"/>
+          <a:lstStyle>
+            <a:lvl1pPr algn="r">
+              <a:defRPr sz="1200"/>
+            </a:lvl1pPr>
+          </a:lstStyle>
+          <a:p>
+            <a:fld id="{DD846F3F-A254-4C11-A655-98DD29D7911A}" type="slidenum">
+              <a:rPr lang="en-CA" smtClean="0"/>
+              <a:t>‹#›</a:t>
+            </a:fld>
+            <a:endParaRPr lang="en-CA"/>
+          </a:p>
+        </p:txBody>
+      </p:sp>
+    </p:spTree>
+    <p:extLst>
+      <p:ext uri="{BB962C8B-B14F-4D97-AF65-F5344CB8AC3E}">
+        <p14:creationId xmlns:p14="http://schemas.microsoft.com/office/powerpoint/2010/main" val="1329893986"/>
+      </p:ext>
+    </p:extLst>
+  </p:cSld>
+  <p:clrMap bg1="lt1" tx1="dk1" bg2="lt2" tx2="dk2" accent1="accent1" accent2="accent2" accent3="accent3" accent4="accent4" accent5="accent5" accent6="accent6" hlink="hlink" folHlink="folHlink"/>
+  <p:hf/>
+  <p:notesStyle>
+    <a:lvl1pPr marL="0" algn="l" defTabSz="914400" rtl="0" eaLnBrk="1" latinLnBrk="0" hangingPunct="1">
+      <a:defRPr sz="1200" kern="1200">
+        <a:solidFill>
+          <a:schemeClr val="tx1"/>
+        </a:solidFill>
+        <a:latin typeface="+mn-lt"/>
+        <a:ea typeface="+mn-ea"/>
+        <a:cs typeface="+mn-cs"/>
+      </a:defRPr>
+    </a:lvl1pPr>
+    <a:lvl2pPr marL="457200" algn="l" defTabSz="914400" rtl="0" eaLnBrk="1" latinLnBrk="0" hangingPunct="1">
+      <a:defRPr sz="1200" kern="1200">
+        <a:solidFill>
+          <a:schemeClr val="tx1"/>
+        </a:solidFill>
+        <a:latin typeface="+mn-lt"/>
+        <a:ea typeface="+mn-ea"/>
+        <a:cs typeface="+mn-cs"/>
+      </a:defRPr>
+    </a:lvl2pPr>
+    <a:lvl3pPr marL="914400" algn="l" defTabSz="914400" rtl="0" eaLnBrk="1" latinLnBrk="0" hangingPunct="1">
+      <a:defRPr sz="1200" kern="1200">
+        <a:solidFill>
+          <a:schemeClr val="tx1"/>
+        </a:solidFill>
+        <a:latin typeface="+mn-lt"/>
+        <a:ea typeface="+mn-ea"/>
+        <a:cs typeface="+mn-cs"/>
+      </a:defRPr>
+    </a:lvl3pPr>
+    <a:lvl4pPr marL="1371600" algn="l" defTabSz="914400" rtl="0" eaLnBrk="1" latinLnBrk="0" hangingPunct="1">
+      <a:defRPr sz="1200" kern="1200">
+        <a:solidFill>
+          <a:schemeClr val="tx1"/>
+        </a:solidFill>
+        <a:latin typeface="+mn-lt"/>
+        <a:ea typeface="+mn-ea"/>
+        <a:cs typeface="+mn-cs"/>
+      </a:defRPr>
+    </a:lvl4pPr>
+    <a:lvl5pPr marL="1828800" algn="l" defTabSz="914400" rtl="0" eaLnBrk="1" latinLnBrk="0" hangingPunct="1">
+      <a:defRPr sz="1200" kern="1200">
+        <a:solidFill>
+          <a:schemeClr val="tx1"/>
+        </a:solidFill>
+        <a:latin typeface="+mn-lt"/>
+        <a:ea typeface="+mn-ea"/>
+        <a:cs typeface="+mn-cs"/>
+      </a:defRPr>
+    </a:lvl5pPr>
+    <a:lvl6pPr marL="2286000" algn="l" defTabSz="914400" rtl="0" eaLnBrk="1" latinLnBrk="0" hangingPunct="1">
+      <a:defRPr sz="1200" kern="1200">
+        <a:solidFill>
+          <a:schemeClr val="tx1"/>
+        </a:solidFill>
+        <a:latin typeface="+mn-lt"/>
+        <a:ea typeface="+mn-ea"/>
+        <a:cs typeface="+mn-cs"/>
+      </a:defRPr>
+    </a:lvl6pPr>
+    <a:lvl7pPr marL="2743200" algn="l" defTabSz="914400" rtl="0" eaLnBrk="1" latinLnBrk="0" hangingPunct="1">
+      <a:defRPr sz="1200" kern="1200">
+        <a:solidFill>
+          <a:schemeClr val="tx1"/>
+        </a:solidFill>
+        <a:latin typeface="+mn-lt"/>
+        <a:ea typeface="+mn-ea"/>
+        <a:cs typeface="+mn-cs"/>
+      </a:defRPr>
+    </a:lvl7pPr>
+    <a:lvl8pPr marL="3200400" algn="l" defTabSz="914400" rtl="0" eaLnBrk="1" latinLnBrk="0" hangingPunct="1">
+      <a:defRPr sz="1200" kern="1200">
+        <a:solidFill>
+          <a:schemeClr val="tx1"/>
+        </a:solidFill>
+        <a:latin typeface="+mn-lt"/>
+        <a:ea typeface="+mn-ea"/>
+        <a:cs typeface="+mn-cs"/>
+      </a:defRPr>
+    </a:lvl8pPr>
+    <a:lvl9pPr marL="3657600" algn="l" defTabSz="914400" rtl="0" eaLnBrk="1" latinLnBrk="0" hangingPunct="1">
+      <a:defRPr sz="1200" kern="1200">
+        <a:solidFill>
+          <a:schemeClr val="tx1"/>
+        </a:solidFill>
+        <a:latin typeface="+mn-lt"/>
+        <a:ea typeface="+mn-ea"/>
+        <a:cs typeface="+mn-cs"/>
+      </a:defRPr>
+    </a:lvl9pPr>
+  </p:notesStyle>
+</p:notesMaster>
+</file>
+
+<file path=ppt/notesSlides/notesSlide1.xml><?xml version="1.0" encoding="utf-8"?>
+<p:notes xmlns:a="http://schemas.openxmlformats.org/drawingml/2006/main" xmlns:r="http://schemas.openxmlformats.org/officeDocument/2006/relationships" xmlns:p="http://schemas.openxmlformats.org/presentationml/2006/main">
+  <p:cSld>
+    <p:spTree>
+      <p:nvGrpSpPr>
+        <p:cNvPr id="1" name=""/>
+        <p:cNvGrpSpPr/>
+        <p:nvPr/>
+      </p:nvGrpSpPr>
+      <p:grpSpPr>
+        <a:xfrm>
+          <a:off x="0" y="0"/>
+          <a:ext cx="0" cy="0"/>
+          <a:chOff x="0" y="0"/>
+          <a:chExt cx="0" cy="0"/>
+        </a:xfrm>
+      </p:grpSpPr>
+      <p:sp>
+        <p:nvSpPr>
+          <p:cNvPr id="2" name="Slide Image Placeholder 1"/>
+          <p:cNvSpPr>
+            <a:spLocks noGrp="1" noRot="1" noChangeAspect="1"/>
+          </p:cNvSpPr>
+          <p:nvPr>
+            <p:ph type="sldImg"/>
+          </p:nvPr>
+        </p:nvSpPr>
+        <p:spPr/>
+      </p:sp>
+      <p:sp>
+        <p:nvSpPr>
+          <p:cNvPr id="3" name="Notes Placeholder 2"/>
+          <p:cNvSpPr>
+            <a:spLocks noGrp="1"/>
+          </p:cNvSpPr>
+          <p:nvPr>
+            <p:ph type="body" idx="1"/>
+          </p:nvPr>
+        </p:nvSpPr>
+        <p:spPr/>
+        <p:txBody>
+          <a:bodyPr/>
+          <a:lstStyle/>
+          <a:p>
+            <a:endParaRPr lang="en-CA" dirty="0"/>
+          </a:p>
+        </p:txBody>
+      </p:sp>
+      <p:sp>
+        <p:nvSpPr>
+          <p:cNvPr id="4" name="Slide Number Placeholder 3"/>
+          <p:cNvSpPr>
+            <a:spLocks noGrp="1"/>
+          </p:cNvSpPr>
+          <p:nvPr>
+            <p:ph type="sldNum" sz="quarter" idx="5"/>
+          </p:nvPr>
+        </p:nvSpPr>
+        <p:spPr/>
+        <p:txBody>
+          <a:bodyPr/>
+          <a:lstStyle/>
+          <a:p>
+            <a:fld id="{DD846F3F-A254-4C11-A655-98DD29D7911A}" type="slidenum">
+              <a:rPr lang="en-CA" smtClean="0"/>
+              <a:t>1</a:t>
+            </a:fld>
+            <a:endParaRPr lang="en-CA"/>
+          </a:p>
+        </p:txBody>
+      </p:sp>
+      <p:sp>
+        <p:nvSpPr>
+          <p:cNvPr id="5" name="Date Placeholder 4">
+            <a:extLst>
+              <a:ext uri="{FF2B5EF4-FFF2-40B4-BE49-F238E27FC236}">
+                <a16:creationId xmlns:a16="http://schemas.microsoft.com/office/drawing/2014/main" id="{8AA14004-FE10-4740-AC3C-B846749DF40A}"/>
+              </a:ext>
+            </a:extLst>
+          </p:cNvPr>
+          <p:cNvSpPr>
+            <a:spLocks noGrp="1"/>
+          </p:cNvSpPr>
+          <p:nvPr>
+            <p:ph type="dt" idx="1"/>
+          </p:nvPr>
+        </p:nvSpPr>
+        <p:spPr/>
+        <p:txBody>
+          <a:bodyPr/>
+          <a:lstStyle/>
+          <a:p>
+            <a:fld id="{0DB49191-732F-4104-A9C0-4CDCB8CD5F92}" type="datetime1">
+              <a:rPr lang="en-CA" smtClean="0"/>
+              <a:t>2024-12-10</a:t>
+            </a:fld>
+            <a:endParaRPr lang="en-CA"/>
+          </a:p>
+        </p:txBody>
+      </p:sp>
+      <p:sp>
+        <p:nvSpPr>
+          <p:cNvPr id="6" name="Footer Placeholder 5">
+            <a:extLst>
+              <a:ext uri="{FF2B5EF4-FFF2-40B4-BE49-F238E27FC236}">
+                <a16:creationId xmlns:a16="http://schemas.microsoft.com/office/drawing/2014/main" id="{AFA6179E-86B3-490A-B440-E2689AF25144}"/>
+              </a:ext>
+            </a:extLst>
+          </p:cNvPr>
+          <p:cNvSpPr>
+            <a:spLocks noGrp="1"/>
+          </p:cNvSpPr>
+          <p:nvPr>
+            <p:ph type="ftr" sz="quarter" idx="4"/>
+          </p:nvPr>
+        </p:nvSpPr>
+        <p:spPr/>
+        <p:txBody>
+          <a:bodyPr/>
+          <a:lstStyle/>
+          <a:p>
+            <a:r>
+              <a:rPr lang="en-CA"/>
+              <a:t>Learning purpost</a:t>
+            </a:r>
+          </a:p>
+        </p:txBody>
+      </p:sp>
+      <p:sp>
+        <p:nvSpPr>
+          <p:cNvPr id="7" name="Header Placeholder 6">
+            <a:extLst>
+              <a:ext uri="{FF2B5EF4-FFF2-40B4-BE49-F238E27FC236}">
+                <a16:creationId xmlns:a16="http://schemas.microsoft.com/office/drawing/2014/main" id="{F557372F-291B-41F5-AA31-744618681C79}"/>
+              </a:ext>
+            </a:extLst>
+          </p:cNvPr>
+          <p:cNvSpPr>
+            <a:spLocks noGrp="1"/>
+          </p:cNvSpPr>
+          <p:nvPr>
+            <p:ph type="hdr" sz="quarter"/>
+          </p:nvPr>
+        </p:nvSpPr>
+        <p:spPr/>
+        <p:txBody>
+          <a:bodyPr/>
+          <a:lstStyle/>
+          <a:p>
+            <a:r>
+              <a:rPr lang="en-CA"/>
+              <a:t>Created by Saravanan Andavar</a:t>
+            </a:r>
+          </a:p>
+        </p:txBody>
+      </p:sp>
+    </p:spTree>
+    <p:extLst>
+      <p:ext uri="{BB962C8B-B14F-4D97-AF65-F5344CB8AC3E}">
+        <p14:creationId xmlns:p14="http://schemas.microsoft.com/office/powerpoint/2010/main" val="2103880967"/>
+      </p:ext>
+    </p:extLst>
+  </p:cSld>
+  <p:clrMapOvr>
+    <a:masterClrMapping/>
+  </p:clrMapOvr>
+</p:notes>
 </file>
 
 <file path=ppt/slideLayouts/slideLayout1.xml><?xml version="1.0" encoding="utf-8"?>
@@ -154,10 +907,9 @@
           <a:lstStyle/>
           <a:p>
             <a:r>
-              <a:rPr lang="en-US" smtClean="0"/>
+              <a:rPr lang="en-US"/>
               <a:t>Click to edit Master title style</a:t>
             </a:r>
-            <a:endParaRPr lang="en-US"/>
           </a:p>
         </p:txBody>
       </p:sp>
@@ -273,31 +1025,30 @@
           </a:lstStyle>
           <a:p>
             <a:r>
+              <a:rPr lang="en-US"/>
+              <a:t>Click to edit Master subtitle style</a:t>
+            </a:r>
+          </a:p>
+        </p:txBody>
+      </p:sp>
+      <p:sp>
+        <p:nvSpPr>
+          <p:cNvPr id="4" name="Date Placeholder 3"/>
+          <p:cNvSpPr>
+            <a:spLocks noGrp="1"/>
+          </p:cNvSpPr>
+          <p:nvPr>
+            <p:ph type="dt" sz="half" idx="10"/>
+          </p:nvPr>
+        </p:nvSpPr>
+        <p:spPr/>
+        <p:txBody>
+          <a:bodyPr/>
+          <a:lstStyle/>
+          <a:p>
+            <a:fld id="{84B2F7FE-EBF4-4A40-AEFD-723809E1610E}" type="datetime1">
               <a:rPr lang="en-US" smtClean="0"/>
-              <a:t>Click to edit Master subtitle style</a:t>
-            </a:r>
-            <a:endParaRPr lang="en-US"/>
-          </a:p>
-        </p:txBody>
-      </p:sp>
-      <p:sp>
-        <p:nvSpPr>
-          <p:cNvPr id="4" name="Date Placeholder 3"/>
-          <p:cNvSpPr>
-            <a:spLocks noGrp="1"/>
-          </p:cNvSpPr>
-          <p:nvPr>
-            <p:ph type="dt" sz="half" idx="10"/>
-          </p:nvPr>
-        </p:nvSpPr>
-        <p:spPr/>
-        <p:txBody>
-          <a:bodyPr/>
-          <a:lstStyle/>
-          <a:p>
-            <a:fld id="{5BCAD085-E8A6-8845-BD4E-CB4CCA059FC4}" type="datetimeFigureOut">
-              <a:rPr lang="en-US" smtClean="0"/>
-              <a:t>1/27/13</a:t>
+              <a:t>12/10/2024</a:t>
             </a:fld>
             <a:endParaRPr lang="en-US"/>
           </a:p>
@@ -318,6 +1069,10 @@
           <a:bodyPr/>
           <a:lstStyle/>
           <a:p>
+            <a:r>
+              <a:rPr lang="es-ES"/>
+              <a:t>GitHubRepo: https://github.com/develop2clickcomputers/LearnJavaWithSan</a:t>
+            </a:r>
             <a:endParaRPr lang="en-US"/>
           </a:p>
         </p:txBody>
@@ -391,83 +1146,81 @@
           <a:lstStyle/>
           <a:p>
             <a:r>
+              <a:rPr lang="en-US"/>
+              <a:t>Click to edit Master title style</a:t>
+            </a:r>
+          </a:p>
+        </p:txBody>
+      </p:sp>
+      <p:sp>
+        <p:nvSpPr>
+          <p:cNvPr id="3" name="Vertical Text Placeholder 2"/>
+          <p:cNvSpPr>
+            <a:spLocks noGrp="1"/>
+          </p:cNvSpPr>
+          <p:nvPr>
+            <p:ph type="body" orient="vert" idx="1"/>
+          </p:nvPr>
+        </p:nvSpPr>
+        <p:spPr/>
+        <p:txBody>
+          <a:bodyPr vert="eaVert"/>
+          <a:lstStyle/>
+          <a:p>
+            <a:pPr lvl="0"/>
+            <a:r>
+              <a:rPr lang="en-US"/>
+              <a:t>Click to edit Master text styles</a:t>
+            </a:r>
+          </a:p>
+          <a:p>
+            <a:pPr lvl="1"/>
+            <a:r>
+              <a:rPr lang="en-US"/>
+              <a:t>Second level</a:t>
+            </a:r>
+          </a:p>
+          <a:p>
+            <a:pPr lvl="2"/>
+            <a:r>
+              <a:rPr lang="en-US"/>
+              <a:t>Third level</a:t>
+            </a:r>
+          </a:p>
+          <a:p>
+            <a:pPr lvl="3"/>
+            <a:r>
+              <a:rPr lang="en-US"/>
+              <a:t>Fourth level</a:t>
+            </a:r>
+          </a:p>
+          <a:p>
+            <a:pPr lvl="4"/>
+            <a:r>
+              <a:rPr lang="en-US"/>
+              <a:t>Fifth level</a:t>
+            </a:r>
+          </a:p>
+        </p:txBody>
+      </p:sp>
+      <p:sp>
+        <p:nvSpPr>
+          <p:cNvPr id="4" name="Date Placeholder 3"/>
+          <p:cNvSpPr>
+            <a:spLocks noGrp="1"/>
+          </p:cNvSpPr>
+          <p:nvPr>
+            <p:ph type="dt" sz="half" idx="10"/>
+          </p:nvPr>
+        </p:nvSpPr>
+        <p:spPr/>
+        <p:txBody>
+          <a:bodyPr/>
+          <a:lstStyle/>
+          <a:p>
+            <a:fld id="{5DFF3560-B467-4AAD-9AA0-5B5D26961BE4}" type="datetime1">
               <a:rPr lang="en-US" smtClean="0"/>
-              <a:t>Click to edit Master title style</a:t>
-            </a:r>
-            <a:endParaRPr lang="en-US"/>
-          </a:p>
-        </p:txBody>
-      </p:sp>
-      <p:sp>
-        <p:nvSpPr>
-          <p:cNvPr id="3" name="Vertical Text Placeholder 2"/>
-          <p:cNvSpPr>
-            <a:spLocks noGrp="1"/>
-          </p:cNvSpPr>
-          <p:nvPr>
-            <p:ph type="body" orient="vert" idx="1"/>
-          </p:nvPr>
-        </p:nvSpPr>
-        <p:spPr/>
-        <p:txBody>
-          <a:bodyPr vert="eaVert"/>
-          <a:lstStyle/>
-          <a:p>
-            <a:pPr lvl="0"/>
-            <a:r>
-              <a:rPr lang="en-US" smtClean="0"/>
-              <a:t>Click to edit Master text styles</a:t>
-            </a:r>
-          </a:p>
-          <a:p>
-            <a:pPr lvl="1"/>
-            <a:r>
-              <a:rPr lang="en-US" smtClean="0"/>
-              <a:t>Second level</a:t>
-            </a:r>
-          </a:p>
-          <a:p>
-            <a:pPr lvl="2"/>
-            <a:r>
-              <a:rPr lang="en-US" smtClean="0"/>
-              <a:t>Third level</a:t>
-            </a:r>
-          </a:p>
-          <a:p>
-            <a:pPr lvl="3"/>
-            <a:r>
-              <a:rPr lang="en-US" smtClean="0"/>
-              <a:t>Fourth level</a:t>
-            </a:r>
-          </a:p>
-          <a:p>
-            <a:pPr lvl="4"/>
-            <a:r>
-              <a:rPr lang="en-US" smtClean="0"/>
-              <a:t>Fifth level</a:t>
-            </a:r>
-            <a:endParaRPr lang="en-US"/>
-          </a:p>
-        </p:txBody>
-      </p:sp>
-      <p:sp>
-        <p:nvSpPr>
-          <p:cNvPr id="4" name="Date Placeholder 3"/>
-          <p:cNvSpPr>
-            <a:spLocks noGrp="1"/>
-          </p:cNvSpPr>
-          <p:nvPr>
-            <p:ph type="dt" sz="half" idx="10"/>
-          </p:nvPr>
-        </p:nvSpPr>
-        <p:spPr/>
-        <p:txBody>
-          <a:bodyPr/>
-          <a:lstStyle/>
-          <a:p>
-            <a:fld id="{5BCAD085-E8A6-8845-BD4E-CB4CCA059FC4}" type="datetimeFigureOut">
-              <a:rPr lang="en-US" smtClean="0"/>
-              <a:t>1/27/13</a:t>
+              <a:t>12/10/2024</a:t>
             </a:fld>
             <a:endParaRPr lang="en-US"/>
           </a:p>
@@ -488,6 +1241,10 @@
           <a:bodyPr/>
           <a:lstStyle/>
           <a:p>
+            <a:r>
+              <a:rPr lang="es-ES"/>
+              <a:t>GitHubRepo: https://github.com/develop2clickcomputers/LearnJavaWithSan</a:t>
+            </a:r>
             <a:endParaRPr lang="en-US"/>
           </a:p>
         </p:txBody>
@@ -566,10 +1323,9 @@
           <a:lstStyle/>
           <a:p>
             <a:r>
-              <a:rPr lang="en-US" smtClean="0"/>
+              <a:rPr lang="en-US"/>
               <a:t>Click to edit Master title style</a:t>
             </a:r>
-            <a:endParaRPr lang="en-US"/>
           </a:p>
         </p:txBody>
       </p:sp>
@@ -595,59 +1351,58 @@
           <a:p>
             <a:pPr lvl="0"/>
             <a:r>
+              <a:rPr lang="en-US"/>
+              <a:t>Click to edit Master text styles</a:t>
+            </a:r>
+          </a:p>
+          <a:p>
+            <a:pPr lvl="1"/>
+            <a:r>
+              <a:rPr lang="en-US"/>
+              <a:t>Second level</a:t>
+            </a:r>
+          </a:p>
+          <a:p>
+            <a:pPr lvl="2"/>
+            <a:r>
+              <a:rPr lang="en-US"/>
+              <a:t>Third level</a:t>
+            </a:r>
+          </a:p>
+          <a:p>
+            <a:pPr lvl="3"/>
+            <a:r>
+              <a:rPr lang="en-US"/>
+              <a:t>Fourth level</a:t>
+            </a:r>
+          </a:p>
+          <a:p>
+            <a:pPr lvl="4"/>
+            <a:r>
+              <a:rPr lang="en-US"/>
+              <a:t>Fifth level</a:t>
+            </a:r>
+          </a:p>
+        </p:txBody>
+      </p:sp>
+      <p:sp>
+        <p:nvSpPr>
+          <p:cNvPr id="4" name="Date Placeholder 3"/>
+          <p:cNvSpPr>
+            <a:spLocks noGrp="1"/>
+          </p:cNvSpPr>
+          <p:nvPr>
+            <p:ph type="dt" sz="half" idx="10"/>
+          </p:nvPr>
+        </p:nvSpPr>
+        <p:spPr/>
+        <p:txBody>
+          <a:bodyPr/>
+          <a:lstStyle/>
+          <a:p>
+            <a:fld id="{0BA2FB96-E574-48D3-847E-CB24606A1544}" type="datetime1">
               <a:rPr lang="en-US" smtClean="0"/>
-              <a:t>Click to edit Master text styles</a:t>
-            </a:r>
-          </a:p>
-          <a:p>
-            <a:pPr lvl="1"/>
-            <a:r>
-              <a:rPr lang="en-US" smtClean="0"/>
-              <a:t>Second level</a:t>
-            </a:r>
-          </a:p>
-          <a:p>
-            <a:pPr lvl="2"/>
-            <a:r>
-              <a:rPr lang="en-US" smtClean="0"/>
-              <a:t>Third level</a:t>
-            </a:r>
-          </a:p>
-          <a:p>
-            <a:pPr lvl="3"/>
-            <a:r>
-              <a:rPr lang="en-US" smtClean="0"/>
-              <a:t>Fourth level</a:t>
-            </a:r>
-          </a:p>
-          <a:p>
-            <a:pPr lvl="4"/>
-            <a:r>
-              <a:rPr lang="en-US" smtClean="0"/>
-              <a:t>Fifth level</a:t>
-            </a:r>
-            <a:endParaRPr lang="en-US"/>
-          </a:p>
-        </p:txBody>
-      </p:sp>
-      <p:sp>
-        <p:nvSpPr>
-          <p:cNvPr id="4" name="Date Placeholder 3"/>
-          <p:cNvSpPr>
-            <a:spLocks noGrp="1"/>
-          </p:cNvSpPr>
-          <p:nvPr>
-            <p:ph type="dt" sz="half" idx="10"/>
-          </p:nvPr>
-        </p:nvSpPr>
-        <p:spPr/>
-        <p:txBody>
-          <a:bodyPr/>
-          <a:lstStyle/>
-          <a:p>
-            <a:fld id="{5BCAD085-E8A6-8845-BD4E-CB4CCA059FC4}" type="datetimeFigureOut">
-              <a:rPr lang="en-US" smtClean="0"/>
-              <a:t>1/27/13</a:t>
+              <a:t>12/10/2024</a:t>
             </a:fld>
             <a:endParaRPr lang="en-US"/>
           </a:p>
@@ -668,6 +1423,10 @@
           <a:bodyPr/>
           <a:lstStyle/>
           <a:p>
+            <a:r>
+              <a:rPr lang="es-ES"/>
+              <a:t>GitHubRepo: https://github.com/develop2clickcomputers/LearnJavaWithSan</a:t>
+            </a:r>
             <a:endParaRPr lang="en-US"/>
           </a:p>
         </p:txBody>
@@ -741,83 +1500,81 @@
           <a:lstStyle/>
           <a:p>
             <a:r>
+              <a:rPr lang="en-US"/>
+              <a:t>Click to edit Master title style</a:t>
+            </a:r>
+          </a:p>
+        </p:txBody>
+      </p:sp>
+      <p:sp>
+        <p:nvSpPr>
+          <p:cNvPr id="3" name="Content Placeholder 2"/>
+          <p:cNvSpPr>
+            <a:spLocks noGrp="1"/>
+          </p:cNvSpPr>
+          <p:nvPr>
+            <p:ph idx="1"/>
+          </p:nvPr>
+        </p:nvSpPr>
+        <p:spPr/>
+        <p:txBody>
+          <a:bodyPr/>
+          <a:lstStyle/>
+          <a:p>
+            <a:pPr lvl="0"/>
+            <a:r>
+              <a:rPr lang="en-US"/>
+              <a:t>Click to edit Master text styles</a:t>
+            </a:r>
+          </a:p>
+          <a:p>
+            <a:pPr lvl="1"/>
+            <a:r>
+              <a:rPr lang="en-US"/>
+              <a:t>Second level</a:t>
+            </a:r>
+          </a:p>
+          <a:p>
+            <a:pPr lvl="2"/>
+            <a:r>
+              <a:rPr lang="en-US"/>
+              <a:t>Third level</a:t>
+            </a:r>
+          </a:p>
+          <a:p>
+            <a:pPr lvl="3"/>
+            <a:r>
+              <a:rPr lang="en-US"/>
+              <a:t>Fourth level</a:t>
+            </a:r>
+          </a:p>
+          <a:p>
+            <a:pPr lvl="4"/>
+            <a:r>
+              <a:rPr lang="en-US"/>
+              <a:t>Fifth level</a:t>
+            </a:r>
+          </a:p>
+        </p:txBody>
+      </p:sp>
+      <p:sp>
+        <p:nvSpPr>
+          <p:cNvPr id="4" name="Date Placeholder 3"/>
+          <p:cNvSpPr>
+            <a:spLocks noGrp="1"/>
+          </p:cNvSpPr>
+          <p:nvPr>
+            <p:ph type="dt" sz="half" idx="10"/>
+          </p:nvPr>
+        </p:nvSpPr>
+        <p:spPr/>
+        <p:txBody>
+          <a:bodyPr/>
+          <a:lstStyle/>
+          <a:p>
+            <a:fld id="{E6F06F5D-DED4-43D8-A7A6-846999E0F1E8}" type="datetime1">
               <a:rPr lang="en-US" smtClean="0"/>
-              <a:t>Click to edit Master title style</a:t>
-            </a:r>
-            <a:endParaRPr lang="en-US"/>
-          </a:p>
-        </p:txBody>
-      </p:sp>
-      <p:sp>
-        <p:nvSpPr>
-          <p:cNvPr id="3" name="Content Placeholder 2"/>
-          <p:cNvSpPr>
-            <a:spLocks noGrp="1"/>
-          </p:cNvSpPr>
-          <p:nvPr>
-            <p:ph idx="1"/>
-          </p:nvPr>
-        </p:nvSpPr>
-        <p:spPr/>
-        <p:txBody>
-          <a:bodyPr/>
-          <a:lstStyle/>
-          <a:p>
-            <a:pPr lvl="0"/>
-            <a:r>
-              <a:rPr lang="en-US" smtClean="0"/>
-              <a:t>Click to edit Master text styles</a:t>
-            </a:r>
-          </a:p>
-          <a:p>
-            <a:pPr lvl="1"/>
-            <a:r>
-              <a:rPr lang="en-US" smtClean="0"/>
-              <a:t>Second level</a:t>
-            </a:r>
-          </a:p>
-          <a:p>
-            <a:pPr lvl="2"/>
-            <a:r>
-              <a:rPr lang="en-US" smtClean="0"/>
-              <a:t>Third level</a:t>
-            </a:r>
-          </a:p>
-          <a:p>
-            <a:pPr lvl="3"/>
-            <a:r>
-              <a:rPr lang="en-US" smtClean="0"/>
-              <a:t>Fourth level</a:t>
-            </a:r>
-          </a:p>
-          <a:p>
-            <a:pPr lvl="4"/>
-            <a:r>
-              <a:rPr lang="en-US" smtClean="0"/>
-              <a:t>Fifth level</a:t>
-            </a:r>
-            <a:endParaRPr lang="en-US"/>
-          </a:p>
-        </p:txBody>
-      </p:sp>
-      <p:sp>
-        <p:nvSpPr>
-          <p:cNvPr id="4" name="Date Placeholder 3"/>
-          <p:cNvSpPr>
-            <a:spLocks noGrp="1"/>
-          </p:cNvSpPr>
-          <p:nvPr>
-            <p:ph type="dt" sz="half" idx="10"/>
-          </p:nvPr>
-        </p:nvSpPr>
-        <p:spPr/>
-        <p:txBody>
-          <a:bodyPr/>
-          <a:lstStyle/>
-          <a:p>
-            <a:fld id="{5BCAD085-E8A6-8845-BD4E-CB4CCA059FC4}" type="datetimeFigureOut">
-              <a:rPr lang="en-US" smtClean="0"/>
-              <a:t>1/27/13</a:t>
+              <a:t>12/10/2024</a:t>
             </a:fld>
             <a:endParaRPr lang="en-US"/>
           </a:p>
@@ -838,6 +1595,10 @@
           <a:bodyPr/>
           <a:lstStyle/>
           <a:p>
+            <a:r>
+              <a:rPr lang="es-ES"/>
+              <a:t>GitHubRepo: https://github.com/develop2clickcomputers/LearnJavaWithSan</a:t>
+            </a:r>
             <a:endParaRPr lang="en-US"/>
           </a:p>
         </p:txBody>
@@ -920,10 +1681,9 @@
           </a:lstStyle>
           <a:p>
             <a:r>
-              <a:rPr lang="en-US" smtClean="0"/>
+              <a:rPr lang="en-US"/>
               <a:t>Click to edit Master title style</a:t>
             </a:r>
-            <a:endParaRPr lang="en-US"/>
           </a:p>
         </p:txBody>
       </p:sp>
@@ -1040,30 +1800,30 @@
           <a:p>
             <a:pPr lvl="0"/>
             <a:r>
+              <a:rPr lang="en-US"/>
+              <a:t>Click to edit Master text styles</a:t>
+            </a:r>
+          </a:p>
+        </p:txBody>
+      </p:sp>
+      <p:sp>
+        <p:nvSpPr>
+          <p:cNvPr id="4" name="Date Placeholder 3"/>
+          <p:cNvSpPr>
+            <a:spLocks noGrp="1"/>
+          </p:cNvSpPr>
+          <p:nvPr>
+            <p:ph type="dt" sz="half" idx="10"/>
+          </p:nvPr>
+        </p:nvSpPr>
+        <p:spPr/>
+        <p:txBody>
+          <a:bodyPr/>
+          <a:lstStyle/>
+          <a:p>
+            <a:fld id="{445F737B-82C4-425D-9F9B-0D6E3314DEBE}" type="datetime1">
               <a:rPr lang="en-US" smtClean="0"/>
-              <a:t>Click to edit Master text styles</a:t>
-            </a:r>
-          </a:p>
-        </p:txBody>
-      </p:sp>
-      <p:sp>
-        <p:nvSpPr>
-          <p:cNvPr id="4" name="Date Placeholder 3"/>
-          <p:cNvSpPr>
-            <a:spLocks noGrp="1"/>
-          </p:cNvSpPr>
-          <p:nvPr>
-            <p:ph type="dt" sz="half" idx="10"/>
-          </p:nvPr>
-        </p:nvSpPr>
-        <p:spPr/>
-        <p:txBody>
-          <a:bodyPr/>
-          <a:lstStyle/>
-          <a:p>
-            <a:fld id="{5BCAD085-E8A6-8845-BD4E-CB4CCA059FC4}" type="datetimeFigureOut">
-              <a:rPr lang="en-US" smtClean="0"/>
-              <a:t>1/27/13</a:t>
+              <a:t>12/10/2024</a:t>
             </a:fld>
             <a:endParaRPr lang="en-US"/>
           </a:p>
@@ -1084,6 +1844,10 @@
           <a:bodyPr/>
           <a:lstStyle/>
           <a:p>
+            <a:r>
+              <a:rPr lang="es-ES"/>
+              <a:t>GitHubRepo: https://github.com/develop2clickcomputers/LearnJavaWithSan</a:t>
+            </a:r>
             <a:endParaRPr lang="en-US"/>
           </a:p>
         </p:txBody>
@@ -1157,10 +1921,9 @@
           <a:lstStyle/>
           <a:p>
             <a:r>
-              <a:rPr lang="en-US" smtClean="0"/>
+              <a:rPr lang="en-US"/>
               <a:t>Click to edit Master title style</a:t>
             </a:r>
-            <a:endParaRPr lang="en-US"/>
           </a:p>
         </p:txBody>
       </p:sp>
@@ -1214,38 +1977,37 @@
           <a:p>
             <a:pPr lvl="0"/>
             <a:r>
-              <a:rPr lang="en-US" smtClean="0"/>
+              <a:rPr lang="en-US"/>
               <a:t>Click to edit Master text styles</a:t>
             </a:r>
           </a:p>
           <a:p>
             <a:pPr lvl="1"/>
             <a:r>
-              <a:rPr lang="en-US" smtClean="0"/>
+              <a:rPr lang="en-US"/>
               <a:t>Second level</a:t>
             </a:r>
           </a:p>
           <a:p>
             <a:pPr lvl="2"/>
             <a:r>
-              <a:rPr lang="en-US" smtClean="0"/>
+              <a:rPr lang="en-US"/>
               <a:t>Third level</a:t>
             </a:r>
           </a:p>
           <a:p>
             <a:pPr lvl="3"/>
             <a:r>
-              <a:rPr lang="en-US" smtClean="0"/>
+              <a:rPr lang="en-US"/>
               <a:t>Fourth level</a:t>
             </a:r>
           </a:p>
           <a:p>
             <a:pPr lvl="4"/>
             <a:r>
-              <a:rPr lang="en-US" smtClean="0"/>
+              <a:rPr lang="en-US"/>
               <a:t>Fifth level</a:t>
             </a:r>
-            <a:endParaRPr lang="en-US"/>
           </a:p>
         </p:txBody>
       </p:sp>
@@ -1299,59 +2061,58 @@
           <a:p>
             <a:pPr lvl="0"/>
             <a:r>
+              <a:rPr lang="en-US"/>
+              <a:t>Click to edit Master text styles</a:t>
+            </a:r>
+          </a:p>
+          <a:p>
+            <a:pPr lvl="1"/>
+            <a:r>
+              <a:rPr lang="en-US"/>
+              <a:t>Second level</a:t>
+            </a:r>
+          </a:p>
+          <a:p>
+            <a:pPr lvl="2"/>
+            <a:r>
+              <a:rPr lang="en-US"/>
+              <a:t>Third level</a:t>
+            </a:r>
+          </a:p>
+          <a:p>
+            <a:pPr lvl="3"/>
+            <a:r>
+              <a:rPr lang="en-US"/>
+              <a:t>Fourth level</a:t>
+            </a:r>
+          </a:p>
+          <a:p>
+            <a:pPr lvl="4"/>
+            <a:r>
+              <a:rPr lang="en-US"/>
+              <a:t>Fifth level</a:t>
+            </a:r>
+          </a:p>
+        </p:txBody>
+      </p:sp>
+      <p:sp>
+        <p:nvSpPr>
+          <p:cNvPr id="5" name="Date Placeholder 4"/>
+          <p:cNvSpPr>
+            <a:spLocks noGrp="1"/>
+          </p:cNvSpPr>
+          <p:nvPr>
+            <p:ph type="dt" sz="half" idx="10"/>
+          </p:nvPr>
+        </p:nvSpPr>
+        <p:spPr/>
+        <p:txBody>
+          <a:bodyPr/>
+          <a:lstStyle/>
+          <a:p>
+            <a:fld id="{352D84D0-495C-4FD6-BB96-DB077C1743DA}" type="datetime1">
               <a:rPr lang="en-US" smtClean="0"/>
-              <a:t>Click to edit Master text styles</a:t>
-            </a:r>
-          </a:p>
-          <a:p>
-            <a:pPr lvl="1"/>
-            <a:r>
-              <a:rPr lang="en-US" smtClean="0"/>
-              <a:t>Second level</a:t>
-            </a:r>
-          </a:p>
-          <a:p>
-            <a:pPr lvl="2"/>
-            <a:r>
-              <a:rPr lang="en-US" smtClean="0"/>
-              <a:t>Third level</a:t>
-            </a:r>
-          </a:p>
-          <a:p>
-            <a:pPr lvl="3"/>
-            <a:r>
-              <a:rPr lang="en-US" smtClean="0"/>
-              <a:t>Fourth level</a:t>
-            </a:r>
-          </a:p>
-          <a:p>
-            <a:pPr lvl="4"/>
-            <a:r>
-              <a:rPr lang="en-US" smtClean="0"/>
-              <a:t>Fifth level</a:t>
-            </a:r>
-            <a:endParaRPr lang="en-US"/>
-          </a:p>
-        </p:txBody>
-      </p:sp>
-      <p:sp>
-        <p:nvSpPr>
-          <p:cNvPr id="5" name="Date Placeholder 4"/>
-          <p:cNvSpPr>
-            <a:spLocks noGrp="1"/>
-          </p:cNvSpPr>
-          <p:nvPr>
-            <p:ph type="dt" sz="half" idx="10"/>
-          </p:nvPr>
-        </p:nvSpPr>
-        <p:spPr/>
-        <p:txBody>
-          <a:bodyPr/>
-          <a:lstStyle/>
-          <a:p>
-            <a:fld id="{5BCAD085-E8A6-8845-BD4E-CB4CCA059FC4}" type="datetimeFigureOut">
-              <a:rPr lang="en-US" smtClean="0"/>
-              <a:t>1/27/13</a:t>
+              <a:t>12/10/2024</a:t>
             </a:fld>
             <a:endParaRPr lang="en-US"/>
           </a:p>
@@ -1372,6 +2133,10 @@
           <a:bodyPr/>
           <a:lstStyle/>
           <a:p>
+            <a:r>
+              <a:rPr lang="es-ES"/>
+              <a:t>GitHubRepo: https://github.com/develop2clickcomputers/LearnJavaWithSan</a:t>
+            </a:r>
             <a:endParaRPr lang="en-US"/>
           </a:p>
         </p:txBody>
@@ -1449,10 +2214,9 @@
           </a:lstStyle>
           <a:p>
             <a:r>
-              <a:rPr lang="en-US" smtClean="0"/>
+              <a:rPr lang="en-US"/>
               <a:t>Click to edit Master title style</a:t>
             </a:r>
-            <a:endParaRPr lang="en-US"/>
           </a:p>
         </p:txBody>
       </p:sp>
@@ -1515,7 +2279,7 @@
           <a:p>
             <a:pPr lvl="0"/>
             <a:r>
-              <a:rPr lang="en-US" smtClean="0"/>
+              <a:rPr lang="en-US"/>
               <a:t>Click to edit Master text styles</a:t>
             </a:r>
           </a:p>
@@ -1571,38 +2335,37 @@
           <a:p>
             <a:pPr lvl="0"/>
             <a:r>
-              <a:rPr lang="en-US" smtClean="0"/>
+              <a:rPr lang="en-US"/>
               <a:t>Click to edit Master text styles</a:t>
             </a:r>
           </a:p>
           <a:p>
             <a:pPr lvl="1"/>
             <a:r>
-              <a:rPr lang="en-US" smtClean="0"/>
+              <a:rPr lang="en-US"/>
               <a:t>Second level</a:t>
             </a:r>
           </a:p>
           <a:p>
             <a:pPr lvl="2"/>
             <a:r>
-              <a:rPr lang="en-US" smtClean="0"/>
+              <a:rPr lang="en-US"/>
               <a:t>Third level</a:t>
             </a:r>
           </a:p>
           <a:p>
             <a:pPr lvl="3"/>
             <a:r>
-              <a:rPr lang="en-US" smtClean="0"/>
+              <a:rPr lang="en-US"/>
               <a:t>Fourth level</a:t>
             </a:r>
           </a:p>
           <a:p>
             <a:pPr lvl="4"/>
             <a:r>
-              <a:rPr lang="en-US" smtClean="0"/>
+              <a:rPr lang="en-US"/>
               <a:t>Fifth level</a:t>
             </a:r>
-            <a:endParaRPr lang="en-US"/>
           </a:p>
         </p:txBody>
       </p:sp>
@@ -1665,7 +2428,7 @@
           <a:p>
             <a:pPr lvl="0"/>
             <a:r>
-              <a:rPr lang="en-US" smtClean="0"/>
+              <a:rPr lang="en-US"/>
               <a:t>Click to edit Master text styles</a:t>
             </a:r>
           </a:p>
@@ -1721,59 +2484,58 @@
           <a:p>
             <a:pPr lvl="0"/>
             <a:r>
+              <a:rPr lang="en-US"/>
+              <a:t>Click to edit Master text styles</a:t>
+            </a:r>
+          </a:p>
+          <a:p>
+            <a:pPr lvl="1"/>
+            <a:r>
+              <a:rPr lang="en-US"/>
+              <a:t>Second level</a:t>
+            </a:r>
+          </a:p>
+          <a:p>
+            <a:pPr lvl="2"/>
+            <a:r>
+              <a:rPr lang="en-US"/>
+              <a:t>Third level</a:t>
+            </a:r>
+          </a:p>
+          <a:p>
+            <a:pPr lvl="3"/>
+            <a:r>
+              <a:rPr lang="en-US"/>
+              <a:t>Fourth level</a:t>
+            </a:r>
+          </a:p>
+          <a:p>
+            <a:pPr lvl="4"/>
+            <a:r>
+              <a:rPr lang="en-US"/>
+              <a:t>Fifth level</a:t>
+            </a:r>
+          </a:p>
+        </p:txBody>
+      </p:sp>
+      <p:sp>
+        <p:nvSpPr>
+          <p:cNvPr id="7" name="Date Placeholder 6"/>
+          <p:cNvSpPr>
+            <a:spLocks noGrp="1"/>
+          </p:cNvSpPr>
+          <p:nvPr>
+            <p:ph type="dt" sz="half" idx="10"/>
+          </p:nvPr>
+        </p:nvSpPr>
+        <p:spPr/>
+        <p:txBody>
+          <a:bodyPr/>
+          <a:lstStyle/>
+          <a:p>
+            <a:fld id="{1287C6DC-6025-4D20-A6AA-0F82CAAE3E82}" type="datetime1">
               <a:rPr lang="en-US" smtClean="0"/>
-              <a:t>Click to edit Master text styles</a:t>
-            </a:r>
-          </a:p>
-          <a:p>
-            <a:pPr lvl="1"/>
-            <a:r>
-              <a:rPr lang="en-US" smtClean="0"/>
-              <a:t>Second level</a:t>
-            </a:r>
-          </a:p>
-          <a:p>
-            <a:pPr lvl="2"/>
-            <a:r>
-              <a:rPr lang="en-US" smtClean="0"/>
-              <a:t>Third level</a:t>
-            </a:r>
-          </a:p>
-          <a:p>
-            <a:pPr lvl="3"/>
-            <a:r>
-              <a:rPr lang="en-US" smtClean="0"/>
-              <a:t>Fourth level</a:t>
-            </a:r>
-          </a:p>
-          <a:p>
-            <a:pPr lvl="4"/>
-            <a:r>
-              <a:rPr lang="en-US" smtClean="0"/>
-              <a:t>Fifth level</a:t>
-            </a:r>
-            <a:endParaRPr lang="en-US"/>
-          </a:p>
-        </p:txBody>
-      </p:sp>
-      <p:sp>
-        <p:nvSpPr>
-          <p:cNvPr id="7" name="Date Placeholder 6"/>
-          <p:cNvSpPr>
-            <a:spLocks noGrp="1"/>
-          </p:cNvSpPr>
-          <p:nvPr>
-            <p:ph type="dt" sz="half" idx="10"/>
-          </p:nvPr>
-        </p:nvSpPr>
-        <p:spPr/>
-        <p:txBody>
-          <a:bodyPr/>
-          <a:lstStyle/>
-          <a:p>
-            <a:fld id="{5BCAD085-E8A6-8845-BD4E-CB4CCA059FC4}" type="datetimeFigureOut">
-              <a:rPr lang="en-US" smtClean="0"/>
-              <a:t>1/27/13</a:t>
+              <a:t>12/10/2024</a:t>
             </a:fld>
             <a:endParaRPr lang="en-US"/>
           </a:p>
@@ -1794,6 +2556,10 @@
           <a:bodyPr/>
           <a:lstStyle/>
           <a:p>
+            <a:r>
+              <a:rPr lang="es-ES"/>
+              <a:t>GitHubRepo: https://github.com/develop2clickcomputers/LearnJavaWithSan</a:t>
+            </a:r>
             <a:endParaRPr lang="en-US"/>
           </a:p>
         </p:txBody>
@@ -1867,31 +2633,30 @@
           <a:lstStyle/>
           <a:p>
             <a:r>
+              <a:rPr lang="en-US"/>
+              <a:t>Click to edit Master title style</a:t>
+            </a:r>
+          </a:p>
+        </p:txBody>
+      </p:sp>
+      <p:sp>
+        <p:nvSpPr>
+          <p:cNvPr id="3" name="Date Placeholder 2"/>
+          <p:cNvSpPr>
+            <a:spLocks noGrp="1"/>
+          </p:cNvSpPr>
+          <p:nvPr>
+            <p:ph type="dt" sz="half" idx="10"/>
+          </p:nvPr>
+        </p:nvSpPr>
+        <p:spPr/>
+        <p:txBody>
+          <a:bodyPr/>
+          <a:lstStyle/>
+          <a:p>
+            <a:fld id="{4686FA9F-653F-46D0-9EC4-5B6C2F094A0E}" type="datetime1">
               <a:rPr lang="en-US" smtClean="0"/>
-              <a:t>Click to edit Master title style</a:t>
-            </a:r>
-            <a:endParaRPr lang="en-US"/>
-          </a:p>
-        </p:txBody>
-      </p:sp>
-      <p:sp>
-        <p:nvSpPr>
-          <p:cNvPr id="3" name="Date Placeholder 2"/>
-          <p:cNvSpPr>
-            <a:spLocks noGrp="1"/>
-          </p:cNvSpPr>
-          <p:nvPr>
-            <p:ph type="dt" sz="half" idx="10"/>
-          </p:nvPr>
-        </p:nvSpPr>
-        <p:spPr/>
-        <p:txBody>
-          <a:bodyPr/>
-          <a:lstStyle/>
-          <a:p>
-            <a:fld id="{5BCAD085-E8A6-8845-BD4E-CB4CCA059FC4}" type="datetimeFigureOut">
-              <a:rPr lang="en-US" smtClean="0"/>
-              <a:t>1/27/13</a:t>
+              <a:t>12/10/2024</a:t>
             </a:fld>
             <a:endParaRPr lang="en-US"/>
           </a:p>
@@ -1912,6 +2677,10 @@
           <a:bodyPr/>
           <a:lstStyle/>
           <a:p>
+            <a:r>
+              <a:rPr lang="es-ES"/>
+              <a:t>GitHubRepo: https://github.com/develop2clickcomputers/LearnJavaWithSan</a:t>
+            </a:r>
             <a:endParaRPr lang="en-US"/>
           </a:p>
         </p:txBody>
@@ -1984,9 +2753,9 @@
           <a:bodyPr/>
           <a:lstStyle/>
           <a:p>
-            <a:fld id="{5BCAD085-E8A6-8845-BD4E-CB4CCA059FC4}" type="datetimeFigureOut">
+            <a:fld id="{A6FD7427-503F-4C4A-9869-01C810E0A598}" type="datetime1">
               <a:rPr lang="en-US" smtClean="0"/>
-              <a:t>1/27/13</a:t>
+              <a:t>12/10/2024</a:t>
             </a:fld>
             <a:endParaRPr lang="en-US"/>
           </a:p>
@@ -2007,6 +2776,10 @@
           <a:bodyPr/>
           <a:lstStyle/>
           <a:p>
+            <a:r>
+              <a:rPr lang="es-ES"/>
+              <a:t>GitHubRepo: https://github.com/develop2clickcomputers/LearnJavaWithSan</a:t>
+            </a:r>
             <a:endParaRPr lang="en-US"/>
           </a:p>
         </p:txBody>
@@ -2089,10 +2862,9 @@
           </a:lstStyle>
           <a:p>
             <a:r>
-              <a:rPr lang="en-US" smtClean="0"/>
+              <a:rPr lang="en-US"/>
               <a:t>Click to edit Master title style</a:t>
             </a:r>
-            <a:endParaRPr lang="en-US"/>
           </a:p>
         </p:txBody>
       </p:sp>
@@ -2146,38 +2918,37 @@
           <a:p>
             <a:pPr lvl="0"/>
             <a:r>
-              <a:rPr lang="en-US" smtClean="0"/>
+              <a:rPr lang="en-US"/>
               <a:t>Click to edit Master text styles</a:t>
             </a:r>
           </a:p>
           <a:p>
             <a:pPr lvl="1"/>
             <a:r>
-              <a:rPr lang="en-US" smtClean="0"/>
+              <a:rPr lang="en-US"/>
               <a:t>Second level</a:t>
             </a:r>
           </a:p>
           <a:p>
             <a:pPr lvl="2"/>
             <a:r>
-              <a:rPr lang="en-US" smtClean="0"/>
+              <a:rPr lang="en-US"/>
               <a:t>Third level</a:t>
             </a:r>
           </a:p>
           <a:p>
             <a:pPr lvl="3"/>
             <a:r>
-              <a:rPr lang="en-US" smtClean="0"/>
+              <a:rPr lang="en-US"/>
               <a:t>Fourth level</a:t>
             </a:r>
           </a:p>
           <a:p>
             <a:pPr lvl="4"/>
             <a:r>
-              <a:rPr lang="en-US" smtClean="0"/>
+              <a:rPr lang="en-US"/>
               <a:t>Fifth level</a:t>
             </a:r>
-            <a:endParaRPr lang="en-US"/>
           </a:p>
         </p:txBody>
       </p:sp>
@@ -2240,30 +3011,30 @@
           <a:p>
             <a:pPr lvl="0"/>
             <a:r>
+              <a:rPr lang="en-US"/>
+              <a:t>Click to edit Master text styles</a:t>
+            </a:r>
+          </a:p>
+        </p:txBody>
+      </p:sp>
+      <p:sp>
+        <p:nvSpPr>
+          <p:cNvPr id="5" name="Date Placeholder 4"/>
+          <p:cNvSpPr>
+            <a:spLocks noGrp="1"/>
+          </p:cNvSpPr>
+          <p:nvPr>
+            <p:ph type="dt" sz="half" idx="10"/>
+          </p:nvPr>
+        </p:nvSpPr>
+        <p:spPr/>
+        <p:txBody>
+          <a:bodyPr/>
+          <a:lstStyle/>
+          <a:p>
+            <a:fld id="{7454FF40-E388-4FA7-8ED8-8029ECF33290}" type="datetime1">
               <a:rPr lang="en-US" smtClean="0"/>
-              <a:t>Click to edit Master text styles</a:t>
-            </a:r>
-          </a:p>
-        </p:txBody>
-      </p:sp>
-      <p:sp>
-        <p:nvSpPr>
-          <p:cNvPr id="5" name="Date Placeholder 4"/>
-          <p:cNvSpPr>
-            <a:spLocks noGrp="1"/>
-          </p:cNvSpPr>
-          <p:nvPr>
-            <p:ph type="dt" sz="half" idx="10"/>
-          </p:nvPr>
-        </p:nvSpPr>
-        <p:spPr/>
-        <p:txBody>
-          <a:bodyPr/>
-          <a:lstStyle/>
-          <a:p>
-            <a:fld id="{5BCAD085-E8A6-8845-BD4E-CB4CCA059FC4}" type="datetimeFigureOut">
-              <a:rPr lang="en-US" smtClean="0"/>
-              <a:t>1/27/13</a:t>
+              <a:t>12/10/2024</a:t>
             </a:fld>
             <a:endParaRPr lang="en-US"/>
           </a:p>
@@ -2284,6 +3055,10 @@
           <a:bodyPr/>
           <a:lstStyle/>
           <a:p>
+            <a:r>
+              <a:rPr lang="es-ES"/>
+              <a:t>GitHubRepo: https://github.com/develop2clickcomputers/LearnJavaWithSan</a:t>
+            </a:r>
             <a:endParaRPr lang="en-US"/>
           </a:p>
         </p:txBody>
@@ -2366,10 +3141,9 @@
           </a:lstStyle>
           <a:p>
             <a:r>
-              <a:rPr lang="en-US" smtClean="0"/>
+              <a:rPr lang="en-US"/>
               <a:t>Click to edit Master title style</a:t>
             </a:r>
-            <a:endParaRPr lang="en-US"/>
           </a:p>
         </p:txBody>
       </p:sp>
@@ -2493,30 +3267,30 @@
           <a:p>
             <a:pPr lvl="0"/>
             <a:r>
+              <a:rPr lang="en-US"/>
+              <a:t>Click to edit Master text styles</a:t>
+            </a:r>
+          </a:p>
+        </p:txBody>
+      </p:sp>
+      <p:sp>
+        <p:nvSpPr>
+          <p:cNvPr id="5" name="Date Placeholder 4"/>
+          <p:cNvSpPr>
+            <a:spLocks noGrp="1"/>
+          </p:cNvSpPr>
+          <p:nvPr>
+            <p:ph type="dt" sz="half" idx="10"/>
+          </p:nvPr>
+        </p:nvSpPr>
+        <p:spPr/>
+        <p:txBody>
+          <a:bodyPr/>
+          <a:lstStyle/>
+          <a:p>
+            <a:fld id="{2F7CA9AD-9776-4EF8-B06B-72555B0EC765}" type="datetime1">
               <a:rPr lang="en-US" smtClean="0"/>
-              <a:t>Click to edit Master text styles</a:t>
-            </a:r>
-          </a:p>
-        </p:txBody>
-      </p:sp>
-      <p:sp>
-        <p:nvSpPr>
-          <p:cNvPr id="5" name="Date Placeholder 4"/>
-          <p:cNvSpPr>
-            <a:spLocks noGrp="1"/>
-          </p:cNvSpPr>
-          <p:nvPr>
-            <p:ph type="dt" sz="half" idx="10"/>
-          </p:nvPr>
-        </p:nvSpPr>
-        <p:spPr/>
-        <p:txBody>
-          <a:bodyPr/>
-          <a:lstStyle/>
-          <a:p>
-            <a:fld id="{5BCAD085-E8A6-8845-BD4E-CB4CCA059FC4}" type="datetimeFigureOut">
-              <a:rPr lang="en-US" smtClean="0"/>
-              <a:t>1/27/13</a:t>
+              <a:t>12/10/2024</a:t>
             </a:fld>
             <a:endParaRPr lang="en-US"/>
           </a:p>
@@ -2537,6 +3311,10 @@
           <a:bodyPr/>
           <a:lstStyle/>
           <a:p>
+            <a:r>
+              <a:rPr lang="es-ES"/>
+              <a:t>GitHubRepo: https://github.com/develop2clickcomputers/LearnJavaWithSan</a:t>
+            </a:r>
             <a:endParaRPr lang="en-US"/>
           </a:p>
         </p:txBody>
@@ -2625,10 +3403,9 @@
           <a:lstStyle/>
           <a:p>
             <a:r>
-              <a:rPr lang="en-US" smtClean="0"/>
+              <a:rPr lang="en-US"/>
               <a:t>Click to edit Master title style</a:t>
             </a:r>
-            <a:endParaRPr lang="en-US"/>
           </a:p>
         </p:txBody>
       </p:sp>
@@ -2659,38 +3436,37 @@
           <a:p>
             <a:pPr lvl="0"/>
             <a:r>
-              <a:rPr lang="en-US" smtClean="0"/>
+              <a:rPr lang="en-US"/>
               <a:t>Click to edit Master text styles</a:t>
             </a:r>
           </a:p>
           <a:p>
             <a:pPr lvl="1"/>
             <a:r>
-              <a:rPr lang="en-US" smtClean="0"/>
+              <a:rPr lang="en-US"/>
               <a:t>Second level</a:t>
             </a:r>
           </a:p>
           <a:p>
             <a:pPr lvl="2"/>
             <a:r>
-              <a:rPr lang="en-US" smtClean="0"/>
+              <a:rPr lang="en-US"/>
               <a:t>Third level</a:t>
             </a:r>
           </a:p>
           <a:p>
             <a:pPr lvl="3"/>
             <a:r>
-              <a:rPr lang="en-US" smtClean="0"/>
+              <a:rPr lang="en-US"/>
               <a:t>Fourth level</a:t>
             </a:r>
           </a:p>
           <a:p>
             <a:pPr lvl="4"/>
             <a:r>
-              <a:rPr lang="en-US" smtClean="0"/>
+              <a:rPr lang="en-US"/>
               <a:t>Fifth level</a:t>
             </a:r>
-            <a:endParaRPr lang="en-US"/>
           </a:p>
         </p:txBody>
       </p:sp>
@@ -2727,9 +3503,9 @@
             </a:lvl1pPr>
           </a:lstStyle>
           <a:p>
-            <a:fld id="{5BCAD085-E8A6-8845-BD4E-CB4CCA059FC4}" type="datetimeFigureOut">
+            <a:fld id="{1EB5FBDE-3A96-4D14-BEB0-5321AA3FB765}" type="datetime1">
               <a:rPr lang="en-US" smtClean="0"/>
-              <a:t>1/27/13</a:t>
+              <a:t>12/10/2024</a:t>
             </a:fld>
             <a:endParaRPr lang="en-US"/>
           </a:p>
@@ -2768,6 +3544,10 @@
             </a:lvl1pPr>
           </a:lstStyle>
           <a:p>
+            <a:r>
+              <a:rPr lang="es-ES"/>
+              <a:t>GitHubRepo: https://github.com/develop2clickcomputers/LearnJavaWithSan</a:t>
+            </a:r>
             <a:endParaRPr lang="en-US"/>
           </a:p>
         </p:txBody>
@@ -2834,6 +3614,7 @@
     <p:sldLayoutId id="2147483658" r:id="rId10"/>
     <p:sldLayoutId id="2147483659" r:id="rId11"/>
   </p:sldLayoutIdLst>
+  <p:hf hdr="0"/>
   <p:txStyles>
     <p:titleStyle>
       <a:lvl1pPr algn="ctr" defTabSz="457200" rtl="0" eaLnBrk="1" latinLnBrk="0" hangingPunct="1">
@@ -3088,7 +3869,7 @@
 </file>
 
 <file path=ppt/slides/slide1.xml><?xml version="1.0" encoding="utf-8"?>
-<p:sld xmlns:a="http://schemas.openxmlformats.org/drawingml/2006/main" xmlns:p="http://schemas.openxmlformats.org/presentationml/2006/main" xmlns:r="http://schemas.openxmlformats.org/officeDocument/2006/relationships">
+<p:sld xmlns:a="http://schemas.openxmlformats.org/drawingml/2006/main" xmlns:r="http://schemas.openxmlformats.org/officeDocument/2006/relationships" xmlns:p="http://schemas.openxmlformats.org/presentationml/2006/main">
   <p:cSld>
     <p:spTree>
       <p:nvGrpSpPr>
@@ -3096,7 +3877,14 @@
         <p:cNvGrpSpPr/>
         <p:nvPr/>
       </p:nvGrpSpPr>
-      <p:grpSpPr/>
+      <p:grpSpPr>
+        <a:xfrm>
+          <a:off x="0" y="0"/>
+          <a:ext cx="0" cy="0"/>
+          <a:chOff x="0" y="0"/>
+          <a:chExt cx="0" cy="0"/>
+        </a:xfrm>
+      </p:grpSpPr>
       <p:sp>
         <p:nvSpPr>
           <p:cNvPr id="2" name="Title 1"/>
@@ -3130,12 +3918,112 @@
         </p:nvSpPr>
         <p:spPr/>
         <p:txBody>
-          <a:bodyPr/>
-          <a:lstStyle/>
-          <a:p>
-            <a:r>
+          <a:bodyPr>
+            <a:normAutofit/>
+          </a:bodyPr>
+          <a:lstStyle/>
+          <a:p>
+            <a:r>
+              <a:rPr dirty="0"/>
               <a:t>Learning the Basics for Grade 10 Students</a:t>
             </a:r>
+            <a:endParaRPr lang="en-CA" dirty="0"/>
+          </a:p>
+          <a:p>
+            <a:endParaRPr lang="en-CA" dirty="0"/>
+          </a:p>
+          <a:p>
+            <a:endParaRPr lang="en-CA" dirty="0"/>
+          </a:p>
+          <a:p>
+            <a:endParaRPr dirty="0"/>
+          </a:p>
+        </p:txBody>
+      </p:sp>
+      <p:sp>
+        <p:nvSpPr>
+          <p:cNvPr id="4" name="Date Placeholder 3">
+            <a:extLst>
+              <a:ext uri="{FF2B5EF4-FFF2-40B4-BE49-F238E27FC236}">
+                <a16:creationId xmlns:a16="http://schemas.microsoft.com/office/drawing/2014/main" id="{6434D97B-174E-4D54-A3F1-A518B735ED88}"/>
+              </a:ext>
+            </a:extLst>
+          </p:cNvPr>
+          <p:cNvSpPr>
+            <a:spLocks noGrp="1"/>
+          </p:cNvSpPr>
+          <p:nvPr>
+            <p:ph type="dt" sz="half" idx="10"/>
+          </p:nvPr>
+        </p:nvSpPr>
+        <p:spPr/>
+        <p:txBody>
+          <a:bodyPr/>
+          <a:lstStyle/>
+          <a:p>
+            <a:fld id="{E8BCD75B-7FD6-4D9E-A1BB-D3FB4FD9AA0A}" type="datetime1">
+              <a:rPr lang="en-US" smtClean="0"/>
+              <a:t>12/10/2024</a:t>
+            </a:fld>
+            <a:endParaRPr lang="en-US"/>
+          </a:p>
+        </p:txBody>
+      </p:sp>
+      <p:sp>
+        <p:nvSpPr>
+          <p:cNvPr id="5" name="Footer Placeholder 4">
+            <a:extLst>
+              <a:ext uri="{FF2B5EF4-FFF2-40B4-BE49-F238E27FC236}">
+                <a16:creationId xmlns:a16="http://schemas.microsoft.com/office/drawing/2014/main" id="{E19DBDB5-102F-47A3-8E23-59BAF06780FF}"/>
+              </a:ext>
+            </a:extLst>
+          </p:cNvPr>
+          <p:cNvSpPr>
+            <a:spLocks noGrp="1"/>
+          </p:cNvSpPr>
+          <p:nvPr>
+            <p:ph type="ftr" sz="quarter" idx="11"/>
+          </p:nvPr>
+        </p:nvSpPr>
+        <p:spPr/>
+        <p:txBody>
+          <a:bodyPr/>
+          <a:lstStyle/>
+          <a:p>
+            <a:r>
+              <a:rPr lang="es-ES"/>
+              <a:t>GitHubRepo: https://github.com/develop2clickcomputers/LearnJavaWithSan</a:t>
+            </a:r>
+            <a:endParaRPr lang="en-US"/>
+          </a:p>
+        </p:txBody>
+      </p:sp>
+      <p:sp>
+        <p:nvSpPr>
+          <p:cNvPr id="6" name="Slide Number Placeholder 5">
+            <a:extLst>
+              <a:ext uri="{FF2B5EF4-FFF2-40B4-BE49-F238E27FC236}">
+                <a16:creationId xmlns:a16="http://schemas.microsoft.com/office/drawing/2014/main" id="{9BA81402-2757-4066-BAD8-5DFB9ADB85EF}"/>
+              </a:ext>
+            </a:extLst>
+          </p:cNvPr>
+          <p:cNvSpPr>
+            <a:spLocks noGrp="1"/>
+          </p:cNvSpPr>
+          <p:nvPr>
+            <p:ph type="sldNum" sz="quarter" idx="12"/>
+          </p:nvPr>
+        </p:nvSpPr>
+        <p:spPr/>
+        <p:txBody>
+          <a:bodyPr/>
+          <a:lstStyle/>
+          <a:p>
+            <a:fld id="{C1FF6DA9-008F-8B48-92A6-B652298478BF}" type="slidenum">
+              <a:rPr lang="en-US" smtClean="0"/>
+              <a:t>1</a:t>
+            </a:fld>
+            <a:endParaRPr lang="en-US"/>
           </a:p>
         </p:txBody>
       </p:sp>
@@ -3148,7 +4036,7 @@
 </file>
 
 <file path=ppt/slides/slide10.xml><?xml version="1.0" encoding="utf-8"?>
-<p:sld xmlns:a="http://schemas.openxmlformats.org/drawingml/2006/main" xmlns:p="http://schemas.openxmlformats.org/presentationml/2006/main" xmlns:r="http://schemas.openxmlformats.org/officeDocument/2006/relationships">
+<p:sld xmlns:a="http://schemas.openxmlformats.org/drawingml/2006/main" xmlns:r="http://schemas.openxmlformats.org/officeDocument/2006/relationships" xmlns:p="http://schemas.openxmlformats.org/presentationml/2006/main">
   <p:cSld>
     <p:spTree>
       <p:nvGrpSpPr>
@@ -3156,7 +4044,14 @@
         <p:cNvGrpSpPr/>
         <p:nvPr/>
       </p:nvGrpSpPr>
-      <p:grpSpPr/>
+      <p:grpSpPr>
+        <a:xfrm>
+          <a:off x="0" y="0"/>
+          <a:ext cx="0" cy="0"/>
+          <a:chOff x="0" y="0"/>
+          <a:chExt cx="0" cy="0"/>
+        </a:xfrm>
+      </p:grpSpPr>
       <p:sp>
         <p:nvSpPr>
           <p:cNvPr id="2" name="Title 1"/>
@@ -3167,6 +4062,1530 @@
             <p:ph type="title"/>
           </p:nvPr>
         </p:nvSpPr>
+        <p:spPr>
+          <a:xfrm>
+            <a:off x="457200" y="274637"/>
+            <a:ext cx="8573784" cy="2037047"/>
+          </a:xfrm>
+        </p:spPr>
+        <p:txBody>
+          <a:bodyPr>
+            <a:normAutofit/>
+          </a:bodyPr>
+          <a:lstStyle/>
+          <a:p>
+            <a:r>
+              <a:rPr sz="3600" dirty="0"/>
+              <a:t>What is </a:t>
+            </a:r>
+            <a:r>
+              <a:rPr lang="en-CA" sz="3600" dirty="0"/>
+              <a:t>a CPU, Memory, HDD, Processor, Process</a:t>
+            </a:r>
+            <a:r>
+              <a:rPr sz="3600" dirty="0"/>
+              <a:t>?</a:t>
+            </a:r>
+            <a:r>
+              <a:rPr lang="en-CA" sz="3600" dirty="0"/>
+              <a:t> Also, How its related?</a:t>
+            </a:r>
+            <a:endParaRPr sz="3600" dirty="0"/>
+          </a:p>
+        </p:txBody>
+      </p:sp>
+      <p:sp>
+        <p:nvSpPr>
+          <p:cNvPr id="4" name="Date Placeholder 3">
+            <a:extLst>
+              <a:ext uri="{FF2B5EF4-FFF2-40B4-BE49-F238E27FC236}">
+                <a16:creationId xmlns:a16="http://schemas.microsoft.com/office/drawing/2014/main" id="{70D2D55E-E8FD-4B34-BD27-C14ED9815D8B}"/>
+              </a:ext>
+            </a:extLst>
+          </p:cNvPr>
+          <p:cNvSpPr>
+            <a:spLocks noGrp="1"/>
+          </p:cNvSpPr>
+          <p:nvPr>
+            <p:ph type="dt" sz="half" idx="10"/>
+          </p:nvPr>
+        </p:nvSpPr>
+        <p:spPr/>
+        <p:txBody>
+          <a:bodyPr/>
+          <a:lstStyle/>
+          <a:p>
+            <a:fld id="{2BEC5103-41C2-4753-9A5D-54D3476FCAC0}" type="datetime1">
+              <a:rPr lang="en-US" smtClean="0"/>
+              <a:t>12/10/2024</a:t>
+            </a:fld>
+            <a:endParaRPr lang="en-US"/>
+          </a:p>
+        </p:txBody>
+      </p:sp>
+      <p:sp>
+        <p:nvSpPr>
+          <p:cNvPr id="5" name="Footer Placeholder 4">
+            <a:extLst>
+              <a:ext uri="{FF2B5EF4-FFF2-40B4-BE49-F238E27FC236}">
+                <a16:creationId xmlns:a16="http://schemas.microsoft.com/office/drawing/2014/main" id="{711B9911-AAEF-430B-845E-9DF47E1505BA}"/>
+              </a:ext>
+            </a:extLst>
+          </p:cNvPr>
+          <p:cNvSpPr>
+            <a:spLocks noGrp="1"/>
+          </p:cNvSpPr>
+          <p:nvPr>
+            <p:ph type="ftr" sz="quarter" idx="11"/>
+          </p:nvPr>
+        </p:nvSpPr>
+        <p:spPr/>
+        <p:txBody>
+          <a:bodyPr/>
+          <a:lstStyle/>
+          <a:p>
+            <a:r>
+              <a:rPr lang="es-ES"/>
+              <a:t>GitHubRepo: https://github.com/develop2clickcomputers/LearnJavaWithSan</a:t>
+            </a:r>
+            <a:endParaRPr lang="en-US"/>
+          </a:p>
+        </p:txBody>
+      </p:sp>
+      <p:sp>
+        <p:nvSpPr>
+          <p:cNvPr id="6" name="Slide Number Placeholder 5">
+            <a:extLst>
+              <a:ext uri="{FF2B5EF4-FFF2-40B4-BE49-F238E27FC236}">
+                <a16:creationId xmlns:a16="http://schemas.microsoft.com/office/drawing/2014/main" id="{6A853133-7F41-415A-8C9D-74230DE24FB6}"/>
+              </a:ext>
+            </a:extLst>
+          </p:cNvPr>
+          <p:cNvSpPr>
+            <a:spLocks noGrp="1"/>
+          </p:cNvSpPr>
+          <p:nvPr>
+            <p:ph type="sldNum" sz="quarter" idx="12"/>
+          </p:nvPr>
+        </p:nvSpPr>
+        <p:spPr/>
+        <p:txBody>
+          <a:bodyPr/>
+          <a:lstStyle/>
+          <a:p>
+            <a:fld id="{C1FF6DA9-008F-8B48-92A6-B652298478BF}" type="slidenum">
+              <a:rPr lang="en-US" smtClean="0"/>
+              <a:t>10</a:t>
+            </a:fld>
+            <a:endParaRPr lang="en-US"/>
+          </a:p>
+        </p:txBody>
+      </p:sp>
+      <p:sp>
+        <p:nvSpPr>
+          <p:cNvPr id="9" name="Content Placeholder 8">
+            <a:extLst>
+              <a:ext uri="{FF2B5EF4-FFF2-40B4-BE49-F238E27FC236}">
+                <a16:creationId xmlns:a16="http://schemas.microsoft.com/office/drawing/2014/main" id="{B604709A-DC3A-4690-A915-91A995963D24}"/>
+              </a:ext>
+            </a:extLst>
+          </p:cNvPr>
+          <p:cNvSpPr>
+            <a:spLocks noGrp="1"/>
+          </p:cNvSpPr>
+          <p:nvPr>
+            <p:ph idx="1"/>
+          </p:nvPr>
+        </p:nvSpPr>
+        <p:spPr/>
+        <p:txBody>
+          <a:bodyPr/>
+          <a:lstStyle/>
+          <a:p>
+            <a:endParaRPr lang="en-CA" dirty="0"/>
+          </a:p>
+          <a:p>
+            <a:endParaRPr lang="en-CA" dirty="0"/>
+          </a:p>
+        </p:txBody>
+      </p:sp>
+      <p:pic>
+        <p:nvPicPr>
+          <p:cNvPr id="10" name="Picture 9">
+            <a:extLst>
+              <a:ext uri="{FF2B5EF4-FFF2-40B4-BE49-F238E27FC236}">
+                <a16:creationId xmlns:a16="http://schemas.microsoft.com/office/drawing/2014/main" id="{754F14C2-9B9B-44FE-9587-B84E1891EEB6}"/>
+              </a:ext>
+            </a:extLst>
+          </p:cNvPr>
+          <p:cNvPicPr>
+            <a:picLocks noChangeAspect="1"/>
+          </p:cNvPicPr>
+          <p:nvPr/>
+        </p:nvPicPr>
+        <p:blipFill>
+          <a:blip r:embed="rId2"/>
+          <a:stretch>
+            <a:fillRect/>
+          </a:stretch>
+        </p:blipFill>
+        <p:spPr>
+          <a:xfrm>
+            <a:off x="2568472" y="1953243"/>
+            <a:ext cx="3575474" cy="4293445"/>
+          </a:xfrm>
+          <a:prstGeom prst="rect">
+            <a:avLst/>
+          </a:prstGeom>
+        </p:spPr>
+      </p:pic>
+    </p:spTree>
+    <p:extLst>
+      <p:ext uri="{BB962C8B-B14F-4D97-AF65-F5344CB8AC3E}">
+        <p14:creationId xmlns:p14="http://schemas.microsoft.com/office/powerpoint/2010/main" val="1557494862"/>
+      </p:ext>
+    </p:extLst>
+  </p:cSld>
+  <p:clrMapOvr>
+    <a:masterClrMapping/>
+  </p:clrMapOvr>
+</p:sld>
+</file>
+
+<file path=ppt/slides/slide11.xml><?xml version="1.0" encoding="utf-8"?>
+<p:sld xmlns:a="http://schemas.openxmlformats.org/drawingml/2006/main" xmlns:r="http://schemas.openxmlformats.org/officeDocument/2006/relationships" xmlns:p="http://schemas.openxmlformats.org/presentationml/2006/main">
+  <p:cSld>
+    <p:spTree>
+      <p:nvGrpSpPr>
+        <p:cNvPr id="1" name=""/>
+        <p:cNvGrpSpPr/>
+        <p:nvPr/>
+      </p:nvGrpSpPr>
+      <p:grpSpPr>
+        <a:xfrm>
+          <a:off x="0" y="0"/>
+          <a:ext cx="0" cy="0"/>
+          <a:chOff x="0" y="0"/>
+          <a:chExt cx="0" cy="0"/>
+        </a:xfrm>
+      </p:grpSpPr>
+      <p:sp>
+        <p:nvSpPr>
+          <p:cNvPr id="2" name="Title 1"/>
+          <p:cNvSpPr>
+            <a:spLocks noGrp="1"/>
+          </p:cNvSpPr>
+          <p:nvPr>
+            <p:ph type="title"/>
+          </p:nvPr>
+        </p:nvSpPr>
+        <p:spPr/>
+        <p:txBody>
+          <a:bodyPr/>
+          <a:lstStyle/>
+          <a:p>
+            <a:r>
+              <a:t>What is Java?</a:t>
+            </a:r>
+          </a:p>
+        </p:txBody>
+      </p:sp>
+      <p:sp>
+        <p:nvSpPr>
+          <p:cNvPr id="3" name="Content Placeholder 2"/>
+          <p:cNvSpPr>
+            <a:spLocks noGrp="1"/>
+          </p:cNvSpPr>
+          <p:nvPr>
+            <p:ph idx="1"/>
+          </p:nvPr>
+        </p:nvSpPr>
+        <p:spPr/>
+        <p:txBody>
+          <a:bodyPr/>
+          <a:lstStyle/>
+          <a:p>
+            <a:r>
+              <a:t>Java is a programming language and computing platform.</a:t>
+            </a:r>
+          </a:p>
+          <a:p>
+            <a:r>
+              <a:t>It is used in various areas such as mobile apps, web applications, games, and bank software.</a:t>
+            </a:r>
+          </a:p>
+          <a:p>
+            <a:r>
+              <a:t>Java has evolved over time, leading up to Java 8.</a:t>
+            </a:r>
+          </a:p>
+        </p:txBody>
+      </p:sp>
+      <p:sp>
+        <p:nvSpPr>
+          <p:cNvPr id="4" name="Date Placeholder 3">
+            <a:extLst>
+              <a:ext uri="{FF2B5EF4-FFF2-40B4-BE49-F238E27FC236}">
+                <a16:creationId xmlns:a16="http://schemas.microsoft.com/office/drawing/2014/main" id="{70D2D55E-E8FD-4B34-BD27-C14ED9815D8B}"/>
+              </a:ext>
+            </a:extLst>
+          </p:cNvPr>
+          <p:cNvSpPr>
+            <a:spLocks noGrp="1"/>
+          </p:cNvSpPr>
+          <p:nvPr>
+            <p:ph type="dt" sz="half" idx="10"/>
+          </p:nvPr>
+        </p:nvSpPr>
+        <p:spPr/>
+        <p:txBody>
+          <a:bodyPr/>
+          <a:lstStyle/>
+          <a:p>
+            <a:fld id="{2BEC5103-41C2-4753-9A5D-54D3476FCAC0}" type="datetime1">
+              <a:rPr lang="en-US" smtClean="0"/>
+              <a:t>12/10/2024</a:t>
+            </a:fld>
+            <a:endParaRPr lang="en-US"/>
+          </a:p>
+        </p:txBody>
+      </p:sp>
+      <p:sp>
+        <p:nvSpPr>
+          <p:cNvPr id="5" name="Footer Placeholder 4">
+            <a:extLst>
+              <a:ext uri="{FF2B5EF4-FFF2-40B4-BE49-F238E27FC236}">
+                <a16:creationId xmlns:a16="http://schemas.microsoft.com/office/drawing/2014/main" id="{711B9911-AAEF-430B-845E-9DF47E1505BA}"/>
+              </a:ext>
+            </a:extLst>
+          </p:cNvPr>
+          <p:cNvSpPr>
+            <a:spLocks noGrp="1"/>
+          </p:cNvSpPr>
+          <p:nvPr>
+            <p:ph type="ftr" sz="quarter" idx="11"/>
+          </p:nvPr>
+        </p:nvSpPr>
+        <p:spPr/>
+        <p:txBody>
+          <a:bodyPr/>
+          <a:lstStyle/>
+          <a:p>
+            <a:r>
+              <a:rPr lang="es-ES"/>
+              <a:t>GitHubRepo: https://github.com/develop2clickcomputers/LearnJavaWithSan</a:t>
+            </a:r>
+            <a:endParaRPr lang="en-US"/>
+          </a:p>
+        </p:txBody>
+      </p:sp>
+      <p:sp>
+        <p:nvSpPr>
+          <p:cNvPr id="6" name="Slide Number Placeholder 5">
+            <a:extLst>
+              <a:ext uri="{FF2B5EF4-FFF2-40B4-BE49-F238E27FC236}">
+                <a16:creationId xmlns:a16="http://schemas.microsoft.com/office/drawing/2014/main" id="{6A853133-7F41-415A-8C9D-74230DE24FB6}"/>
+              </a:ext>
+            </a:extLst>
+          </p:cNvPr>
+          <p:cNvSpPr>
+            <a:spLocks noGrp="1"/>
+          </p:cNvSpPr>
+          <p:nvPr>
+            <p:ph type="sldNum" sz="quarter" idx="12"/>
+          </p:nvPr>
+        </p:nvSpPr>
+        <p:spPr/>
+        <p:txBody>
+          <a:bodyPr/>
+          <a:lstStyle/>
+          <a:p>
+            <a:fld id="{C1FF6DA9-008F-8B48-92A6-B652298478BF}" type="slidenum">
+              <a:rPr lang="en-US" smtClean="0"/>
+              <a:t>11</a:t>
+            </a:fld>
+            <a:endParaRPr lang="en-US"/>
+          </a:p>
+        </p:txBody>
+      </p:sp>
+    </p:spTree>
+    <p:extLst>
+      <p:ext uri="{BB962C8B-B14F-4D97-AF65-F5344CB8AC3E}">
+        <p14:creationId xmlns:p14="http://schemas.microsoft.com/office/powerpoint/2010/main" val="49044795"/>
+      </p:ext>
+    </p:extLst>
+  </p:cSld>
+  <p:clrMapOvr>
+    <a:masterClrMapping/>
+  </p:clrMapOvr>
+</p:sld>
+</file>
+
+<file path=ppt/slides/slide12.xml><?xml version="1.0" encoding="utf-8"?>
+<p:sld xmlns:a="http://schemas.openxmlformats.org/drawingml/2006/main" xmlns:r="http://schemas.openxmlformats.org/officeDocument/2006/relationships" xmlns:p="http://schemas.openxmlformats.org/presentationml/2006/main">
+  <p:cSld>
+    <p:spTree>
+      <p:nvGrpSpPr>
+        <p:cNvPr id="1" name=""/>
+        <p:cNvGrpSpPr/>
+        <p:nvPr/>
+      </p:nvGrpSpPr>
+      <p:grpSpPr>
+        <a:xfrm>
+          <a:off x="0" y="0"/>
+          <a:ext cx="0" cy="0"/>
+          <a:chOff x="0" y="0"/>
+          <a:chExt cx="0" cy="0"/>
+        </a:xfrm>
+      </p:grpSpPr>
+      <p:sp>
+        <p:nvSpPr>
+          <p:cNvPr id="2" name="Title 1"/>
+          <p:cNvSpPr>
+            <a:spLocks noGrp="1"/>
+          </p:cNvSpPr>
+          <p:nvPr>
+            <p:ph type="title"/>
+          </p:nvPr>
+        </p:nvSpPr>
+        <p:spPr/>
+        <p:txBody>
+          <a:bodyPr/>
+          <a:lstStyle/>
+          <a:p>
+            <a:r>
+              <a:t>Why Learn Java?</a:t>
+            </a:r>
+          </a:p>
+        </p:txBody>
+      </p:sp>
+      <p:sp>
+        <p:nvSpPr>
+          <p:cNvPr id="3" name="Content Placeholder 2"/>
+          <p:cNvSpPr>
+            <a:spLocks noGrp="1"/>
+          </p:cNvSpPr>
+          <p:nvPr>
+            <p:ph idx="1"/>
+          </p:nvPr>
+        </p:nvSpPr>
+        <p:spPr/>
+        <p:txBody>
+          <a:bodyPr/>
+          <a:lstStyle/>
+          <a:p>
+            <a:r>
+              <a:t>Java is one of the most popular programming languages in the world.</a:t>
+            </a:r>
+          </a:p>
+          <a:p>
+            <a:r>
+              <a:t>It offers benefits such as platform independence, strong memory management, and security features.</a:t>
+            </a:r>
+          </a:p>
+          <a:p>
+            <a:r>
+              <a:t>Learning Java opens up a wide range of career opportunities in software development.</a:t>
+            </a:r>
+          </a:p>
+        </p:txBody>
+      </p:sp>
+      <p:sp>
+        <p:nvSpPr>
+          <p:cNvPr id="4" name="Date Placeholder 3">
+            <a:extLst>
+              <a:ext uri="{FF2B5EF4-FFF2-40B4-BE49-F238E27FC236}">
+                <a16:creationId xmlns:a16="http://schemas.microsoft.com/office/drawing/2014/main" id="{6085965C-D9EE-4CF6-8805-E04F1097EC92}"/>
+              </a:ext>
+            </a:extLst>
+          </p:cNvPr>
+          <p:cNvSpPr>
+            <a:spLocks noGrp="1"/>
+          </p:cNvSpPr>
+          <p:nvPr>
+            <p:ph type="dt" sz="half" idx="10"/>
+          </p:nvPr>
+        </p:nvSpPr>
+        <p:spPr/>
+        <p:txBody>
+          <a:bodyPr/>
+          <a:lstStyle/>
+          <a:p>
+            <a:fld id="{38094CEE-5F31-4EB1-AD37-805759270AF3}" type="datetime1">
+              <a:rPr lang="en-US" smtClean="0"/>
+              <a:t>12/10/2024</a:t>
+            </a:fld>
+            <a:endParaRPr lang="en-US"/>
+          </a:p>
+        </p:txBody>
+      </p:sp>
+      <p:sp>
+        <p:nvSpPr>
+          <p:cNvPr id="5" name="Footer Placeholder 4">
+            <a:extLst>
+              <a:ext uri="{FF2B5EF4-FFF2-40B4-BE49-F238E27FC236}">
+                <a16:creationId xmlns:a16="http://schemas.microsoft.com/office/drawing/2014/main" id="{B2DAC55E-393E-4646-94AA-EF69D4F3CE0A}"/>
+              </a:ext>
+            </a:extLst>
+          </p:cNvPr>
+          <p:cNvSpPr>
+            <a:spLocks noGrp="1"/>
+          </p:cNvSpPr>
+          <p:nvPr>
+            <p:ph type="ftr" sz="quarter" idx="11"/>
+          </p:nvPr>
+        </p:nvSpPr>
+        <p:spPr/>
+        <p:txBody>
+          <a:bodyPr/>
+          <a:lstStyle/>
+          <a:p>
+            <a:r>
+              <a:rPr lang="es-ES"/>
+              <a:t>GitHubRepo: https://github.com/develop2clickcomputers/LearnJavaWithSan</a:t>
+            </a:r>
+            <a:endParaRPr lang="en-US"/>
+          </a:p>
+        </p:txBody>
+      </p:sp>
+      <p:sp>
+        <p:nvSpPr>
+          <p:cNvPr id="6" name="Slide Number Placeholder 5">
+            <a:extLst>
+              <a:ext uri="{FF2B5EF4-FFF2-40B4-BE49-F238E27FC236}">
+                <a16:creationId xmlns:a16="http://schemas.microsoft.com/office/drawing/2014/main" id="{1F4CAB76-8648-45D8-AFC6-ACB5A6D41BDA}"/>
+              </a:ext>
+            </a:extLst>
+          </p:cNvPr>
+          <p:cNvSpPr>
+            <a:spLocks noGrp="1"/>
+          </p:cNvSpPr>
+          <p:nvPr>
+            <p:ph type="sldNum" sz="quarter" idx="12"/>
+          </p:nvPr>
+        </p:nvSpPr>
+        <p:spPr/>
+        <p:txBody>
+          <a:bodyPr/>
+          <a:lstStyle/>
+          <a:p>
+            <a:fld id="{C1FF6DA9-008F-8B48-92A6-B652298478BF}" type="slidenum">
+              <a:rPr lang="en-US" smtClean="0"/>
+              <a:t>12</a:t>
+            </a:fld>
+            <a:endParaRPr lang="en-US"/>
+          </a:p>
+        </p:txBody>
+      </p:sp>
+    </p:spTree>
+  </p:cSld>
+  <p:clrMapOvr>
+    <a:masterClrMapping/>
+  </p:clrMapOvr>
+</p:sld>
+</file>
+
+<file path=ppt/slides/slide13.xml><?xml version="1.0" encoding="utf-8"?>
+<p:sld xmlns:a="http://schemas.openxmlformats.org/drawingml/2006/main" xmlns:r="http://schemas.openxmlformats.org/officeDocument/2006/relationships" xmlns:p="http://schemas.openxmlformats.org/presentationml/2006/main">
+  <p:cSld>
+    <p:spTree>
+      <p:nvGrpSpPr>
+        <p:cNvPr id="1" name=""/>
+        <p:cNvGrpSpPr/>
+        <p:nvPr/>
+      </p:nvGrpSpPr>
+      <p:grpSpPr>
+        <a:xfrm>
+          <a:off x="0" y="0"/>
+          <a:ext cx="0" cy="0"/>
+          <a:chOff x="0" y="0"/>
+          <a:chExt cx="0" cy="0"/>
+        </a:xfrm>
+      </p:grpSpPr>
+      <p:sp>
+        <p:nvSpPr>
+          <p:cNvPr id="2" name="Title 1"/>
+          <p:cNvSpPr>
+            <a:spLocks noGrp="1"/>
+          </p:cNvSpPr>
+          <p:nvPr>
+            <p:ph type="title"/>
+          </p:nvPr>
+        </p:nvSpPr>
+        <p:spPr/>
+        <p:txBody>
+          <a:bodyPr/>
+          <a:lstStyle/>
+          <a:p>
+            <a:r>
+              <a:t>Getting Started with Java</a:t>
+            </a:r>
+          </a:p>
+        </p:txBody>
+      </p:sp>
+      <p:sp>
+        <p:nvSpPr>
+          <p:cNvPr id="3" name="Content Placeholder 2"/>
+          <p:cNvSpPr>
+            <a:spLocks noGrp="1"/>
+          </p:cNvSpPr>
+          <p:nvPr>
+            <p:ph idx="1"/>
+          </p:nvPr>
+        </p:nvSpPr>
+        <p:spPr/>
+        <p:txBody>
+          <a:bodyPr/>
+          <a:lstStyle/>
+          <a:p>
+            <a:r>
+              <a:t>To start, you need to install Java on your computer.</a:t>
+            </a:r>
+          </a:p>
+          <a:p>
+            <a:r>
+              <a:t>Setting up the environment includes installing the Java Development Kit (JDK) and an Integrated Development Environment (IDE).</a:t>
+            </a:r>
+          </a:p>
+          <a:p>
+            <a:r>
+              <a:t>Example of a simple Java program to print 'Hello, World!'</a:t>
+            </a:r>
+          </a:p>
+        </p:txBody>
+      </p:sp>
+      <p:sp>
+        <p:nvSpPr>
+          <p:cNvPr id="4" name="Date Placeholder 3">
+            <a:extLst>
+              <a:ext uri="{FF2B5EF4-FFF2-40B4-BE49-F238E27FC236}">
+                <a16:creationId xmlns:a16="http://schemas.microsoft.com/office/drawing/2014/main" id="{4CFB1BC4-B861-4A96-9570-2305B26E52EA}"/>
+              </a:ext>
+            </a:extLst>
+          </p:cNvPr>
+          <p:cNvSpPr>
+            <a:spLocks noGrp="1"/>
+          </p:cNvSpPr>
+          <p:nvPr>
+            <p:ph type="dt" sz="half" idx="10"/>
+          </p:nvPr>
+        </p:nvSpPr>
+        <p:spPr/>
+        <p:txBody>
+          <a:bodyPr/>
+          <a:lstStyle/>
+          <a:p>
+            <a:fld id="{D874F0C9-A6B4-49B7-A1B5-29FD97D6973B}" type="datetime1">
+              <a:rPr lang="en-US" smtClean="0"/>
+              <a:t>12/10/2024</a:t>
+            </a:fld>
+            <a:endParaRPr lang="en-US"/>
+          </a:p>
+        </p:txBody>
+      </p:sp>
+      <p:sp>
+        <p:nvSpPr>
+          <p:cNvPr id="5" name="Footer Placeholder 4">
+            <a:extLst>
+              <a:ext uri="{FF2B5EF4-FFF2-40B4-BE49-F238E27FC236}">
+                <a16:creationId xmlns:a16="http://schemas.microsoft.com/office/drawing/2014/main" id="{CDBDD827-7A08-4534-86EB-34C5C8450622}"/>
+              </a:ext>
+            </a:extLst>
+          </p:cNvPr>
+          <p:cNvSpPr>
+            <a:spLocks noGrp="1"/>
+          </p:cNvSpPr>
+          <p:nvPr>
+            <p:ph type="ftr" sz="quarter" idx="11"/>
+          </p:nvPr>
+        </p:nvSpPr>
+        <p:spPr/>
+        <p:txBody>
+          <a:bodyPr/>
+          <a:lstStyle/>
+          <a:p>
+            <a:r>
+              <a:rPr lang="es-ES"/>
+              <a:t>GitHubRepo: https://github.com/develop2clickcomputers/LearnJavaWithSan</a:t>
+            </a:r>
+            <a:endParaRPr lang="en-US"/>
+          </a:p>
+        </p:txBody>
+      </p:sp>
+      <p:sp>
+        <p:nvSpPr>
+          <p:cNvPr id="6" name="Slide Number Placeholder 5">
+            <a:extLst>
+              <a:ext uri="{FF2B5EF4-FFF2-40B4-BE49-F238E27FC236}">
+                <a16:creationId xmlns:a16="http://schemas.microsoft.com/office/drawing/2014/main" id="{4393C6A1-8542-49B2-84CE-1FFA40E83FF9}"/>
+              </a:ext>
+            </a:extLst>
+          </p:cNvPr>
+          <p:cNvSpPr>
+            <a:spLocks noGrp="1"/>
+          </p:cNvSpPr>
+          <p:nvPr>
+            <p:ph type="sldNum" sz="quarter" idx="12"/>
+          </p:nvPr>
+        </p:nvSpPr>
+        <p:spPr/>
+        <p:txBody>
+          <a:bodyPr/>
+          <a:lstStyle/>
+          <a:p>
+            <a:fld id="{C1FF6DA9-008F-8B48-92A6-B652298478BF}" type="slidenum">
+              <a:rPr lang="en-US" smtClean="0"/>
+              <a:t>13</a:t>
+            </a:fld>
+            <a:endParaRPr lang="en-US"/>
+          </a:p>
+        </p:txBody>
+      </p:sp>
+    </p:spTree>
+  </p:cSld>
+  <p:clrMapOvr>
+    <a:masterClrMapping/>
+  </p:clrMapOvr>
+</p:sld>
+</file>
+
+<file path=ppt/slides/slide14.xml><?xml version="1.0" encoding="utf-8"?>
+<p:sld xmlns:a="http://schemas.openxmlformats.org/drawingml/2006/main" xmlns:r="http://schemas.openxmlformats.org/officeDocument/2006/relationships" xmlns:p="http://schemas.openxmlformats.org/presentationml/2006/main">
+  <p:cSld>
+    <p:spTree>
+      <p:nvGrpSpPr>
+        <p:cNvPr id="1" name=""/>
+        <p:cNvGrpSpPr/>
+        <p:nvPr/>
+      </p:nvGrpSpPr>
+      <p:grpSpPr>
+        <a:xfrm>
+          <a:off x="0" y="0"/>
+          <a:ext cx="0" cy="0"/>
+          <a:chOff x="0" y="0"/>
+          <a:chExt cx="0" cy="0"/>
+        </a:xfrm>
+      </p:grpSpPr>
+      <p:sp>
+        <p:nvSpPr>
+          <p:cNvPr id="2" name="Title 1"/>
+          <p:cNvSpPr>
+            <a:spLocks noGrp="1"/>
+          </p:cNvSpPr>
+          <p:nvPr>
+            <p:ph type="title"/>
+          </p:nvPr>
+        </p:nvSpPr>
+        <p:spPr/>
+        <p:txBody>
+          <a:bodyPr/>
+          <a:lstStyle/>
+          <a:p>
+            <a:r>
+              <a:t>Basic Concepts in Java</a:t>
+            </a:r>
+          </a:p>
+        </p:txBody>
+      </p:sp>
+      <p:sp>
+        <p:nvSpPr>
+          <p:cNvPr id="3" name="Content Placeholder 2"/>
+          <p:cNvSpPr>
+            <a:spLocks noGrp="1"/>
+          </p:cNvSpPr>
+          <p:nvPr>
+            <p:ph idx="1"/>
+          </p:nvPr>
+        </p:nvSpPr>
+        <p:spPr/>
+        <p:txBody>
+          <a:bodyPr/>
+          <a:lstStyle/>
+          <a:p>
+            <a:r>
+              <a:t>Variables are used to store information.</a:t>
+            </a:r>
+          </a:p>
+          <a:p>
+            <a:r>
+              <a:t>Java has several primitive data types like int, char, and boolean.</a:t>
+            </a:r>
+          </a:p>
+          <a:p>
+            <a:r>
+              <a:t>Basic operators include addition, subtraction, multiplication, etc.</a:t>
+            </a:r>
+          </a:p>
+        </p:txBody>
+      </p:sp>
+      <p:sp>
+        <p:nvSpPr>
+          <p:cNvPr id="4" name="Date Placeholder 3">
+            <a:extLst>
+              <a:ext uri="{FF2B5EF4-FFF2-40B4-BE49-F238E27FC236}">
+                <a16:creationId xmlns:a16="http://schemas.microsoft.com/office/drawing/2014/main" id="{FE54D3CD-48D8-4544-B3FF-CEFC4924FCBC}"/>
+              </a:ext>
+            </a:extLst>
+          </p:cNvPr>
+          <p:cNvSpPr>
+            <a:spLocks noGrp="1"/>
+          </p:cNvSpPr>
+          <p:nvPr>
+            <p:ph type="dt" sz="half" idx="10"/>
+          </p:nvPr>
+        </p:nvSpPr>
+        <p:spPr/>
+        <p:txBody>
+          <a:bodyPr/>
+          <a:lstStyle/>
+          <a:p>
+            <a:fld id="{ADA47287-F64F-4BFB-8B4E-FF16577CD6D4}" type="datetime1">
+              <a:rPr lang="en-US" smtClean="0"/>
+              <a:t>12/10/2024</a:t>
+            </a:fld>
+            <a:endParaRPr lang="en-US"/>
+          </a:p>
+        </p:txBody>
+      </p:sp>
+      <p:sp>
+        <p:nvSpPr>
+          <p:cNvPr id="5" name="Footer Placeholder 4">
+            <a:extLst>
+              <a:ext uri="{FF2B5EF4-FFF2-40B4-BE49-F238E27FC236}">
+                <a16:creationId xmlns:a16="http://schemas.microsoft.com/office/drawing/2014/main" id="{8681563A-3FBE-4299-B083-560AFC2101FE}"/>
+              </a:ext>
+            </a:extLst>
+          </p:cNvPr>
+          <p:cNvSpPr>
+            <a:spLocks noGrp="1"/>
+          </p:cNvSpPr>
+          <p:nvPr>
+            <p:ph type="ftr" sz="quarter" idx="11"/>
+          </p:nvPr>
+        </p:nvSpPr>
+        <p:spPr/>
+        <p:txBody>
+          <a:bodyPr/>
+          <a:lstStyle/>
+          <a:p>
+            <a:r>
+              <a:rPr lang="es-ES"/>
+              <a:t>GitHubRepo: https://github.com/develop2clickcomputers/LearnJavaWithSan</a:t>
+            </a:r>
+            <a:endParaRPr lang="en-US"/>
+          </a:p>
+        </p:txBody>
+      </p:sp>
+      <p:sp>
+        <p:nvSpPr>
+          <p:cNvPr id="6" name="Slide Number Placeholder 5">
+            <a:extLst>
+              <a:ext uri="{FF2B5EF4-FFF2-40B4-BE49-F238E27FC236}">
+                <a16:creationId xmlns:a16="http://schemas.microsoft.com/office/drawing/2014/main" id="{1E2619E4-EF6D-46A0-9A3F-9A732D2D819A}"/>
+              </a:ext>
+            </a:extLst>
+          </p:cNvPr>
+          <p:cNvSpPr>
+            <a:spLocks noGrp="1"/>
+          </p:cNvSpPr>
+          <p:nvPr>
+            <p:ph type="sldNum" sz="quarter" idx="12"/>
+          </p:nvPr>
+        </p:nvSpPr>
+        <p:spPr/>
+        <p:txBody>
+          <a:bodyPr/>
+          <a:lstStyle/>
+          <a:p>
+            <a:fld id="{C1FF6DA9-008F-8B48-92A6-B652298478BF}" type="slidenum">
+              <a:rPr lang="en-US" smtClean="0"/>
+              <a:t>14</a:t>
+            </a:fld>
+            <a:endParaRPr lang="en-US"/>
+          </a:p>
+        </p:txBody>
+      </p:sp>
+    </p:spTree>
+  </p:cSld>
+  <p:clrMapOvr>
+    <a:masterClrMapping/>
+  </p:clrMapOvr>
+</p:sld>
+</file>
+
+<file path=ppt/slides/slide15.xml><?xml version="1.0" encoding="utf-8"?>
+<p:sld xmlns:a="http://schemas.openxmlformats.org/drawingml/2006/main" xmlns:r="http://schemas.openxmlformats.org/officeDocument/2006/relationships" xmlns:p="http://schemas.openxmlformats.org/presentationml/2006/main">
+  <p:cSld>
+    <p:spTree>
+      <p:nvGrpSpPr>
+        <p:cNvPr id="1" name=""/>
+        <p:cNvGrpSpPr/>
+        <p:nvPr/>
+      </p:nvGrpSpPr>
+      <p:grpSpPr>
+        <a:xfrm>
+          <a:off x="0" y="0"/>
+          <a:ext cx="0" cy="0"/>
+          <a:chOff x="0" y="0"/>
+          <a:chExt cx="0" cy="0"/>
+        </a:xfrm>
+      </p:grpSpPr>
+      <p:sp>
+        <p:nvSpPr>
+          <p:cNvPr id="2" name="Title 1"/>
+          <p:cNvSpPr>
+            <a:spLocks noGrp="1"/>
+          </p:cNvSpPr>
+          <p:nvPr>
+            <p:ph type="title"/>
+          </p:nvPr>
+        </p:nvSpPr>
+        <p:spPr/>
+        <p:txBody>
+          <a:bodyPr/>
+          <a:lstStyle/>
+          <a:p>
+            <a:r>
+              <a:t>Java 8 Features</a:t>
+            </a:r>
+          </a:p>
+        </p:txBody>
+      </p:sp>
+      <p:sp>
+        <p:nvSpPr>
+          <p:cNvPr id="3" name="Content Placeholder 2"/>
+          <p:cNvSpPr>
+            <a:spLocks noGrp="1"/>
+          </p:cNvSpPr>
+          <p:nvPr>
+            <p:ph idx="1"/>
+          </p:nvPr>
+        </p:nvSpPr>
+        <p:spPr/>
+        <p:txBody>
+          <a:bodyPr/>
+          <a:lstStyle/>
+          <a:p>
+            <a:r>
+              <a:t>Lambda Expressions help simplify coding and make it more flexible.</a:t>
+            </a:r>
+          </a:p>
+          <a:p>
+            <a:r>
+              <a:t>Stream API makes it easy to process collections of objects.</a:t>
+            </a:r>
+          </a:p>
+          <a:p>
+            <a:r>
+              <a:t>The improved Date and Time API helps handle date and time more effectively.</a:t>
+            </a:r>
+          </a:p>
+        </p:txBody>
+      </p:sp>
+      <p:sp>
+        <p:nvSpPr>
+          <p:cNvPr id="4" name="Date Placeholder 3">
+            <a:extLst>
+              <a:ext uri="{FF2B5EF4-FFF2-40B4-BE49-F238E27FC236}">
+                <a16:creationId xmlns:a16="http://schemas.microsoft.com/office/drawing/2014/main" id="{149A4939-4928-4FD6-A204-828CAF4E5DD4}"/>
+              </a:ext>
+            </a:extLst>
+          </p:cNvPr>
+          <p:cNvSpPr>
+            <a:spLocks noGrp="1"/>
+          </p:cNvSpPr>
+          <p:nvPr>
+            <p:ph type="dt" sz="half" idx="10"/>
+          </p:nvPr>
+        </p:nvSpPr>
+        <p:spPr/>
+        <p:txBody>
+          <a:bodyPr/>
+          <a:lstStyle/>
+          <a:p>
+            <a:fld id="{E3A42FC4-688E-4BFE-9B50-9191488E774A}" type="datetime1">
+              <a:rPr lang="en-US" smtClean="0"/>
+              <a:t>12/10/2024</a:t>
+            </a:fld>
+            <a:endParaRPr lang="en-US"/>
+          </a:p>
+        </p:txBody>
+      </p:sp>
+      <p:sp>
+        <p:nvSpPr>
+          <p:cNvPr id="5" name="Footer Placeholder 4">
+            <a:extLst>
+              <a:ext uri="{FF2B5EF4-FFF2-40B4-BE49-F238E27FC236}">
+                <a16:creationId xmlns:a16="http://schemas.microsoft.com/office/drawing/2014/main" id="{DB67F963-9DD8-4A98-8AE5-F49A0BDB319B}"/>
+              </a:ext>
+            </a:extLst>
+          </p:cNvPr>
+          <p:cNvSpPr>
+            <a:spLocks noGrp="1"/>
+          </p:cNvSpPr>
+          <p:nvPr>
+            <p:ph type="ftr" sz="quarter" idx="11"/>
+          </p:nvPr>
+        </p:nvSpPr>
+        <p:spPr/>
+        <p:txBody>
+          <a:bodyPr/>
+          <a:lstStyle/>
+          <a:p>
+            <a:r>
+              <a:rPr lang="es-ES"/>
+              <a:t>GitHubRepo: https://github.com/develop2clickcomputers/LearnJavaWithSan</a:t>
+            </a:r>
+            <a:endParaRPr lang="en-US"/>
+          </a:p>
+        </p:txBody>
+      </p:sp>
+      <p:sp>
+        <p:nvSpPr>
+          <p:cNvPr id="6" name="Slide Number Placeholder 5">
+            <a:extLst>
+              <a:ext uri="{FF2B5EF4-FFF2-40B4-BE49-F238E27FC236}">
+                <a16:creationId xmlns:a16="http://schemas.microsoft.com/office/drawing/2014/main" id="{E413999E-A056-4406-B24B-39E322870C9F}"/>
+              </a:ext>
+            </a:extLst>
+          </p:cNvPr>
+          <p:cNvSpPr>
+            <a:spLocks noGrp="1"/>
+          </p:cNvSpPr>
+          <p:nvPr>
+            <p:ph type="sldNum" sz="quarter" idx="12"/>
+          </p:nvPr>
+        </p:nvSpPr>
+        <p:spPr/>
+        <p:txBody>
+          <a:bodyPr/>
+          <a:lstStyle/>
+          <a:p>
+            <a:fld id="{C1FF6DA9-008F-8B48-92A6-B652298478BF}" type="slidenum">
+              <a:rPr lang="en-US" smtClean="0"/>
+              <a:t>15</a:t>
+            </a:fld>
+            <a:endParaRPr lang="en-US"/>
+          </a:p>
+        </p:txBody>
+      </p:sp>
+    </p:spTree>
+  </p:cSld>
+  <p:clrMapOvr>
+    <a:masterClrMapping/>
+  </p:clrMapOvr>
+</p:sld>
+</file>
+
+<file path=ppt/slides/slide16.xml><?xml version="1.0" encoding="utf-8"?>
+<p:sld xmlns:a="http://schemas.openxmlformats.org/drawingml/2006/main" xmlns:r="http://schemas.openxmlformats.org/officeDocument/2006/relationships" xmlns:p="http://schemas.openxmlformats.org/presentationml/2006/main">
+  <p:cSld>
+    <p:spTree>
+      <p:nvGrpSpPr>
+        <p:cNvPr id="1" name=""/>
+        <p:cNvGrpSpPr/>
+        <p:nvPr/>
+      </p:nvGrpSpPr>
+      <p:grpSpPr>
+        <a:xfrm>
+          <a:off x="0" y="0"/>
+          <a:ext cx="0" cy="0"/>
+          <a:chOff x="0" y="0"/>
+          <a:chExt cx="0" cy="0"/>
+        </a:xfrm>
+      </p:grpSpPr>
+      <p:sp>
+        <p:nvSpPr>
+          <p:cNvPr id="2" name="Title 1"/>
+          <p:cNvSpPr>
+            <a:spLocks noGrp="1"/>
+          </p:cNvSpPr>
+          <p:nvPr>
+            <p:ph type="title"/>
+          </p:nvPr>
+        </p:nvSpPr>
+        <p:spPr/>
+        <p:txBody>
+          <a:bodyPr/>
+          <a:lstStyle/>
+          <a:p>
+            <a:r>
+              <a:t>Writing Simple Java Programs</a:t>
+            </a:r>
+          </a:p>
+        </p:txBody>
+      </p:sp>
+      <p:sp>
+        <p:nvSpPr>
+          <p:cNvPr id="3" name="Content Placeholder 2"/>
+          <p:cNvSpPr>
+            <a:spLocks noGrp="1"/>
+          </p:cNvSpPr>
+          <p:nvPr>
+            <p:ph idx="1"/>
+          </p:nvPr>
+        </p:nvSpPr>
+        <p:spPr/>
+        <p:txBody>
+          <a:bodyPr/>
+          <a:lstStyle/>
+          <a:p>
+            <a:r>
+              <a:t>A Java program is structured around classes and methods.</a:t>
+            </a:r>
+          </a:p>
+          <a:p>
+            <a:r>
+              <a:t>Examples include using variables, control statements like if-else, and loops like for and while.</a:t>
+            </a:r>
+          </a:p>
+        </p:txBody>
+      </p:sp>
+      <p:sp>
+        <p:nvSpPr>
+          <p:cNvPr id="4" name="Date Placeholder 3">
+            <a:extLst>
+              <a:ext uri="{FF2B5EF4-FFF2-40B4-BE49-F238E27FC236}">
+                <a16:creationId xmlns:a16="http://schemas.microsoft.com/office/drawing/2014/main" id="{50E85653-5A87-46AB-9AF9-E1407E5AA0AE}"/>
+              </a:ext>
+            </a:extLst>
+          </p:cNvPr>
+          <p:cNvSpPr>
+            <a:spLocks noGrp="1"/>
+          </p:cNvSpPr>
+          <p:nvPr>
+            <p:ph type="dt" sz="half" idx="10"/>
+          </p:nvPr>
+        </p:nvSpPr>
+        <p:spPr/>
+        <p:txBody>
+          <a:bodyPr/>
+          <a:lstStyle/>
+          <a:p>
+            <a:fld id="{E0483B01-A1DE-4E33-9DBC-594529981B16}" type="datetime1">
+              <a:rPr lang="en-US" smtClean="0"/>
+              <a:t>12/10/2024</a:t>
+            </a:fld>
+            <a:endParaRPr lang="en-US"/>
+          </a:p>
+        </p:txBody>
+      </p:sp>
+      <p:sp>
+        <p:nvSpPr>
+          <p:cNvPr id="5" name="Footer Placeholder 4">
+            <a:extLst>
+              <a:ext uri="{FF2B5EF4-FFF2-40B4-BE49-F238E27FC236}">
+                <a16:creationId xmlns:a16="http://schemas.microsoft.com/office/drawing/2014/main" id="{DDB9C2B8-81A3-414A-A20A-2E1B84D5836E}"/>
+              </a:ext>
+            </a:extLst>
+          </p:cNvPr>
+          <p:cNvSpPr>
+            <a:spLocks noGrp="1"/>
+          </p:cNvSpPr>
+          <p:nvPr>
+            <p:ph type="ftr" sz="quarter" idx="11"/>
+          </p:nvPr>
+        </p:nvSpPr>
+        <p:spPr/>
+        <p:txBody>
+          <a:bodyPr/>
+          <a:lstStyle/>
+          <a:p>
+            <a:r>
+              <a:rPr lang="es-ES"/>
+              <a:t>GitHubRepo: https://github.com/develop2clickcomputers/LearnJavaWithSan</a:t>
+            </a:r>
+            <a:endParaRPr lang="en-US"/>
+          </a:p>
+        </p:txBody>
+      </p:sp>
+      <p:sp>
+        <p:nvSpPr>
+          <p:cNvPr id="6" name="Slide Number Placeholder 5">
+            <a:extLst>
+              <a:ext uri="{FF2B5EF4-FFF2-40B4-BE49-F238E27FC236}">
+                <a16:creationId xmlns:a16="http://schemas.microsoft.com/office/drawing/2014/main" id="{1958A7FA-8AC9-4A3E-A49E-B75DBA2E03D0}"/>
+              </a:ext>
+            </a:extLst>
+          </p:cNvPr>
+          <p:cNvSpPr>
+            <a:spLocks noGrp="1"/>
+          </p:cNvSpPr>
+          <p:nvPr>
+            <p:ph type="sldNum" sz="quarter" idx="12"/>
+          </p:nvPr>
+        </p:nvSpPr>
+        <p:spPr/>
+        <p:txBody>
+          <a:bodyPr/>
+          <a:lstStyle/>
+          <a:p>
+            <a:fld id="{C1FF6DA9-008F-8B48-92A6-B652298478BF}" type="slidenum">
+              <a:rPr lang="en-US" smtClean="0"/>
+              <a:t>16</a:t>
+            </a:fld>
+            <a:endParaRPr lang="en-US"/>
+          </a:p>
+        </p:txBody>
+      </p:sp>
+    </p:spTree>
+  </p:cSld>
+  <p:clrMapOvr>
+    <a:masterClrMapping/>
+  </p:clrMapOvr>
+</p:sld>
+</file>
+
+<file path=ppt/slides/slide17.xml><?xml version="1.0" encoding="utf-8"?>
+<p:sld xmlns:a="http://schemas.openxmlformats.org/drawingml/2006/main" xmlns:r="http://schemas.openxmlformats.org/officeDocument/2006/relationships" xmlns:p="http://schemas.openxmlformats.org/presentationml/2006/main">
+  <p:cSld>
+    <p:spTree>
+      <p:nvGrpSpPr>
+        <p:cNvPr id="1" name=""/>
+        <p:cNvGrpSpPr/>
+        <p:nvPr/>
+      </p:nvGrpSpPr>
+      <p:grpSpPr>
+        <a:xfrm>
+          <a:off x="0" y="0"/>
+          <a:ext cx="0" cy="0"/>
+          <a:chOff x="0" y="0"/>
+          <a:chExt cx="0" cy="0"/>
+        </a:xfrm>
+      </p:grpSpPr>
+      <p:sp>
+        <p:nvSpPr>
+          <p:cNvPr id="2" name="Title 1"/>
+          <p:cNvSpPr>
+            <a:spLocks noGrp="1"/>
+          </p:cNvSpPr>
+          <p:nvPr>
+            <p:ph type="title"/>
+          </p:nvPr>
+        </p:nvSpPr>
+        <p:spPr/>
+        <p:txBody>
+          <a:bodyPr/>
+          <a:lstStyle/>
+          <a:p>
+            <a:r>
+              <a:t>Interactive Activity</a:t>
+            </a:r>
+          </a:p>
+        </p:txBody>
+      </p:sp>
+      <p:sp>
+        <p:nvSpPr>
+          <p:cNvPr id="3" name="Content Placeholder 2"/>
+          <p:cNvSpPr>
+            <a:spLocks noGrp="1"/>
+          </p:cNvSpPr>
+          <p:nvPr>
+            <p:ph idx="1"/>
+          </p:nvPr>
+        </p:nvSpPr>
+        <p:spPr/>
+        <p:txBody>
+          <a:bodyPr/>
+          <a:lstStyle/>
+          <a:p>
+            <a:r>
+              <a:t>A coding exercise to engage students with a simple task they can try on their computers.</a:t>
+            </a:r>
+          </a:p>
+          <a:p>
+            <a:r>
+              <a:t>Example problem: Write a program to calculate the sum of numbers from 1 to 10.</a:t>
+            </a:r>
+          </a:p>
+        </p:txBody>
+      </p:sp>
+      <p:sp>
+        <p:nvSpPr>
+          <p:cNvPr id="4" name="Date Placeholder 3">
+            <a:extLst>
+              <a:ext uri="{FF2B5EF4-FFF2-40B4-BE49-F238E27FC236}">
+                <a16:creationId xmlns:a16="http://schemas.microsoft.com/office/drawing/2014/main" id="{7542D02D-D3FE-45A4-B5AC-5F8FAABC9DC2}"/>
+              </a:ext>
+            </a:extLst>
+          </p:cNvPr>
+          <p:cNvSpPr>
+            <a:spLocks noGrp="1"/>
+          </p:cNvSpPr>
+          <p:nvPr>
+            <p:ph type="dt" sz="half" idx="10"/>
+          </p:nvPr>
+        </p:nvSpPr>
+        <p:spPr/>
+        <p:txBody>
+          <a:bodyPr/>
+          <a:lstStyle/>
+          <a:p>
+            <a:fld id="{19165F3D-1F15-47D1-896B-708A6FCA01A4}" type="datetime1">
+              <a:rPr lang="en-US" smtClean="0"/>
+              <a:t>12/10/2024</a:t>
+            </a:fld>
+            <a:endParaRPr lang="en-US"/>
+          </a:p>
+        </p:txBody>
+      </p:sp>
+      <p:sp>
+        <p:nvSpPr>
+          <p:cNvPr id="5" name="Footer Placeholder 4">
+            <a:extLst>
+              <a:ext uri="{FF2B5EF4-FFF2-40B4-BE49-F238E27FC236}">
+                <a16:creationId xmlns:a16="http://schemas.microsoft.com/office/drawing/2014/main" id="{FFEC6B1F-A443-45A2-8B22-1F7F2B0E0B42}"/>
+              </a:ext>
+            </a:extLst>
+          </p:cNvPr>
+          <p:cNvSpPr>
+            <a:spLocks noGrp="1"/>
+          </p:cNvSpPr>
+          <p:nvPr>
+            <p:ph type="ftr" sz="quarter" idx="11"/>
+          </p:nvPr>
+        </p:nvSpPr>
+        <p:spPr/>
+        <p:txBody>
+          <a:bodyPr/>
+          <a:lstStyle/>
+          <a:p>
+            <a:r>
+              <a:rPr lang="es-ES"/>
+              <a:t>GitHubRepo: https://github.com/develop2clickcomputers/LearnJavaWithSan</a:t>
+            </a:r>
+            <a:endParaRPr lang="en-US"/>
+          </a:p>
+        </p:txBody>
+      </p:sp>
+      <p:sp>
+        <p:nvSpPr>
+          <p:cNvPr id="6" name="Slide Number Placeholder 5">
+            <a:extLst>
+              <a:ext uri="{FF2B5EF4-FFF2-40B4-BE49-F238E27FC236}">
+                <a16:creationId xmlns:a16="http://schemas.microsoft.com/office/drawing/2014/main" id="{07AC6F16-BD2D-4DFD-A248-E685E4A27C82}"/>
+              </a:ext>
+            </a:extLst>
+          </p:cNvPr>
+          <p:cNvSpPr>
+            <a:spLocks noGrp="1"/>
+          </p:cNvSpPr>
+          <p:nvPr>
+            <p:ph type="sldNum" sz="quarter" idx="12"/>
+          </p:nvPr>
+        </p:nvSpPr>
+        <p:spPr/>
+        <p:txBody>
+          <a:bodyPr/>
+          <a:lstStyle/>
+          <a:p>
+            <a:fld id="{C1FF6DA9-008F-8B48-92A6-B652298478BF}" type="slidenum">
+              <a:rPr lang="en-US" smtClean="0"/>
+              <a:t>17</a:t>
+            </a:fld>
+            <a:endParaRPr lang="en-US"/>
+          </a:p>
+        </p:txBody>
+      </p:sp>
+    </p:spTree>
+  </p:cSld>
+  <p:clrMapOvr>
+    <a:masterClrMapping/>
+  </p:clrMapOvr>
+</p:sld>
+</file>
+
+<file path=ppt/slides/slide18.xml><?xml version="1.0" encoding="utf-8"?>
+<p:sld xmlns:a="http://schemas.openxmlformats.org/drawingml/2006/main" xmlns:r="http://schemas.openxmlformats.org/officeDocument/2006/relationships" xmlns:p="http://schemas.openxmlformats.org/presentationml/2006/main">
+  <p:cSld>
+    <p:spTree>
+      <p:nvGrpSpPr>
+        <p:cNvPr id="1" name=""/>
+        <p:cNvGrpSpPr/>
+        <p:nvPr/>
+      </p:nvGrpSpPr>
+      <p:grpSpPr>
+        <a:xfrm>
+          <a:off x="0" y="0"/>
+          <a:ext cx="0" cy="0"/>
+          <a:chOff x="0" y="0"/>
+          <a:chExt cx="0" cy="0"/>
+        </a:xfrm>
+      </p:grpSpPr>
+      <p:sp>
+        <p:nvSpPr>
+          <p:cNvPr id="2" name="Title 1"/>
+          <p:cNvSpPr>
+            <a:spLocks noGrp="1"/>
+          </p:cNvSpPr>
+          <p:nvPr>
+            <p:ph type="title"/>
+          </p:nvPr>
+        </p:nvSpPr>
+        <p:spPr/>
+        <p:txBody>
+          <a:bodyPr/>
+          <a:lstStyle/>
+          <a:p>
+            <a:r>
+              <a:t>Resources to Learn More</a:t>
+            </a:r>
+          </a:p>
+        </p:txBody>
+      </p:sp>
+      <p:sp>
+        <p:nvSpPr>
+          <p:cNvPr id="3" name="Content Placeholder 2"/>
+          <p:cNvSpPr>
+            <a:spLocks noGrp="1"/>
+          </p:cNvSpPr>
+          <p:nvPr>
+            <p:ph idx="1"/>
+          </p:nvPr>
+        </p:nvSpPr>
+        <p:spPr/>
+        <p:txBody>
+          <a:bodyPr/>
+          <a:lstStyle/>
+          <a:p>
+            <a:r>
+              <a:t>Recommended books include 'Head First Java'.</a:t>
+            </a:r>
+          </a:p>
+          <a:p>
+            <a:r>
+              <a:t>Online resources like Codecademy, Coursera, and YouTube channels are helpful.</a:t>
+            </a:r>
+          </a:p>
+          <a:p>
+            <a:r>
+              <a:t>Practice platforms like HackerRank and LeetCode are good for practicing Java.</a:t>
+            </a:r>
+          </a:p>
+        </p:txBody>
+      </p:sp>
+      <p:sp>
+        <p:nvSpPr>
+          <p:cNvPr id="4" name="Date Placeholder 3">
+            <a:extLst>
+              <a:ext uri="{FF2B5EF4-FFF2-40B4-BE49-F238E27FC236}">
+                <a16:creationId xmlns:a16="http://schemas.microsoft.com/office/drawing/2014/main" id="{2344EB75-93D1-4F10-92A1-B5A422ED31D7}"/>
+              </a:ext>
+            </a:extLst>
+          </p:cNvPr>
+          <p:cNvSpPr>
+            <a:spLocks noGrp="1"/>
+          </p:cNvSpPr>
+          <p:nvPr>
+            <p:ph type="dt" sz="half" idx="10"/>
+          </p:nvPr>
+        </p:nvSpPr>
+        <p:spPr/>
+        <p:txBody>
+          <a:bodyPr/>
+          <a:lstStyle/>
+          <a:p>
+            <a:fld id="{BE70A24C-7B9A-4449-8CF0-B07C104FACBC}" type="datetime1">
+              <a:rPr lang="en-US" smtClean="0"/>
+              <a:t>12/10/2024</a:t>
+            </a:fld>
+            <a:endParaRPr lang="en-US"/>
+          </a:p>
+        </p:txBody>
+      </p:sp>
+      <p:sp>
+        <p:nvSpPr>
+          <p:cNvPr id="5" name="Footer Placeholder 4">
+            <a:extLst>
+              <a:ext uri="{FF2B5EF4-FFF2-40B4-BE49-F238E27FC236}">
+                <a16:creationId xmlns:a16="http://schemas.microsoft.com/office/drawing/2014/main" id="{6D022F12-E624-4AD7-B750-6ECCC32D4620}"/>
+              </a:ext>
+            </a:extLst>
+          </p:cNvPr>
+          <p:cNvSpPr>
+            <a:spLocks noGrp="1"/>
+          </p:cNvSpPr>
+          <p:nvPr>
+            <p:ph type="ftr" sz="quarter" idx="11"/>
+          </p:nvPr>
+        </p:nvSpPr>
+        <p:spPr/>
+        <p:txBody>
+          <a:bodyPr/>
+          <a:lstStyle/>
+          <a:p>
+            <a:r>
+              <a:rPr lang="es-ES"/>
+              <a:t>GitHubRepo: https://github.com/develop2clickcomputers/LearnJavaWithSan</a:t>
+            </a:r>
+            <a:endParaRPr lang="en-US"/>
+          </a:p>
+        </p:txBody>
+      </p:sp>
+      <p:sp>
+        <p:nvSpPr>
+          <p:cNvPr id="6" name="Slide Number Placeholder 5">
+            <a:extLst>
+              <a:ext uri="{FF2B5EF4-FFF2-40B4-BE49-F238E27FC236}">
+                <a16:creationId xmlns:a16="http://schemas.microsoft.com/office/drawing/2014/main" id="{F317A065-841B-4456-8BE7-1981A466F70B}"/>
+              </a:ext>
+            </a:extLst>
+          </p:cNvPr>
+          <p:cNvSpPr>
+            <a:spLocks noGrp="1"/>
+          </p:cNvSpPr>
+          <p:nvPr>
+            <p:ph type="sldNum" sz="quarter" idx="12"/>
+          </p:nvPr>
+        </p:nvSpPr>
+        <p:spPr/>
+        <p:txBody>
+          <a:bodyPr/>
+          <a:lstStyle/>
+          <a:p>
+            <a:fld id="{C1FF6DA9-008F-8B48-92A6-B652298478BF}" type="slidenum">
+              <a:rPr lang="en-US" smtClean="0"/>
+              <a:t>18</a:t>
+            </a:fld>
+            <a:endParaRPr lang="en-US"/>
+          </a:p>
+        </p:txBody>
+      </p:sp>
+    </p:spTree>
+  </p:cSld>
+  <p:clrMapOvr>
+    <a:masterClrMapping/>
+  </p:clrMapOvr>
+</p:sld>
+</file>
+
+<file path=ppt/slides/slide19.xml><?xml version="1.0" encoding="utf-8"?>
+<p:sld xmlns:a="http://schemas.openxmlformats.org/drawingml/2006/main" xmlns:r="http://schemas.openxmlformats.org/officeDocument/2006/relationships" xmlns:p="http://schemas.openxmlformats.org/presentationml/2006/main">
+  <p:cSld>
+    <p:spTree>
+      <p:nvGrpSpPr>
+        <p:cNvPr id="1" name=""/>
+        <p:cNvGrpSpPr/>
+        <p:nvPr/>
+      </p:nvGrpSpPr>
+      <p:grpSpPr>
+        <a:xfrm>
+          <a:off x="0" y="0"/>
+          <a:ext cx="0" cy="0"/>
+          <a:chOff x="0" y="0"/>
+          <a:chExt cx="0" cy="0"/>
+        </a:xfrm>
+      </p:grpSpPr>
+      <p:sp>
+        <p:nvSpPr>
+          <p:cNvPr id="2" name="Title 1"/>
+          <p:cNvSpPr>
+            <a:spLocks noGrp="1"/>
+          </p:cNvSpPr>
+          <p:nvPr>
+            <p:ph type="title"/>
+          </p:nvPr>
+        </p:nvSpPr>
         <p:spPr/>
         <p:txBody>
           <a:bodyPr/>
@@ -3201,6 +5620,93 @@
             <a:r>
               <a:t>Encouragement for students to ask questions to clarify any doubts.</a:t>
             </a:r>
+          </a:p>
+        </p:txBody>
+      </p:sp>
+      <p:sp>
+        <p:nvSpPr>
+          <p:cNvPr id="4" name="Date Placeholder 3">
+            <a:extLst>
+              <a:ext uri="{FF2B5EF4-FFF2-40B4-BE49-F238E27FC236}">
+                <a16:creationId xmlns:a16="http://schemas.microsoft.com/office/drawing/2014/main" id="{F63475D3-4B2F-4E21-8187-E4CA0A2E22B6}"/>
+              </a:ext>
+            </a:extLst>
+          </p:cNvPr>
+          <p:cNvSpPr>
+            <a:spLocks noGrp="1"/>
+          </p:cNvSpPr>
+          <p:nvPr>
+            <p:ph type="dt" sz="half" idx="10"/>
+          </p:nvPr>
+        </p:nvSpPr>
+        <p:spPr/>
+        <p:txBody>
+          <a:bodyPr/>
+          <a:lstStyle/>
+          <a:p>
+            <a:fld id="{8FA9BE0A-8431-428D-AB74-F284A487038B}" type="datetime1">
+              <a:rPr lang="en-US" smtClean="0"/>
+              <a:t>12/10/2024</a:t>
+            </a:fld>
+            <a:endParaRPr lang="en-US"/>
+          </a:p>
+        </p:txBody>
+      </p:sp>
+      <p:sp>
+        <p:nvSpPr>
+          <p:cNvPr id="5" name="Footer Placeholder 4">
+            <a:extLst>
+              <a:ext uri="{FF2B5EF4-FFF2-40B4-BE49-F238E27FC236}">
+                <a16:creationId xmlns:a16="http://schemas.microsoft.com/office/drawing/2014/main" id="{5FE445AF-8AE3-401B-B994-FA9D5E173F4A}"/>
+              </a:ext>
+            </a:extLst>
+          </p:cNvPr>
+          <p:cNvSpPr>
+            <a:spLocks noGrp="1"/>
+          </p:cNvSpPr>
+          <p:nvPr>
+            <p:ph type="ftr" sz="quarter" idx="11"/>
+          </p:nvPr>
+        </p:nvSpPr>
+        <p:spPr/>
+        <p:txBody>
+          <a:bodyPr/>
+          <a:lstStyle/>
+          <a:p>
+            <a:r>
+              <a:rPr lang="es-ES"/>
+              <a:t>GitHubRepo: https://github.com/develop2clickcomputers/LearnJavaWithSan</a:t>
+            </a:r>
+            <a:endParaRPr lang="en-US"/>
+          </a:p>
+        </p:txBody>
+      </p:sp>
+      <p:sp>
+        <p:nvSpPr>
+          <p:cNvPr id="6" name="Slide Number Placeholder 5">
+            <a:extLst>
+              <a:ext uri="{FF2B5EF4-FFF2-40B4-BE49-F238E27FC236}">
+                <a16:creationId xmlns:a16="http://schemas.microsoft.com/office/drawing/2014/main" id="{6DFD37D3-273D-4962-8252-943F72493B40}"/>
+              </a:ext>
+            </a:extLst>
+          </p:cNvPr>
+          <p:cNvSpPr>
+            <a:spLocks noGrp="1"/>
+          </p:cNvSpPr>
+          <p:nvPr>
+            <p:ph type="sldNum" sz="quarter" idx="12"/>
+          </p:nvPr>
+        </p:nvSpPr>
+        <p:spPr/>
+        <p:txBody>
+          <a:bodyPr/>
+          <a:lstStyle/>
+          <a:p>
+            <a:fld id="{C1FF6DA9-008F-8B48-92A6-B652298478BF}" type="slidenum">
+              <a:rPr lang="en-US" smtClean="0"/>
+              <a:t>19</a:t>
+            </a:fld>
+            <a:endParaRPr lang="en-US"/>
           </a:p>
         </p:txBody>
       </p:sp>
@@ -3213,7 +5719,7 @@
 </file>
 
 <file path=ppt/slides/slide2.xml><?xml version="1.0" encoding="utf-8"?>
-<p:sld xmlns:a="http://schemas.openxmlformats.org/drawingml/2006/main" xmlns:p="http://schemas.openxmlformats.org/presentationml/2006/main" xmlns:r="http://schemas.openxmlformats.org/officeDocument/2006/relationships">
+<p:sld xmlns:a="http://schemas.openxmlformats.org/drawingml/2006/main" xmlns:r="http://schemas.openxmlformats.org/officeDocument/2006/relationships" xmlns:p="http://schemas.openxmlformats.org/presentationml/2006/main">
   <p:cSld>
     <p:spTree>
       <p:nvGrpSpPr>
@@ -3221,7 +5727,14 @@
         <p:cNvGrpSpPr/>
         <p:nvPr/>
       </p:nvGrpSpPr>
-      <p:grpSpPr/>
+      <p:grpSpPr>
+        <a:xfrm>
+          <a:off x="0" y="0"/>
+          <a:ext cx="0" cy="0"/>
+          <a:chOff x="0" y="0"/>
+          <a:chExt cx="0" cy="0"/>
+        </a:xfrm>
+      </p:grpSpPr>
       <p:sp>
         <p:nvSpPr>
           <p:cNvPr id="2" name="Title 1"/>
@@ -3238,8 +5751,10 @@
           <a:lstStyle/>
           <a:p>
             <a:r>
-              <a:t>What is Java?</a:t>
-            </a:r>
+              <a:rPr lang="en-CA" dirty="0"/>
+              <a:t>Resource</a:t>
+            </a:r>
+            <a:endParaRPr dirty="0"/>
           </a:p>
         </p:txBody>
       </p:sp>
@@ -3258,19 +5773,132 @@
           <a:bodyPr/>
           <a:lstStyle/>
           <a:p>
-            <a:r>
-              <a:t>Java is a programming language and computing platform.</a:t>
-            </a:r>
-          </a:p>
-          <a:p>
-            <a:r>
-              <a:t>It is used in various areas such as mobile apps, web applications, games, and bank software.</a:t>
-            </a:r>
-          </a:p>
-          <a:p>
-            <a:r>
-              <a:t>Java has evolved over time, leading up to Java 8.</a:t>
-            </a:r>
+            <a:endParaRPr lang="en-CA" sz="2400" dirty="0"/>
+          </a:p>
+          <a:p>
+            <a:r>
+              <a:rPr lang="en-CA" sz="2400" dirty="0"/>
+              <a:t>Git - </a:t>
+            </a:r>
+            <a:r>
+              <a:rPr lang="en-CA" dirty="0"/>
+              <a:t>   </a:t>
+            </a:r>
+            <a:r>
+              <a:rPr lang="en-CA" sz="1800" dirty="0">
+                <a:hlinkClick r:id="rId2"/>
+              </a:rPr>
+              <a:t>https://github.com/develop2clickcomputers/LearnJavaWithSan</a:t>
+            </a:r>
+            <a:endParaRPr lang="en-CA" sz="1800" dirty="0"/>
+          </a:p>
+          <a:p>
+            <a:endParaRPr lang="en-CA" sz="2400" dirty="0"/>
+          </a:p>
+          <a:p>
+            <a:r>
+              <a:rPr lang="en-CA" sz="2400" dirty="0"/>
+              <a:t>YouTube - TBD</a:t>
+            </a:r>
+          </a:p>
+          <a:p>
+            <a:endParaRPr lang="en-CA" sz="2400" dirty="0"/>
+          </a:p>
+          <a:p>
+            <a:r>
+              <a:rPr lang="en-CA" sz="2400" dirty="0"/>
+              <a:t>LinkedIn - TBD</a:t>
+            </a:r>
+          </a:p>
+          <a:p>
+            <a:endParaRPr dirty="0"/>
+          </a:p>
+        </p:txBody>
+      </p:sp>
+      <p:sp>
+        <p:nvSpPr>
+          <p:cNvPr id="4" name="Date Placeholder 3">
+            <a:extLst>
+              <a:ext uri="{FF2B5EF4-FFF2-40B4-BE49-F238E27FC236}">
+                <a16:creationId xmlns:a16="http://schemas.microsoft.com/office/drawing/2014/main" id="{70D2D55E-E8FD-4B34-BD27-C14ED9815D8B}"/>
+              </a:ext>
+            </a:extLst>
+          </p:cNvPr>
+          <p:cNvSpPr>
+            <a:spLocks noGrp="1"/>
+          </p:cNvSpPr>
+          <p:nvPr>
+            <p:ph type="dt" sz="half" idx="10"/>
+          </p:nvPr>
+        </p:nvSpPr>
+        <p:spPr/>
+        <p:txBody>
+          <a:bodyPr/>
+          <a:lstStyle/>
+          <a:p>
+            <a:fld id="{2BEC5103-41C2-4753-9A5D-54D3476FCAC0}" type="datetime1">
+              <a:rPr lang="en-US" smtClean="0"/>
+              <a:t>12/10/2024</a:t>
+            </a:fld>
+            <a:endParaRPr lang="en-US"/>
+          </a:p>
+        </p:txBody>
+      </p:sp>
+      <p:sp>
+        <p:nvSpPr>
+          <p:cNvPr id="5" name="Footer Placeholder 4">
+            <a:extLst>
+              <a:ext uri="{FF2B5EF4-FFF2-40B4-BE49-F238E27FC236}">
+                <a16:creationId xmlns:a16="http://schemas.microsoft.com/office/drawing/2014/main" id="{711B9911-AAEF-430B-845E-9DF47E1505BA}"/>
+              </a:ext>
+            </a:extLst>
+          </p:cNvPr>
+          <p:cNvSpPr>
+            <a:spLocks noGrp="1"/>
+          </p:cNvSpPr>
+          <p:nvPr>
+            <p:ph type="ftr" sz="quarter" idx="11"/>
+          </p:nvPr>
+        </p:nvSpPr>
+        <p:spPr/>
+        <p:txBody>
+          <a:bodyPr/>
+          <a:lstStyle/>
+          <a:p>
+            <a:r>
+              <a:rPr lang="es-ES"/>
+              <a:t>GitHubRepo: https://github.com/develop2clickcomputers/LearnJavaWithSan</a:t>
+            </a:r>
+            <a:endParaRPr lang="en-US"/>
+          </a:p>
+        </p:txBody>
+      </p:sp>
+      <p:sp>
+        <p:nvSpPr>
+          <p:cNvPr id="6" name="Slide Number Placeholder 5">
+            <a:extLst>
+              <a:ext uri="{FF2B5EF4-FFF2-40B4-BE49-F238E27FC236}">
+                <a16:creationId xmlns:a16="http://schemas.microsoft.com/office/drawing/2014/main" id="{6A853133-7F41-415A-8C9D-74230DE24FB6}"/>
+              </a:ext>
+            </a:extLst>
+          </p:cNvPr>
+          <p:cNvSpPr>
+            <a:spLocks noGrp="1"/>
+          </p:cNvSpPr>
+          <p:nvPr>
+            <p:ph type="sldNum" sz="quarter" idx="12"/>
+          </p:nvPr>
+        </p:nvSpPr>
+        <p:spPr/>
+        <p:txBody>
+          <a:bodyPr/>
+          <a:lstStyle/>
+          <a:p>
+            <a:fld id="{C1FF6DA9-008F-8B48-92A6-B652298478BF}" type="slidenum">
+              <a:rPr lang="en-US" smtClean="0"/>
+              <a:t>2</a:t>
+            </a:fld>
+            <a:endParaRPr lang="en-US"/>
           </a:p>
         </p:txBody>
       </p:sp>
@@ -3283,7 +5911,7 @@
 </file>
 
 <file path=ppt/slides/slide3.xml><?xml version="1.0" encoding="utf-8"?>
-<p:sld xmlns:a="http://schemas.openxmlformats.org/drawingml/2006/main" xmlns:p="http://schemas.openxmlformats.org/presentationml/2006/main" xmlns:r="http://schemas.openxmlformats.org/officeDocument/2006/relationships">
+<p:sld xmlns:a="http://schemas.openxmlformats.org/drawingml/2006/main" xmlns:r="http://schemas.openxmlformats.org/officeDocument/2006/relationships" xmlns:p="http://schemas.openxmlformats.org/presentationml/2006/main">
   <p:cSld>
     <p:spTree>
       <p:nvGrpSpPr>
@@ -3291,7 +5919,14 @@
         <p:cNvGrpSpPr/>
         <p:nvPr/>
       </p:nvGrpSpPr>
-      <p:grpSpPr/>
+      <p:grpSpPr>
+        <a:xfrm>
+          <a:off x="0" y="0"/>
+          <a:ext cx="0" cy="0"/>
+          <a:chOff x="0" y="0"/>
+          <a:chExt cx="0" cy="0"/>
+        </a:xfrm>
+      </p:grpSpPr>
       <p:sp>
         <p:nvSpPr>
           <p:cNvPr id="2" name="Title 1"/>
@@ -3304,11 +5939,29 @@
         </p:nvSpPr>
         <p:spPr/>
         <p:txBody>
-          <a:bodyPr/>
-          <a:lstStyle/>
-          <a:p>
-            <a:r>
-              <a:t>Why Learn Java?</a:t>
+          <a:bodyPr>
+            <a:normAutofit fontScale="90000"/>
+          </a:bodyPr>
+          <a:lstStyle/>
+          <a:p>
+            <a:r>
+              <a:rPr dirty="0"/>
+              <a:t>What is </a:t>
+            </a:r>
+            <a:r>
+              <a:rPr lang="en-CA" dirty="0"/>
+              <a:t>a Programming </a:t>
+            </a:r>
+            <a:br>
+              <a:rPr lang="en-CA" dirty="0"/>
+            </a:br>
+            <a:r>
+              <a:rPr lang="en-CA" dirty="0"/>
+              <a:t>Language</a:t>
+            </a:r>
+            <a:r>
+              <a:rPr dirty="0"/>
+              <a:t>?</a:t>
             </a:r>
           </a:p>
         </p:txBody>
@@ -3329,22 +5982,111 @@
           <a:lstStyle/>
           <a:p>
             <a:r>
-              <a:t>Java is one of the most popular programming languages in the world.</a:t>
-            </a:r>
-          </a:p>
-          <a:p>
-            <a:r>
-              <a:t>It offers benefits such as platform independence, strong memory management, and security features.</a:t>
-            </a:r>
-          </a:p>
-          <a:p>
-            <a:r>
-              <a:t>Learning Java opens up a wide range of career opportunities in software development.</a:t>
-            </a:r>
+              <a:rPr lang="en-US" dirty="0"/>
+              <a:t>A programming language is a set of rules and instructions that a computer can understand and execute.</a:t>
+            </a:r>
+          </a:p>
+          <a:p>
+            <a:pPr marL="0" indent="0">
+              <a:buNone/>
+            </a:pPr>
+            <a:endParaRPr dirty="0"/>
+          </a:p>
+        </p:txBody>
+      </p:sp>
+      <p:sp>
+        <p:nvSpPr>
+          <p:cNvPr id="4" name="Date Placeholder 3">
+            <a:extLst>
+              <a:ext uri="{FF2B5EF4-FFF2-40B4-BE49-F238E27FC236}">
+                <a16:creationId xmlns:a16="http://schemas.microsoft.com/office/drawing/2014/main" id="{70D2D55E-E8FD-4B34-BD27-C14ED9815D8B}"/>
+              </a:ext>
+            </a:extLst>
+          </p:cNvPr>
+          <p:cNvSpPr>
+            <a:spLocks noGrp="1"/>
+          </p:cNvSpPr>
+          <p:nvPr>
+            <p:ph type="dt" sz="half" idx="10"/>
+          </p:nvPr>
+        </p:nvSpPr>
+        <p:spPr/>
+        <p:txBody>
+          <a:bodyPr/>
+          <a:lstStyle/>
+          <a:p>
+            <a:fld id="{2BEC5103-41C2-4753-9A5D-54D3476FCAC0}" type="datetime1">
+              <a:rPr lang="en-US" smtClean="0"/>
+              <a:t>12/10/2024</a:t>
+            </a:fld>
+            <a:endParaRPr lang="en-US"/>
+          </a:p>
+        </p:txBody>
+      </p:sp>
+      <p:sp>
+        <p:nvSpPr>
+          <p:cNvPr id="5" name="Footer Placeholder 4">
+            <a:extLst>
+              <a:ext uri="{FF2B5EF4-FFF2-40B4-BE49-F238E27FC236}">
+                <a16:creationId xmlns:a16="http://schemas.microsoft.com/office/drawing/2014/main" id="{711B9911-AAEF-430B-845E-9DF47E1505BA}"/>
+              </a:ext>
+            </a:extLst>
+          </p:cNvPr>
+          <p:cNvSpPr>
+            <a:spLocks noGrp="1"/>
+          </p:cNvSpPr>
+          <p:nvPr>
+            <p:ph type="ftr" sz="quarter" idx="11"/>
+          </p:nvPr>
+        </p:nvSpPr>
+        <p:spPr/>
+        <p:txBody>
+          <a:bodyPr/>
+          <a:lstStyle/>
+          <a:p>
+            <a:r>
+              <a:rPr lang="es-ES"/>
+              <a:t>GitHubRepo: https://github.com/develop2clickcomputers/LearnJavaWithSan</a:t>
+            </a:r>
+            <a:endParaRPr lang="en-US"/>
+          </a:p>
+        </p:txBody>
+      </p:sp>
+      <p:sp>
+        <p:nvSpPr>
+          <p:cNvPr id="6" name="Slide Number Placeholder 5">
+            <a:extLst>
+              <a:ext uri="{FF2B5EF4-FFF2-40B4-BE49-F238E27FC236}">
+                <a16:creationId xmlns:a16="http://schemas.microsoft.com/office/drawing/2014/main" id="{6A853133-7F41-415A-8C9D-74230DE24FB6}"/>
+              </a:ext>
+            </a:extLst>
+          </p:cNvPr>
+          <p:cNvSpPr>
+            <a:spLocks noGrp="1"/>
+          </p:cNvSpPr>
+          <p:nvPr>
+            <p:ph type="sldNum" sz="quarter" idx="12"/>
+          </p:nvPr>
+        </p:nvSpPr>
+        <p:spPr/>
+        <p:txBody>
+          <a:bodyPr/>
+          <a:lstStyle/>
+          <a:p>
+            <a:fld id="{C1FF6DA9-008F-8B48-92A6-B652298478BF}" type="slidenum">
+              <a:rPr lang="en-US" smtClean="0"/>
+              <a:t>3</a:t>
+            </a:fld>
+            <a:endParaRPr lang="en-US"/>
           </a:p>
         </p:txBody>
       </p:sp>
     </p:spTree>
+    <p:extLst>
+      <p:ext uri="{BB962C8B-B14F-4D97-AF65-F5344CB8AC3E}">
+        <p14:creationId xmlns:p14="http://schemas.microsoft.com/office/powerpoint/2010/main" val="2300617230"/>
+      </p:ext>
+    </p:extLst>
   </p:cSld>
   <p:clrMapOvr>
     <a:masterClrMapping/>
@@ -3353,7 +6095,7 @@
 </file>
 
 <file path=ppt/slides/slide4.xml><?xml version="1.0" encoding="utf-8"?>
-<p:sld xmlns:a="http://schemas.openxmlformats.org/drawingml/2006/main" xmlns:p="http://schemas.openxmlformats.org/presentationml/2006/main" xmlns:r="http://schemas.openxmlformats.org/officeDocument/2006/relationships">
+<p:sld xmlns:a="http://schemas.openxmlformats.org/drawingml/2006/main" xmlns:r="http://schemas.openxmlformats.org/officeDocument/2006/relationships" xmlns:p="http://schemas.openxmlformats.org/presentationml/2006/main">
   <p:cSld>
     <p:spTree>
       <p:nvGrpSpPr>
@@ -3361,7 +6103,14 @@
         <p:cNvGrpSpPr/>
         <p:nvPr/>
       </p:nvGrpSpPr>
-      <p:grpSpPr/>
+      <p:grpSpPr>
+        <a:xfrm>
+          <a:off x="0" y="0"/>
+          <a:ext cx="0" cy="0"/>
+          <a:chOff x="0" y="0"/>
+          <a:chExt cx="0" cy="0"/>
+        </a:xfrm>
+      </p:grpSpPr>
       <p:sp>
         <p:nvSpPr>
           <p:cNvPr id="2" name="Title 1"/>
@@ -3372,14 +6121,35 @@
             <p:ph type="title"/>
           </p:nvPr>
         </p:nvSpPr>
-        <p:spPr/>
-        <p:txBody>
-          <a:bodyPr/>
-          <a:lstStyle/>
-          <a:p>
-            <a:r>
-              <a:t>Getting Started with Java</a:t>
-            </a:r>
+        <p:spPr>
+          <a:xfrm>
+            <a:off x="457200" y="274637"/>
+            <a:ext cx="8573784" cy="2037047"/>
+          </a:xfrm>
+        </p:spPr>
+        <p:txBody>
+          <a:bodyPr>
+            <a:normAutofit/>
+          </a:bodyPr>
+          <a:lstStyle/>
+          <a:p>
+            <a:r>
+              <a:rPr sz="3600" dirty="0"/>
+              <a:t>What is </a:t>
+            </a:r>
+            <a:r>
+              <a:rPr lang="en-CA" sz="3600" dirty="0"/>
+              <a:t>a CPU, Memory, HDD, Processor, Process</a:t>
+            </a:r>
+            <a:r>
+              <a:rPr sz="3600" dirty="0"/>
+              <a:t>?</a:t>
+            </a:r>
+            <a:r>
+              <a:rPr lang="en-CA" sz="3600" dirty="0"/>
+              <a:t> Also, How its related?</a:t>
+            </a:r>
+            <a:endParaRPr sz="3600" dirty="0"/>
           </a:p>
         </p:txBody>
       </p:sp>
@@ -3393,28 +6163,152 @@
             <p:ph idx="1"/>
           </p:nvPr>
         </p:nvSpPr>
-        <p:spPr/>
-        <p:txBody>
-          <a:bodyPr/>
-          <a:lstStyle/>
-          <a:p>
-            <a:r>
-              <a:t>To start, you need to install Java on your computer.</a:t>
-            </a:r>
-          </a:p>
-          <a:p>
-            <a:r>
-              <a:t>Setting up the environment includes installing the Java Development Kit (JDK) and an Integrated Development Environment (IDE).</a:t>
-            </a:r>
-          </a:p>
-          <a:p>
-            <a:r>
-              <a:t>Example of a simple Java program to print 'Hello, World!'</a:t>
-            </a:r>
+        <p:spPr>
+          <a:xfrm>
+            <a:off x="457200" y="2311684"/>
+            <a:ext cx="8229600" cy="3814479"/>
+          </a:xfrm>
+        </p:spPr>
+        <p:txBody>
+          <a:bodyPr>
+            <a:normAutofit/>
+          </a:bodyPr>
+          <a:lstStyle/>
+          <a:p>
+            <a:endParaRPr lang="en-US" dirty="0"/>
+          </a:p>
+          <a:p>
+            <a:pPr marL="0" indent="0">
+              <a:buNone/>
+            </a:pPr>
+            <a:r>
+              <a:rPr lang="en-CA" sz="2400" b="1" dirty="0"/>
+              <a:t>CPU (Central Processing Unit)</a:t>
+            </a:r>
+            <a:endParaRPr lang="en-US" sz="2400" b="1" dirty="0"/>
+          </a:p>
+          <a:p>
+            <a:r>
+              <a:rPr lang="en-US" sz="2000" dirty="0"/>
+              <a:t>The brain of the computer where most calculations and logical operations are performed.</a:t>
+            </a:r>
+          </a:p>
+          <a:p>
+            <a:r>
+              <a:rPr lang="en-US" sz="2000" dirty="0"/>
+              <a:t>Executes instructions from software programs.</a:t>
+            </a:r>
+          </a:p>
+          <a:p>
+            <a:r>
+              <a:rPr lang="en-US" sz="2000" dirty="0"/>
+              <a:t>Often called the "processor," it handles tasks like arithmetic, data processing, and controlling hardware.</a:t>
+            </a:r>
+          </a:p>
+          <a:p>
+            <a:endParaRPr lang="en-US" dirty="0"/>
+          </a:p>
+          <a:p>
+            <a:pPr marL="0" indent="0">
+              <a:buNone/>
+            </a:pPr>
+            <a:endParaRPr dirty="0"/>
+          </a:p>
+        </p:txBody>
+      </p:sp>
+      <p:sp>
+        <p:nvSpPr>
+          <p:cNvPr id="4" name="Date Placeholder 3">
+            <a:extLst>
+              <a:ext uri="{FF2B5EF4-FFF2-40B4-BE49-F238E27FC236}">
+                <a16:creationId xmlns:a16="http://schemas.microsoft.com/office/drawing/2014/main" id="{70D2D55E-E8FD-4B34-BD27-C14ED9815D8B}"/>
+              </a:ext>
+            </a:extLst>
+          </p:cNvPr>
+          <p:cNvSpPr>
+            <a:spLocks noGrp="1"/>
+          </p:cNvSpPr>
+          <p:nvPr>
+            <p:ph type="dt" sz="half" idx="10"/>
+          </p:nvPr>
+        </p:nvSpPr>
+        <p:spPr/>
+        <p:txBody>
+          <a:bodyPr/>
+          <a:lstStyle/>
+          <a:p>
+            <a:fld id="{2BEC5103-41C2-4753-9A5D-54D3476FCAC0}" type="datetime1">
+              <a:rPr lang="en-US" smtClean="0"/>
+              <a:t>12/10/2024</a:t>
+            </a:fld>
+            <a:endParaRPr lang="en-US"/>
+          </a:p>
+        </p:txBody>
+      </p:sp>
+      <p:sp>
+        <p:nvSpPr>
+          <p:cNvPr id="5" name="Footer Placeholder 4">
+            <a:extLst>
+              <a:ext uri="{FF2B5EF4-FFF2-40B4-BE49-F238E27FC236}">
+                <a16:creationId xmlns:a16="http://schemas.microsoft.com/office/drawing/2014/main" id="{711B9911-AAEF-430B-845E-9DF47E1505BA}"/>
+              </a:ext>
+            </a:extLst>
+          </p:cNvPr>
+          <p:cNvSpPr>
+            <a:spLocks noGrp="1"/>
+          </p:cNvSpPr>
+          <p:nvPr>
+            <p:ph type="ftr" sz="quarter" idx="11"/>
+          </p:nvPr>
+        </p:nvSpPr>
+        <p:spPr/>
+        <p:txBody>
+          <a:bodyPr/>
+          <a:lstStyle/>
+          <a:p>
+            <a:r>
+              <a:rPr lang="es-ES"/>
+              <a:t>GitHubRepo: https://github.com/develop2clickcomputers/LearnJavaWithSan</a:t>
+            </a:r>
+            <a:endParaRPr lang="en-US"/>
+          </a:p>
+        </p:txBody>
+      </p:sp>
+      <p:sp>
+        <p:nvSpPr>
+          <p:cNvPr id="6" name="Slide Number Placeholder 5">
+            <a:extLst>
+              <a:ext uri="{FF2B5EF4-FFF2-40B4-BE49-F238E27FC236}">
+                <a16:creationId xmlns:a16="http://schemas.microsoft.com/office/drawing/2014/main" id="{6A853133-7F41-415A-8C9D-74230DE24FB6}"/>
+              </a:ext>
+            </a:extLst>
+          </p:cNvPr>
+          <p:cNvSpPr>
+            <a:spLocks noGrp="1"/>
+          </p:cNvSpPr>
+          <p:nvPr>
+            <p:ph type="sldNum" sz="quarter" idx="12"/>
+          </p:nvPr>
+        </p:nvSpPr>
+        <p:spPr/>
+        <p:txBody>
+          <a:bodyPr/>
+          <a:lstStyle/>
+          <a:p>
+            <a:fld id="{C1FF6DA9-008F-8B48-92A6-B652298478BF}" type="slidenum">
+              <a:rPr lang="en-US" smtClean="0"/>
+              <a:t>4</a:t>
+            </a:fld>
+            <a:endParaRPr lang="en-US" dirty="0"/>
           </a:p>
         </p:txBody>
       </p:sp>
     </p:spTree>
+    <p:extLst>
+      <p:ext uri="{BB962C8B-B14F-4D97-AF65-F5344CB8AC3E}">
+        <p14:creationId xmlns:p14="http://schemas.microsoft.com/office/powerpoint/2010/main" val="4118500648"/>
+      </p:ext>
+    </p:extLst>
   </p:cSld>
   <p:clrMapOvr>
     <a:masterClrMapping/>
@@ -3423,7 +6317,7 @@
 </file>
 
 <file path=ppt/slides/slide5.xml><?xml version="1.0" encoding="utf-8"?>
-<p:sld xmlns:a="http://schemas.openxmlformats.org/drawingml/2006/main" xmlns:p="http://schemas.openxmlformats.org/presentationml/2006/main" xmlns:r="http://schemas.openxmlformats.org/officeDocument/2006/relationships">
+<p:sld xmlns:a="http://schemas.openxmlformats.org/drawingml/2006/main" xmlns:r="http://schemas.openxmlformats.org/officeDocument/2006/relationships" xmlns:p="http://schemas.openxmlformats.org/presentationml/2006/main">
   <p:cSld>
     <p:spTree>
       <p:nvGrpSpPr>
@@ -3431,7 +6325,14 @@
         <p:cNvGrpSpPr/>
         <p:nvPr/>
       </p:nvGrpSpPr>
-      <p:grpSpPr/>
+      <p:grpSpPr>
+        <a:xfrm>
+          <a:off x="0" y="0"/>
+          <a:ext cx="0" cy="0"/>
+          <a:chOff x="0" y="0"/>
+          <a:chExt cx="0" cy="0"/>
+        </a:xfrm>
+      </p:grpSpPr>
       <p:sp>
         <p:nvSpPr>
           <p:cNvPr id="2" name="Title 1"/>
@@ -3442,14 +6343,35 @@
             <p:ph type="title"/>
           </p:nvPr>
         </p:nvSpPr>
-        <p:spPr/>
-        <p:txBody>
-          <a:bodyPr/>
-          <a:lstStyle/>
-          <a:p>
-            <a:r>
-              <a:t>Basic Concepts in Java</a:t>
-            </a:r>
+        <p:spPr>
+          <a:xfrm>
+            <a:off x="457200" y="274637"/>
+            <a:ext cx="8573784" cy="2037047"/>
+          </a:xfrm>
+        </p:spPr>
+        <p:txBody>
+          <a:bodyPr>
+            <a:normAutofit/>
+          </a:bodyPr>
+          <a:lstStyle/>
+          <a:p>
+            <a:r>
+              <a:rPr sz="3600" dirty="0"/>
+              <a:t>What is </a:t>
+            </a:r>
+            <a:r>
+              <a:rPr lang="en-CA" sz="3600" dirty="0"/>
+              <a:t>a CPU, Memory, HDD, Processor, Process</a:t>
+            </a:r>
+            <a:r>
+              <a:rPr sz="3600" dirty="0"/>
+              <a:t>?</a:t>
+            </a:r>
+            <a:r>
+              <a:rPr lang="en-CA" sz="3600" dirty="0"/>
+              <a:t> Also, How its related?</a:t>
+            </a:r>
+            <a:endParaRPr sz="3600" dirty="0"/>
           </a:p>
         </p:txBody>
       </p:sp>
@@ -3463,28 +6385,169 @@
             <p:ph idx="1"/>
           </p:nvPr>
         </p:nvSpPr>
-        <p:spPr/>
-        <p:txBody>
-          <a:bodyPr/>
-          <a:lstStyle/>
-          <a:p>
-            <a:r>
-              <a:t>Variables are used to store information.</a:t>
-            </a:r>
-          </a:p>
-          <a:p>
-            <a:r>
-              <a:t>Java has several primitive data types like int, char, and boolean.</a:t>
-            </a:r>
-          </a:p>
-          <a:p>
-            <a:r>
-              <a:t>Basic operators include addition, subtraction, multiplication, etc.</a:t>
-            </a:r>
+        <p:spPr>
+          <a:xfrm>
+            <a:off x="457200" y="1458930"/>
+            <a:ext cx="8229600" cy="4667233"/>
+          </a:xfrm>
+        </p:spPr>
+        <p:txBody>
+          <a:bodyPr>
+            <a:normAutofit/>
+          </a:bodyPr>
+          <a:lstStyle/>
+          <a:p>
+            <a:endParaRPr lang="en-US" dirty="0"/>
+          </a:p>
+          <a:p>
+            <a:pPr marL="0" indent="0">
+              <a:buNone/>
+            </a:pPr>
+            <a:endParaRPr lang="en-US" sz="2000" dirty="0"/>
+          </a:p>
+          <a:p>
+            <a:pPr marL="0" indent="0">
+              <a:buNone/>
+            </a:pPr>
+            <a:r>
+              <a:rPr lang="en-US" b="1" dirty="0"/>
+              <a:t>Memory (RAM - Random Access Memory)</a:t>
+            </a:r>
+          </a:p>
+          <a:p>
+            <a:r>
+              <a:rPr lang="en-US" sz="2400" dirty="0"/>
+              <a:t>The brain of the computer where most calculations and logical operations are performed.</a:t>
+            </a:r>
+          </a:p>
+          <a:p>
+            <a:r>
+              <a:rPr lang="en-US" sz="2400" dirty="0"/>
+              <a:t>Faster than storage devices but volatile (data is lost when the power is off).</a:t>
+            </a:r>
+          </a:p>
+          <a:p>
+            <a:r>
+              <a:rPr lang="en-US" sz="2400" dirty="0"/>
+              <a:t>Determines how many tasks or applications can be run simultaneously.</a:t>
+            </a:r>
+          </a:p>
+          <a:p>
+            <a:pPr marL="0" indent="0">
+              <a:buNone/>
+            </a:pPr>
+            <a:endParaRPr lang="en-US" sz="2100" dirty="0"/>
+          </a:p>
+          <a:p>
+            <a:pPr marL="0" indent="0">
+              <a:buNone/>
+            </a:pPr>
+            <a:endParaRPr lang="en-US" sz="2100" dirty="0"/>
+          </a:p>
+          <a:p>
+            <a:endParaRPr lang="en-US" dirty="0"/>
+          </a:p>
+          <a:p>
+            <a:pPr marL="0" indent="0">
+              <a:buNone/>
+            </a:pPr>
+            <a:endParaRPr dirty="0"/>
+          </a:p>
+        </p:txBody>
+      </p:sp>
+      <p:sp>
+        <p:nvSpPr>
+          <p:cNvPr id="4" name="Date Placeholder 3">
+            <a:extLst>
+              <a:ext uri="{FF2B5EF4-FFF2-40B4-BE49-F238E27FC236}">
+                <a16:creationId xmlns:a16="http://schemas.microsoft.com/office/drawing/2014/main" id="{70D2D55E-E8FD-4B34-BD27-C14ED9815D8B}"/>
+              </a:ext>
+            </a:extLst>
+          </p:cNvPr>
+          <p:cNvSpPr>
+            <a:spLocks noGrp="1"/>
+          </p:cNvSpPr>
+          <p:nvPr>
+            <p:ph type="dt" sz="half" idx="10"/>
+          </p:nvPr>
+        </p:nvSpPr>
+        <p:spPr/>
+        <p:txBody>
+          <a:bodyPr/>
+          <a:lstStyle/>
+          <a:p>
+            <a:fld id="{2BEC5103-41C2-4753-9A5D-54D3476FCAC0}" type="datetime1">
+              <a:rPr lang="en-US" smtClean="0"/>
+              <a:t>12/10/2024</a:t>
+            </a:fld>
+            <a:endParaRPr lang="en-US"/>
+          </a:p>
+        </p:txBody>
+      </p:sp>
+      <p:sp>
+        <p:nvSpPr>
+          <p:cNvPr id="5" name="Footer Placeholder 4">
+            <a:extLst>
+              <a:ext uri="{FF2B5EF4-FFF2-40B4-BE49-F238E27FC236}">
+                <a16:creationId xmlns:a16="http://schemas.microsoft.com/office/drawing/2014/main" id="{711B9911-AAEF-430B-845E-9DF47E1505BA}"/>
+              </a:ext>
+            </a:extLst>
+          </p:cNvPr>
+          <p:cNvSpPr>
+            <a:spLocks noGrp="1"/>
+          </p:cNvSpPr>
+          <p:nvPr>
+            <p:ph type="ftr" sz="quarter" idx="11"/>
+          </p:nvPr>
+        </p:nvSpPr>
+        <p:spPr/>
+        <p:txBody>
+          <a:bodyPr/>
+          <a:lstStyle/>
+          <a:p>
+            <a:r>
+              <a:rPr lang="es-ES"/>
+              <a:t>GitHubRepo: https://github.com/develop2clickcomputers/LearnJavaWithSan</a:t>
+            </a:r>
+            <a:endParaRPr lang="en-US"/>
+          </a:p>
+        </p:txBody>
+      </p:sp>
+      <p:sp>
+        <p:nvSpPr>
+          <p:cNvPr id="6" name="Slide Number Placeholder 5">
+            <a:extLst>
+              <a:ext uri="{FF2B5EF4-FFF2-40B4-BE49-F238E27FC236}">
+                <a16:creationId xmlns:a16="http://schemas.microsoft.com/office/drawing/2014/main" id="{6A853133-7F41-415A-8C9D-74230DE24FB6}"/>
+              </a:ext>
+            </a:extLst>
+          </p:cNvPr>
+          <p:cNvSpPr>
+            <a:spLocks noGrp="1"/>
+          </p:cNvSpPr>
+          <p:nvPr>
+            <p:ph type="sldNum" sz="quarter" idx="12"/>
+          </p:nvPr>
+        </p:nvSpPr>
+        <p:spPr/>
+        <p:txBody>
+          <a:bodyPr/>
+          <a:lstStyle/>
+          <a:p>
+            <a:fld id="{C1FF6DA9-008F-8B48-92A6-B652298478BF}" type="slidenum">
+              <a:rPr lang="en-US" smtClean="0"/>
+              <a:t>5</a:t>
+            </a:fld>
+            <a:endParaRPr lang="en-US"/>
           </a:p>
         </p:txBody>
       </p:sp>
     </p:spTree>
+    <p:extLst>
+      <p:ext uri="{BB962C8B-B14F-4D97-AF65-F5344CB8AC3E}">
+        <p14:creationId xmlns:p14="http://schemas.microsoft.com/office/powerpoint/2010/main" val="2687746173"/>
+      </p:ext>
+    </p:extLst>
   </p:cSld>
   <p:clrMapOvr>
     <a:masterClrMapping/>
@@ -3493,7 +6556,7 @@
 </file>
 
 <file path=ppt/slides/slide6.xml><?xml version="1.0" encoding="utf-8"?>
-<p:sld xmlns:a="http://schemas.openxmlformats.org/drawingml/2006/main" xmlns:p="http://schemas.openxmlformats.org/presentationml/2006/main" xmlns:r="http://schemas.openxmlformats.org/officeDocument/2006/relationships">
+<p:sld xmlns:a="http://schemas.openxmlformats.org/drawingml/2006/main" xmlns:r="http://schemas.openxmlformats.org/officeDocument/2006/relationships" xmlns:p="http://schemas.openxmlformats.org/presentationml/2006/main">
   <p:cSld>
     <p:spTree>
       <p:nvGrpSpPr>
@@ -3501,7 +6564,14 @@
         <p:cNvGrpSpPr/>
         <p:nvPr/>
       </p:nvGrpSpPr>
-      <p:grpSpPr/>
+      <p:grpSpPr>
+        <a:xfrm>
+          <a:off x="0" y="0"/>
+          <a:ext cx="0" cy="0"/>
+          <a:chOff x="0" y="0"/>
+          <a:chExt cx="0" cy="0"/>
+        </a:xfrm>
+      </p:grpSpPr>
       <p:sp>
         <p:nvSpPr>
           <p:cNvPr id="2" name="Title 1"/>
@@ -3512,14 +6582,35 @@
             <p:ph type="title"/>
           </p:nvPr>
         </p:nvSpPr>
-        <p:spPr/>
-        <p:txBody>
-          <a:bodyPr/>
-          <a:lstStyle/>
-          <a:p>
-            <a:r>
-              <a:t>Java 8 Features</a:t>
-            </a:r>
+        <p:spPr>
+          <a:xfrm>
+            <a:off x="457200" y="274637"/>
+            <a:ext cx="8573784" cy="2037047"/>
+          </a:xfrm>
+        </p:spPr>
+        <p:txBody>
+          <a:bodyPr>
+            <a:normAutofit/>
+          </a:bodyPr>
+          <a:lstStyle/>
+          <a:p>
+            <a:r>
+              <a:rPr sz="3600" dirty="0"/>
+              <a:t>What is </a:t>
+            </a:r>
+            <a:r>
+              <a:rPr lang="en-CA" sz="3600" dirty="0"/>
+              <a:t>a CPU, Memory, HDD, Processor, Process</a:t>
+            </a:r>
+            <a:r>
+              <a:rPr sz="3600" dirty="0"/>
+              <a:t>?</a:t>
+            </a:r>
+            <a:r>
+              <a:rPr lang="en-CA" sz="3600" dirty="0"/>
+              <a:t> Also, How its related?</a:t>
+            </a:r>
+            <a:endParaRPr sz="3600" dirty="0"/>
           </a:p>
         </p:txBody>
       </p:sp>
@@ -3533,28 +6624,167 @@
             <p:ph idx="1"/>
           </p:nvPr>
         </p:nvSpPr>
-        <p:spPr/>
-        <p:txBody>
-          <a:bodyPr/>
-          <a:lstStyle/>
-          <a:p>
-            <a:r>
-              <a:t>Lambda Expressions help simplify coding and make it more flexible.</a:t>
-            </a:r>
-          </a:p>
-          <a:p>
-            <a:r>
-              <a:t>Stream API makes it easy to process collections of objects.</a:t>
-            </a:r>
-          </a:p>
-          <a:p>
-            <a:r>
-              <a:t>The improved Date and Time API helps handle date and time more effectively.</a:t>
-            </a:r>
+        <p:spPr>
+          <a:xfrm>
+            <a:off x="457200" y="1458930"/>
+            <a:ext cx="8229600" cy="4667233"/>
+          </a:xfrm>
+        </p:spPr>
+        <p:txBody>
+          <a:bodyPr>
+            <a:normAutofit/>
+          </a:bodyPr>
+          <a:lstStyle/>
+          <a:p>
+            <a:endParaRPr lang="en-US" dirty="0"/>
+          </a:p>
+          <a:p>
+            <a:pPr marL="0" indent="0">
+              <a:buNone/>
+            </a:pPr>
+            <a:endParaRPr lang="en-US" sz="2000" dirty="0"/>
+          </a:p>
+          <a:p>
+            <a:pPr marL="0" indent="0">
+              <a:buNone/>
+            </a:pPr>
+            <a:r>
+              <a:rPr lang="en-CA" b="1" dirty="0"/>
+              <a:t>HDD (Hard Disk Drive)</a:t>
+            </a:r>
+            <a:endParaRPr lang="en-US" b="1" dirty="0"/>
+          </a:p>
+          <a:p>
+            <a:r>
+              <a:rPr lang="en-US" sz="2400" dirty="0"/>
+              <a:t>Long-term storage device where data, applications, and operating systems are saved.</a:t>
+            </a:r>
+            <a:endParaRPr lang="en-US" sz="2100" dirty="0"/>
+          </a:p>
+          <a:p>
+            <a:r>
+              <a:rPr lang="en-US" sz="2400" dirty="0"/>
+              <a:t>Slower than RAM but retains data even when the computer is turned off.</a:t>
+            </a:r>
+            <a:endParaRPr lang="en-US" sz="2100" dirty="0"/>
+          </a:p>
+          <a:p>
+            <a:r>
+              <a:rPr lang="en-US" sz="2400" dirty="0"/>
+              <a:t>Used to store files, programs, and other persistent information.</a:t>
+            </a:r>
+            <a:endParaRPr lang="en-US" sz="2100" dirty="0"/>
+          </a:p>
+          <a:p>
+            <a:pPr marL="0" indent="0">
+              <a:buNone/>
+            </a:pPr>
+            <a:endParaRPr lang="en-US" sz="2100" dirty="0"/>
+          </a:p>
+          <a:p>
+            <a:endParaRPr lang="en-US" dirty="0"/>
+          </a:p>
+          <a:p>
+            <a:pPr marL="0" indent="0">
+              <a:buNone/>
+            </a:pPr>
+            <a:endParaRPr dirty="0"/>
+          </a:p>
+        </p:txBody>
+      </p:sp>
+      <p:sp>
+        <p:nvSpPr>
+          <p:cNvPr id="4" name="Date Placeholder 3">
+            <a:extLst>
+              <a:ext uri="{FF2B5EF4-FFF2-40B4-BE49-F238E27FC236}">
+                <a16:creationId xmlns:a16="http://schemas.microsoft.com/office/drawing/2014/main" id="{70D2D55E-E8FD-4B34-BD27-C14ED9815D8B}"/>
+              </a:ext>
+            </a:extLst>
+          </p:cNvPr>
+          <p:cNvSpPr>
+            <a:spLocks noGrp="1"/>
+          </p:cNvSpPr>
+          <p:nvPr>
+            <p:ph type="dt" sz="half" idx="10"/>
+          </p:nvPr>
+        </p:nvSpPr>
+        <p:spPr/>
+        <p:txBody>
+          <a:bodyPr/>
+          <a:lstStyle/>
+          <a:p>
+            <a:fld id="{2BEC5103-41C2-4753-9A5D-54D3476FCAC0}" type="datetime1">
+              <a:rPr lang="en-US" smtClean="0"/>
+              <a:t>12/10/2024</a:t>
+            </a:fld>
+            <a:endParaRPr lang="en-US"/>
+          </a:p>
+        </p:txBody>
+      </p:sp>
+      <p:sp>
+        <p:nvSpPr>
+          <p:cNvPr id="5" name="Footer Placeholder 4">
+            <a:extLst>
+              <a:ext uri="{FF2B5EF4-FFF2-40B4-BE49-F238E27FC236}">
+                <a16:creationId xmlns:a16="http://schemas.microsoft.com/office/drawing/2014/main" id="{711B9911-AAEF-430B-845E-9DF47E1505BA}"/>
+              </a:ext>
+            </a:extLst>
+          </p:cNvPr>
+          <p:cNvSpPr>
+            <a:spLocks noGrp="1"/>
+          </p:cNvSpPr>
+          <p:nvPr>
+            <p:ph type="ftr" sz="quarter" idx="11"/>
+          </p:nvPr>
+        </p:nvSpPr>
+        <p:spPr/>
+        <p:txBody>
+          <a:bodyPr/>
+          <a:lstStyle/>
+          <a:p>
+            <a:r>
+              <a:rPr lang="es-ES"/>
+              <a:t>GitHubRepo: https://github.com/develop2clickcomputers/LearnJavaWithSan</a:t>
+            </a:r>
+            <a:endParaRPr lang="en-US"/>
+          </a:p>
+        </p:txBody>
+      </p:sp>
+      <p:sp>
+        <p:nvSpPr>
+          <p:cNvPr id="6" name="Slide Number Placeholder 5">
+            <a:extLst>
+              <a:ext uri="{FF2B5EF4-FFF2-40B4-BE49-F238E27FC236}">
+                <a16:creationId xmlns:a16="http://schemas.microsoft.com/office/drawing/2014/main" id="{6A853133-7F41-415A-8C9D-74230DE24FB6}"/>
+              </a:ext>
+            </a:extLst>
+          </p:cNvPr>
+          <p:cNvSpPr>
+            <a:spLocks noGrp="1"/>
+          </p:cNvSpPr>
+          <p:nvPr>
+            <p:ph type="sldNum" sz="quarter" idx="12"/>
+          </p:nvPr>
+        </p:nvSpPr>
+        <p:spPr/>
+        <p:txBody>
+          <a:bodyPr/>
+          <a:lstStyle/>
+          <a:p>
+            <a:fld id="{C1FF6DA9-008F-8B48-92A6-B652298478BF}" type="slidenum">
+              <a:rPr lang="en-US" smtClean="0"/>
+              <a:t>6</a:t>
+            </a:fld>
+            <a:endParaRPr lang="en-US"/>
           </a:p>
         </p:txBody>
       </p:sp>
     </p:spTree>
+    <p:extLst>
+      <p:ext uri="{BB962C8B-B14F-4D97-AF65-F5344CB8AC3E}">
+        <p14:creationId xmlns:p14="http://schemas.microsoft.com/office/powerpoint/2010/main" val="4186572244"/>
+      </p:ext>
+    </p:extLst>
   </p:cSld>
   <p:clrMapOvr>
     <a:masterClrMapping/>
@@ -3563,7 +6793,7 @@
 </file>
 
 <file path=ppt/slides/slide7.xml><?xml version="1.0" encoding="utf-8"?>
-<p:sld xmlns:a="http://schemas.openxmlformats.org/drawingml/2006/main" xmlns:p="http://schemas.openxmlformats.org/presentationml/2006/main" xmlns:r="http://schemas.openxmlformats.org/officeDocument/2006/relationships">
+<p:sld xmlns:a="http://schemas.openxmlformats.org/drawingml/2006/main" xmlns:r="http://schemas.openxmlformats.org/officeDocument/2006/relationships" xmlns:p="http://schemas.openxmlformats.org/presentationml/2006/main">
   <p:cSld>
     <p:spTree>
       <p:nvGrpSpPr>
@@ -3571,7 +6801,14 @@
         <p:cNvGrpSpPr/>
         <p:nvPr/>
       </p:nvGrpSpPr>
-      <p:grpSpPr/>
+      <p:grpSpPr>
+        <a:xfrm>
+          <a:off x="0" y="0"/>
+          <a:ext cx="0" cy="0"/>
+          <a:chOff x="0" y="0"/>
+          <a:chExt cx="0" cy="0"/>
+        </a:xfrm>
+      </p:grpSpPr>
       <p:sp>
         <p:nvSpPr>
           <p:cNvPr id="2" name="Title 1"/>
@@ -3582,14 +6819,35 @@
             <p:ph type="title"/>
           </p:nvPr>
         </p:nvSpPr>
-        <p:spPr/>
-        <p:txBody>
-          <a:bodyPr/>
-          <a:lstStyle/>
-          <a:p>
-            <a:r>
-              <a:t>Writing Simple Java Programs</a:t>
-            </a:r>
+        <p:spPr>
+          <a:xfrm>
+            <a:off x="457200" y="274637"/>
+            <a:ext cx="8573784" cy="2037047"/>
+          </a:xfrm>
+        </p:spPr>
+        <p:txBody>
+          <a:bodyPr>
+            <a:normAutofit/>
+          </a:bodyPr>
+          <a:lstStyle/>
+          <a:p>
+            <a:r>
+              <a:rPr sz="3600" dirty="0"/>
+              <a:t>What is </a:t>
+            </a:r>
+            <a:r>
+              <a:rPr lang="en-CA" sz="3600" dirty="0"/>
+              <a:t>a CPU, Memory, HDD, Processor, Process</a:t>
+            </a:r>
+            <a:r>
+              <a:rPr sz="3600" dirty="0"/>
+              <a:t>?</a:t>
+            </a:r>
+            <a:r>
+              <a:rPr lang="en-CA" sz="3600" dirty="0"/>
+              <a:t> Also, How its related?</a:t>
+            </a:r>
+            <a:endParaRPr sz="3600" dirty="0"/>
           </a:p>
         </p:txBody>
       </p:sp>
@@ -3603,23 +6861,167 @@
             <p:ph idx="1"/>
           </p:nvPr>
         </p:nvSpPr>
-        <p:spPr/>
-        <p:txBody>
-          <a:bodyPr/>
-          <a:lstStyle/>
-          <a:p>
-            <a:r>
-              <a:t>A Java program is structured around classes and methods.</a:t>
-            </a:r>
-          </a:p>
-          <a:p>
-            <a:r>
-              <a:t>Examples include using variables, control statements like if-else, and loops like for and while.</a:t>
-            </a:r>
+        <p:spPr>
+          <a:xfrm>
+            <a:off x="457200" y="1458930"/>
+            <a:ext cx="8229600" cy="4667233"/>
+          </a:xfrm>
+        </p:spPr>
+        <p:txBody>
+          <a:bodyPr>
+            <a:normAutofit/>
+          </a:bodyPr>
+          <a:lstStyle/>
+          <a:p>
+            <a:endParaRPr lang="en-US" dirty="0"/>
+          </a:p>
+          <a:p>
+            <a:pPr marL="0" indent="0">
+              <a:buNone/>
+            </a:pPr>
+            <a:endParaRPr lang="en-US" sz="2000" dirty="0"/>
+          </a:p>
+          <a:p>
+            <a:pPr marL="0" indent="0">
+              <a:buNone/>
+            </a:pPr>
+            <a:r>
+              <a:rPr lang="en-CA" b="1" dirty="0"/>
+              <a:t>Processor</a:t>
+            </a:r>
+            <a:endParaRPr lang="en-US" b="1" dirty="0"/>
+          </a:p>
+          <a:p>
+            <a:r>
+              <a:rPr lang="en-US" sz="2400" dirty="0"/>
+              <a:t>A general term often used synonymously with the CPU.</a:t>
+            </a:r>
+            <a:endParaRPr lang="en-US" sz="2100" dirty="0"/>
+          </a:p>
+          <a:p>
+            <a:r>
+              <a:rPr lang="en-US" sz="2400" dirty="0"/>
+              <a:t>Can also refer to specialized processing units like GPUs (Graphics Processing Units) or other co-processors designed for specific tasks.</a:t>
+            </a:r>
+            <a:endParaRPr lang="en-US" sz="2100" dirty="0"/>
+          </a:p>
+          <a:p>
+            <a:r>
+              <a:rPr lang="en-US" sz="2400" dirty="0"/>
+              <a:t>Key to executing instructions and running applications.</a:t>
+            </a:r>
+            <a:endParaRPr lang="en-US" sz="2100" dirty="0"/>
+          </a:p>
+          <a:p>
+            <a:pPr marL="0" indent="0">
+              <a:buNone/>
+            </a:pPr>
+            <a:endParaRPr lang="en-US" sz="2100" dirty="0"/>
+          </a:p>
+          <a:p>
+            <a:endParaRPr lang="en-US" dirty="0"/>
+          </a:p>
+          <a:p>
+            <a:pPr marL="0" indent="0">
+              <a:buNone/>
+            </a:pPr>
+            <a:endParaRPr dirty="0"/>
+          </a:p>
+        </p:txBody>
+      </p:sp>
+      <p:sp>
+        <p:nvSpPr>
+          <p:cNvPr id="4" name="Date Placeholder 3">
+            <a:extLst>
+              <a:ext uri="{FF2B5EF4-FFF2-40B4-BE49-F238E27FC236}">
+                <a16:creationId xmlns:a16="http://schemas.microsoft.com/office/drawing/2014/main" id="{70D2D55E-E8FD-4B34-BD27-C14ED9815D8B}"/>
+              </a:ext>
+            </a:extLst>
+          </p:cNvPr>
+          <p:cNvSpPr>
+            <a:spLocks noGrp="1"/>
+          </p:cNvSpPr>
+          <p:nvPr>
+            <p:ph type="dt" sz="half" idx="10"/>
+          </p:nvPr>
+        </p:nvSpPr>
+        <p:spPr/>
+        <p:txBody>
+          <a:bodyPr/>
+          <a:lstStyle/>
+          <a:p>
+            <a:fld id="{2BEC5103-41C2-4753-9A5D-54D3476FCAC0}" type="datetime1">
+              <a:rPr lang="en-US" smtClean="0"/>
+              <a:t>12/10/2024</a:t>
+            </a:fld>
+            <a:endParaRPr lang="en-US"/>
+          </a:p>
+        </p:txBody>
+      </p:sp>
+      <p:sp>
+        <p:nvSpPr>
+          <p:cNvPr id="5" name="Footer Placeholder 4">
+            <a:extLst>
+              <a:ext uri="{FF2B5EF4-FFF2-40B4-BE49-F238E27FC236}">
+                <a16:creationId xmlns:a16="http://schemas.microsoft.com/office/drawing/2014/main" id="{711B9911-AAEF-430B-845E-9DF47E1505BA}"/>
+              </a:ext>
+            </a:extLst>
+          </p:cNvPr>
+          <p:cNvSpPr>
+            <a:spLocks noGrp="1"/>
+          </p:cNvSpPr>
+          <p:nvPr>
+            <p:ph type="ftr" sz="quarter" idx="11"/>
+          </p:nvPr>
+        </p:nvSpPr>
+        <p:spPr/>
+        <p:txBody>
+          <a:bodyPr/>
+          <a:lstStyle/>
+          <a:p>
+            <a:r>
+              <a:rPr lang="es-ES"/>
+              <a:t>GitHubRepo: https://github.com/develop2clickcomputers/LearnJavaWithSan</a:t>
+            </a:r>
+            <a:endParaRPr lang="en-US"/>
+          </a:p>
+        </p:txBody>
+      </p:sp>
+      <p:sp>
+        <p:nvSpPr>
+          <p:cNvPr id="6" name="Slide Number Placeholder 5">
+            <a:extLst>
+              <a:ext uri="{FF2B5EF4-FFF2-40B4-BE49-F238E27FC236}">
+                <a16:creationId xmlns:a16="http://schemas.microsoft.com/office/drawing/2014/main" id="{6A853133-7F41-415A-8C9D-74230DE24FB6}"/>
+              </a:ext>
+            </a:extLst>
+          </p:cNvPr>
+          <p:cNvSpPr>
+            <a:spLocks noGrp="1"/>
+          </p:cNvSpPr>
+          <p:nvPr>
+            <p:ph type="sldNum" sz="quarter" idx="12"/>
+          </p:nvPr>
+        </p:nvSpPr>
+        <p:spPr/>
+        <p:txBody>
+          <a:bodyPr/>
+          <a:lstStyle/>
+          <a:p>
+            <a:fld id="{C1FF6DA9-008F-8B48-92A6-B652298478BF}" type="slidenum">
+              <a:rPr lang="en-US" smtClean="0"/>
+              <a:t>7</a:t>
+            </a:fld>
+            <a:endParaRPr lang="en-US"/>
           </a:p>
         </p:txBody>
       </p:sp>
     </p:spTree>
+    <p:extLst>
+      <p:ext uri="{BB962C8B-B14F-4D97-AF65-F5344CB8AC3E}">
+        <p14:creationId xmlns:p14="http://schemas.microsoft.com/office/powerpoint/2010/main" val="1425905124"/>
+      </p:ext>
+    </p:extLst>
   </p:cSld>
   <p:clrMapOvr>
     <a:masterClrMapping/>
@@ -3628,7 +7030,7 @@
 </file>
 
 <file path=ppt/slides/slide8.xml><?xml version="1.0" encoding="utf-8"?>
-<p:sld xmlns:a="http://schemas.openxmlformats.org/drawingml/2006/main" xmlns:p="http://schemas.openxmlformats.org/presentationml/2006/main" xmlns:r="http://schemas.openxmlformats.org/officeDocument/2006/relationships">
+<p:sld xmlns:a="http://schemas.openxmlformats.org/drawingml/2006/main" xmlns:r="http://schemas.openxmlformats.org/officeDocument/2006/relationships" xmlns:p="http://schemas.openxmlformats.org/presentationml/2006/main">
   <p:cSld>
     <p:spTree>
       <p:nvGrpSpPr>
@@ -3636,7 +7038,14 @@
         <p:cNvGrpSpPr/>
         <p:nvPr/>
       </p:nvGrpSpPr>
-      <p:grpSpPr/>
+      <p:grpSpPr>
+        <a:xfrm>
+          <a:off x="0" y="0"/>
+          <a:ext cx="0" cy="0"/>
+          <a:chOff x="0" y="0"/>
+          <a:chExt cx="0" cy="0"/>
+        </a:xfrm>
+      </p:grpSpPr>
       <p:sp>
         <p:nvSpPr>
           <p:cNvPr id="2" name="Title 1"/>
@@ -3647,14 +7056,35 @@
             <p:ph type="title"/>
           </p:nvPr>
         </p:nvSpPr>
-        <p:spPr/>
-        <p:txBody>
-          <a:bodyPr/>
-          <a:lstStyle/>
-          <a:p>
-            <a:r>
-              <a:t>Interactive Activity</a:t>
-            </a:r>
+        <p:spPr>
+          <a:xfrm>
+            <a:off x="457200" y="274637"/>
+            <a:ext cx="8573784" cy="2037047"/>
+          </a:xfrm>
+        </p:spPr>
+        <p:txBody>
+          <a:bodyPr>
+            <a:normAutofit/>
+          </a:bodyPr>
+          <a:lstStyle/>
+          <a:p>
+            <a:r>
+              <a:rPr sz="3600" dirty="0"/>
+              <a:t>What is </a:t>
+            </a:r>
+            <a:r>
+              <a:rPr lang="en-CA" sz="3600" dirty="0"/>
+              <a:t>a CPU, Memory, HDD, Processor, Process</a:t>
+            </a:r>
+            <a:r>
+              <a:rPr sz="3600" dirty="0"/>
+              <a:t>?</a:t>
+            </a:r>
+            <a:r>
+              <a:rPr lang="en-CA" sz="3600" dirty="0"/>
+              <a:t> Also, How its related?</a:t>
+            </a:r>
+            <a:endParaRPr sz="3600" dirty="0"/>
           </a:p>
         </p:txBody>
       </p:sp>
@@ -3668,23 +7098,166 @@
             <p:ph idx="1"/>
           </p:nvPr>
         </p:nvSpPr>
-        <p:spPr/>
-        <p:txBody>
-          <a:bodyPr/>
-          <a:lstStyle/>
-          <a:p>
-            <a:r>
-              <a:t>A coding exercise to engage students with a simple task they can try on their computers.</a:t>
-            </a:r>
-          </a:p>
-          <a:p>
-            <a:r>
-              <a:t>Example problem: Write a program to calculate the sum of numbers from 1 to 10.</a:t>
-            </a:r>
+        <p:spPr>
+          <a:xfrm>
+            <a:off x="457200" y="1458930"/>
+            <a:ext cx="8229600" cy="4667233"/>
+          </a:xfrm>
+        </p:spPr>
+        <p:txBody>
+          <a:bodyPr>
+            <a:normAutofit/>
+          </a:bodyPr>
+          <a:lstStyle/>
+          <a:p>
+            <a:endParaRPr lang="en-US" dirty="0"/>
+          </a:p>
+          <a:p>
+            <a:pPr marL="0" indent="0">
+              <a:buNone/>
+            </a:pPr>
+            <a:endParaRPr lang="en-US" sz="2000" dirty="0"/>
+          </a:p>
+          <a:p>
+            <a:pPr marL="0" indent="0">
+              <a:buNone/>
+            </a:pPr>
+            <a:r>
+              <a:rPr lang="en-CA" b="1" dirty="0"/>
+              <a:t>Process</a:t>
+            </a:r>
+            <a:endParaRPr lang="en-US" b="1" dirty="0"/>
+          </a:p>
+          <a:p>
+            <a:r>
+              <a:rPr lang="en-US" sz="2400" dirty="0"/>
+              <a:t>An instance of a running program or task.</a:t>
+            </a:r>
+            <a:endParaRPr lang="en-US" sz="2100" dirty="0"/>
+          </a:p>
+          <a:p>
+            <a:r>
+              <a:rPr lang="en-US" sz="2400" dirty="0"/>
+              <a:t>Includes the program's code, the current state of execution, and allocated system resources (e.g., memory and CPU time). </a:t>
+            </a:r>
+          </a:p>
+          <a:p>
+            <a:r>
+              <a:rPr lang="en-US" sz="2400" dirty="0"/>
+              <a:t>Multiple processes can run simultaneously, managed by the operating system.</a:t>
+            </a:r>
+            <a:endParaRPr lang="en-US" sz="2100" dirty="0"/>
+          </a:p>
+          <a:p>
+            <a:pPr marL="0" indent="0">
+              <a:buNone/>
+            </a:pPr>
+            <a:endParaRPr lang="en-US" sz="2100" dirty="0"/>
+          </a:p>
+          <a:p>
+            <a:endParaRPr lang="en-US" dirty="0"/>
+          </a:p>
+          <a:p>
+            <a:pPr marL="0" indent="0">
+              <a:buNone/>
+            </a:pPr>
+            <a:endParaRPr dirty="0"/>
+          </a:p>
+        </p:txBody>
+      </p:sp>
+      <p:sp>
+        <p:nvSpPr>
+          <p:cNvPr id="4" name="Date Placeholder 3">
+            <a:extLst>
+              <a:ext uri="{FF2B5EF4-FFF2-40B4-BE49-F238E27FC236}">
+                <a16:creationId xmlns:a16="http://schemas.microsoft.com/office/drawing/2014/main" id="{70D2D55E-E8FD-4B34-BD27-C14ED9815D8B}"/>
+              </a:ext>
+            </a:extLst>
+          </p:cNvPr>
+          <p:cNvSpPr>
+            <a:spLocks noGrp="1"/>
+          </p:cNvSpPr>
+          <p:nvPr>
+            <p:ph type="dt" sz="half" idx="10"/>
+          </p:nvPr>
+        </p:nvSpPr>
+        <p:spPr/>
+        <p:txBody>
+          <a:bodyPr/>
+          <a:lstStyle/>
+          <a:p>
+            <a:fld id="{2BEC5103-41C2-4753-9A5D-54D3476FCAC0}" type="datetime1">
+              <a:rPr lang="en-US" smtClean="0"/>
+              <a:t>12/10/2024</a:t>
+            </a:fld>
+            <a:endParaRPr lang="en-US"/>
+          </a:p>
+        </p:txBody>
+      </p:sp>
+      <p:sp>
+        <p:nvSpPr>
+          <p:cNvPr id="5" name="Footer Placeholder 4">
+            <a:extLst>
+              <a:ext uri="{FF2B5EF4-FFF2-40B4-BE49-F238E27FC236}">
+                <a16:creationId xmlns:a16="http://schemas.microsoft.com/office/drawing/2014/main" id="{711B9911-AAEF-430B-845E-9DF47E1505BA}"/>
+              </a:ext>
+            </a:extLst>
+          </p:cNvPr>
+          <p:cNvSpPr>
+            <a:spLocks noGrp="1"/>
+          </p:cNvSpPr>
+          <p:nvPr>
+            <p:ph type="ftr" sz="quarter" idx="11"/>
+          </p:nvPr>
+        </p:nvSpPr>
+        <p:spPr/>
+        <p:txBody>
+          <a:bodyPr/>
+          <a:lstStyle/>
+          <a:p>
+            <a:r>
+              <a:rPr lang="es-ES"/>
+              <a:t>GitHubRepo: https://github.com/develop2clickcomputers/LearnJavaWithSan</a:t>
+            </a:r>
+            <a:endParaRPr lang="en-US"/>
+          </a:p>
+        </p:txBody>
+      </p:sp>
+      <p:sp>
+        <p:nvSpPr>
+          <p:cNvPr id="6" name="Slide Number Placeholder 5">
+            <a:extLst>
+              <a:ext uri="{FF2B5EF4-FFF2-40B4-BE49-F238E27FC236}">
+                <a16:creationId xmlns:a16="http://schemas.microsoft.com/office/drawing/2014/main" id="{6A853133-7F41-415A-8C9D-74230DE24FB6}"/>
+              </a:ext>
+            </a:extLst>
+          </p:cNvPr>
+          <p:cNvSpPr>
+            <a:spLocks noGrp="1"/>
+          </p:cNvSpPr>
+          <p:nvPr>
+            <p:ph type="sldNum" sz="quarter" idx="12"/>
+          </p:nvPr>
+        </p:nvSpPr>
+        <p:spPr/>
+        <p:txBody>
+          <a:bodyPr/>
+          <a:lstStyle/>
+          <a:p>
+            <a:fld id="{C1FF6DA9-008F-8B48-92A6-B652298478BF}" type="slidenum">
+              <a:rPr lang="en-US" smtClean="0"/>
+              <a:t>8</a:t>
+            </a:fld>
+            <a:endParaRPr lang="en-US"/>
           </a:p>
         </p:txBody>
       </p:sp>
     </p:spTree>
+    <p:extLst>
+      <p:ext uri="{BB962C8B-B14F-4D97-AF65-F5344CB8AC3E}">
+        <p14:creationId xmlns:p14="http://schemas.microsoft.com/office/powerpoint/2010/main" val="3124378960"/>
+      </p:ext>
+    </p:extLst>
   </p:cSld>
   <p:clrMapOvr>
     <a:masterClrMapping/>
@@ -3693,7 +7266,7 @@
 </file>
 
 <file path=ppt/slides/slide9.xml><?xml version="1.0" encoding="utf-8"?>
-<p:sld xmlns:a="http://schemas.openxmlformats.org/drawingml/2006/main" xmlns:p="http://schemas.openxmlformats.org/presentationml/2006/main" xmlns:r="http://schemas.openxmlformats.org/officeDocument/2006/relationships">
+<p:sld xmlns:a="http://schemas.openxmlformats.org/drawingml/2006/main" xmlns:r="http://schemas.openxmlformats.org/officeDocument/2006/relationships" xmlns:p="http://schemas.openxmlformats.org/presentationml/2006/main">
   <p:cSld>
     <p:spTree>
       <p:nvGrpSpPr>
@@ -3701,7 +7274,14 @@
         <p:cNvGrpSpPr/>
         <p:nvPr/>
       </p:nvGrpSpPr>
-      <p:grpSpPr/>
+      <p:grpSpPr>
+        <a:xfrm>
+          <a:off x="0" y="0"/>
+          <a:ext cx="0" cy="0"/>
+          <a:chOff x="0" y="0"/>
+          <a:chExt cx="0" cy="0"/>
+        </a:xfrm>
+      </p:grpSpPr>
       <p:sp>
         <p:nvSpPr>
           <p:cNvPr id="2" name="Title 1"/>
@@ -3712,14 +7292,35 @@
             <p:ph type="title"/>
           </p:nvPr>
         </p:nvSpPr>
-        <p:spPr/>
-        <p:txBody>
-          <a:bodyPr/>
-          <a:lstStyle/>
-          <a:p>
-            <a:r>
-              <a:t>Resources to Learn More</a:t>
-            </a:r>
+        <p:spPr>
+          <a:xfrm>
+            <a:off x="457200" y="274637"/>
+            <a:ext cx="8573784" cy="2037047"/>
+          </a:xfrm>
+        </p:spPr>
+        <p:txBody>
+          <a:bodyPr>
+            <a:normAutofit/>
+          </a:bodyPr>
+          <a:lstStyle/>
+          <a:p>
+            <a:r>
+              <a:rPr sz="3600" dirty="0"/>
+              <a:t>What is </a:t>
+            </a:r>
+            <a:r>
+              <a:rPr lang="en-CA" sz="3600" dirty="0"/>
+              <a:t>a CPU, Memory, HDD, Processor, Process</a:t>
+            </a:r>
+            <a:r>
+              <a:rPr sz="3600" dirty="0"/>
+              <a:t>?</a:t>
+            </a:r>
+            <a:r>
+              <a:rPr lang="en-CA" sz="3600" dirty="0"/>
+              <a:t> Also, How its related?</a:t>
+            </a:r>
+            <a:endParaRPr sz="3600" dirty="0"/>
           </a:p>
         </p:txBody>
       </p:sp>
@@ -3733,28 +7334,185 @@
             <p:ph idx="1"/>
           </p:nvPr>
         </p:nvSpPr>
-        <p:spPr/>
-        <p:txBody>
-          <a:bodyPr/>
-          <a:lstStyle/>
-          <a:p>
-            <a:r>
-              <a:t>Recommended books include 'Head First Java'.</a:t>
-            </a:r>
-          </a:p>
-          <a:p>
-            <a:r>
-              <a:t>Online resources like Codecademy, Coursera, and YouTube channels are helpful.</a:t>
-            </a:r>
-          </a:p>
-          <a:p>
-            <a:r>
-              <a:t>Practice platforms like HackerRank and LeetCode are good for practicing Java.</a:t>
-            </a:r>
+        <p:spPr>
+          <a:xfrm>
+            <a:off x="457200" y="1263722"/>
+            <a:ext cx="8229600" cy="4862442"/>
+          </a:xfrm>
+        </p:spPr>
+        <p:txBody>
+          <a:bodyPr>
+            <a:normAutofit/>
+          </a:bodyPr>
+          <a:lstStyle/>
+          <a:p>
+            <a:endParaRPr lang="en-US" dirty="0"/>
+          </a:p>
+          <a:p>
+            <a:pPr marL="0" indent="0">
+              <a:buNone/>
+            </a:pPr>
+            <a:endParaRPr lang="en-US" sz="2000" dirty="0"/>
+          </a:p>
+          <a:p>
+            <a:pPr marL="0" indent="0">
+              <a:buNone/>
+            </a:pPr>
+            <a:r>
+              <a:rPr lang="en-CA" dirty="0"/>
+              <a:t>How They Are Related</a:t>
+            </a:r>
+            <a:endParaRPr lang="en-US" b="1" dirty="0"/>
+          </a:p>
+          <a:p>
+            <a:endParaRPr lang="en-US" sz="2100" dirty="0"/>
+          </a:p>
+          <a:p>
+            <a:pPr marL="457200" indent="-457200">
+              <a:buAutoNum type="arabicPeriod"/>
+            </a:pPr>
+            <a:r>
+              <a:rPr lang="en-US" sz="2100" dirty="0"/>
+              <a:t>The CPU uses Memory (RAM) to access data and instructions for executing processes.</a:t>
+            </a:r>
+          </a:p>
+          <a:p>
+            <a:pPr marL="457200" indent="-457200">
+              <a:buAutoNum type="arabicPeriod"/>
+            </a:pPr>
+            <a:r>
+              <a:rPr lang="en-US" sz="2100" dirty="0"/>
+              <a:t>The Processor (CPU) performs computations and operations for these processes.</a:t>
+            </a:r>
+          </a:p>
+          <a:p>
+            <a:pPr marL="457200" indent="-457200">
+              <a:buAutoNum type="arabicPeriod"/>
+            </a:pPr>
+            <a:r>
+              <a:rPr lang="en-US" sz="2100" dirty="0"/>
+              <a:t>The HDD stores long-term data and applications that are loaded into memory when needed.</a:t>
+            </a:r>
+          </a:p>
+          <a:p>
+            <a:pPr marL="457200" indent="-457200">
+              <a:buAutoNum type="arabicPeriod"/>
+            </a:pPr>
+            <a:r>
+              <a:rPr lang="en-US" sz="2100" dirty="0"/>
+              <a:t>A Process represents a running application, and the CPU executes its instructions by working with memory and other system resources.</a:t>
+            </a:r>
+          </a:p>
+          <a:p>
+            <a:pPr marL="0" indent="0">
+              <a:buNone/>
+            </a:pPr>
+            <a:endParaRPr lang="en-US" sz="2100" dirty="0"/>
+          </a:p>
+          <a:p>
+            <a:endParaRPr lang="en-US" dirty="0"/>
+          </a:p>
+          <a:p>
+            <a:pPr marL="0" indent="0">
+              <a:buNone/>
+            </a:pPr>
+            <a:endParaRPr dirty="0"/>
+          </a:p>
+        </p:txBody>
+      </p:sp>
+      <p:sp>
+        <p:nvSpPr>
+          <p:cNvPr id="4" name="Date Placeholder 3">
+            <a:extLst>
+              <a:ext uri="{FF2B5EF4-FFF2-40B4-BE49-F238E27FC236}">
+                <a16:creationId xmlns:a16="http://schemas.microsoft.com/office/drawing/2014/main" id="{70D2D55E-E8FD-4B34-BD27-C14ED9815D8B}"/>
+              </a:ext>
+            </a:extLst>
+          </p:cNvPr>
+          <p:cNvSpPr>
+            <a:spLocks noGrp="1"/>
+          </p:cNvSpPr>
+          <p:nvPr>
+            <p:ph type="dt" sz="half" idx="10"/>
+          </p:nvPr>
+        </p:nvSpPr>
+        <p:spPr/>
+        <p:txBody>
+          <a:bodyPr/>
+          <a:lstStyle/>
+          <a:p>
+            <a:fld id="{2BEC5103-41C2-4753-9A5D-54D3476FCAC0}" type="datetime1">
+              <a:rPr lang="en-US" smtClean="0"/>
+              <a:t>12/10/2024</a:t>
+            </a:fld>
+            <a:endParaRPr lang="en-US"/>
+          </a:p>
+        </p:txBody>
+      </p:sp>
+      <p:sp>
+        <p:nvSpPr>
+          <p:cNvPr id="5" name="Footer Placeholder 4">
+            <a:extLst>
+              <a:ext uri="{FF2B5EF4-FFF2-40B4-BE49-F238E27FC236}">
+                <a16:creationId xmlns:a16="http://schemas.microsoft.com/office/drawing/2014/main" id="{711B9911-AAEF-430B-845E-9DF47E1505BA}"/>
+              </a:ext>
+            </a:extLst>
+          </p:cNvPr>
+          <p:cNvSpPr>
+            <a:spLocks noGrp="1"/>
+          </p:cNvSpPr>
+          <p:nvPr>
+            <p:ph type="ftr" sz="quarter" idx="11"/>
+          </p:nvPr>
+        </p:nvSpPr>
+        <p:spPr/>
+        <p:txBody>
+          <a:bodyPr/>
+          <a:lstStyle/>
+          <a:p>
+            <a:r>
+              <a:rPr lang="es-ES"/>
+              <a:t>GitHubRepo: https://github.com/develop2clickcomputers/LearnJavaWithSan</a:t>
+            </a:r>
+            <a:endParaRPr lang="en-US"/>
+          </a:p>
+        </p:txBody>
+      </p:sp>
+      <p:sp>
+        <p:nvSpPr>
+          <p:cNvPr id="6" name="Slide Number Placeholder 5">
+            <a:extLst>
+              <a:ext uri="{FF2B5EF4-FFF2-40B4-BE49-F238E27FC236}">
+                <a16:creationId xmlns:a16="http://schemas.microsoft.com/office/drawing/2014/main" id="{6A853133-7F41-415A-8C9D-74230DE24FB6}"/>
+              </a:ext>
+            </a:extLst>
+          </p:cNvPr>
+          <p:cNvSpPr>
+            <a:spLocks noGrp="1"/>
+          </p:cNvSpPr>
+          <p:nvPr>
+            <p:ph type="sldNum" sz="quarter" idx="12"/>
+          </p:nvPr>
+        </p:nvSpPr>
+        <p:spPr/>
+        <p:txBody>
+          <a:bodyPr/>
+          <a:lstStyle/>
+          <a:p>
+            <a:fld id="{C1FF6DA9-008F-8B48-92A6-B652298478BF}" type="slidenum">
+              <a:rPr lang="en-US" smtClean="0"/>
+              <a:t>9</a:t>
+            </a:fld>
+            <a:endParaRPr lang="en-US"/>
           </a:p>
         </p:txBody>
       </p:sp>
     </p:spTree>
+    <p:extLst>
+      <p:ext uri="{BB962C8B-B14F-4D97-AF65-F5344CB8AC3E}">
+        <p14:creationId xmlns:p14="http://schemas.microsoft.com/office/powerpoint/2010/main" val="224907672"/>
+      </p:ext>
+    </p:extLst>
   </p:cSld>
   <p:clrMapOvr>
     <a:masterClrMapping/>
@@ -4080,4 +7838,594 @@
   </a:objectDefaults>
   <a:extraClrSchemeLst/>
 </a:theme>
+</file>
+
+<file path=ppt/theme/theme2.xml><?xml version="1.0" encoding="utf-8"?>
+<a:theme xmlns:a="http://schemas.openxmlformats.org/drawingml/2006/main" name="Office Theme">
+  <a:themeElements>
+    <a:clrScheme name="Office">
+      <a:dk1>
+        <a:sysClr val="windowText" lastClr="000000"/>
+      </a:dk1>
+      <a:lt1>
+        <a:sysClr val="window" lastClr="FFFFFF"/>
+      </a:lt1>
+      <a:dk2>
+        <a:srgbClr val="44546A"/>
+      </a:dk2>
+      <a:lt2>
+        <a:srgbClr val="E7E6E6"/>
+      </a:lt2>
+      <a:accent1>
+        <a:srgbClr val="4472C4"/>
+      </a:accent1>
+      <a:accent2>
+        <a:srgbClr val="ED7D31"/>
+      </a:accent2>
+      <a:accent3>
+        <a:srgbClr val="A5A5A5"/>
+      </a:accent3>
+      <a:accent4>
+        <a:srgbClr val="FFC000"/>
+      </a:accent4>
+      <a:accent5>
+        <a:srgbClr val="5B9BD5"/>
+      </a:accent5>
+      <a:accent6>
+        <a:srgbClr val="70AD47"/>
+      </a:accent6>
+      <a:hlink>
+        <a:srgbClr val="0563C1"/>
+      </a:hlink>
+      <a:folHlink>
+        <a:srgbClr val="954F72"/>
+      </a:folHlink>
+    </a:clrScheme>
+    <a:fontScheme name="Office">
+      <a:majorFont>
+        <a:latin typeface="Calibri Light" panose="020F0302020204030204"/>
+        <a:ea typeface=""/>
+        <a:cs typeface=""/>
+        <a:font script="Jpan" typeface="游ゴシック Light"/>
+        <a:font script="Hang" typeface="맑은 고딕"/>
+        <a:font script="Hans" typeface="等线 Light"/>
+        <a:font script="Hant" typeface="新細明體"/>
+        <a:font script="Arab" typeface="Times New Roman"/>
+        <a:font script="Hebr" typeface="Times New Roman"/>
+        <a:font script="Thai" typeface="Angsana New"/>
+        <a:font script="Ethi" typeface="Nyala"/>
+        <a:font script="Beng" typeface="Vrinda"/>
+        <a:font script="Gujr" typeface="Shruti"/>
+        <a:font script="Khmr" typeface="MoolBoran"/>
+        <a:font script="Knda" typeface="Tunga"/>
+        <a:font script="Guru" typeface="Raavi"/>
+        <a:font script="Cans" typeface="Euphemia"/>
+        <a:font script="Cher" typeface="Plantagenet Cherokee"/>
+        <a:font script="Yiii" typeface="Microsoft Yi Baiti"/>
+        <a:font script="Tibt" typeface="Microsoft Himalaya"/>
+        <a:font script="Thaa" typeface="MV Boli"/>
+        <a:font script="Deva" typeface="Mangal"/>
+        <a:font script="Telu" typeface="Gautami"/>
+        <a:font script="Taml" typeface="Latha"/>
+        <a:font script="Syrc" typeface="Estrangelo Edessa"/>
+        <a:font script="Orya" typeface="Kalinga"/>
+        <a:font script="Mlym" typeface="Kartika"/>
+        <a:font script="Laoo" typeface="DokChampa"/>
+        <a:font script="Sinh" typeface="Iskoola Pota"/>
+        <a:font script="Mong" typeface="Mongolian Baiti"/>
+        <a:font script="Viet" typeface="Times New Roman"/>
+        <a:font script="Uigh" typeface="Microsoft Uighur"/>
+        <a:font script="Geor" typeface="Sylfaen"/>
+        <a:font script="Armn" typeface="Arial"/>
+        <a:font script="Bugi" typeface="Leelawadee UI"/>
+        <a:font script="Bopo" typeface="Microsoft JhengHei"/>
+        <a:font script="Java" typeface="Javanese Text"/>
+        <a:font script="Lisu" typeface="Segoe UI"/>
+        <a:font script="Mymr" typeface="Myanmar Text"/>
+        <a:font script="Nkoo" typeface="Ebrima"/>
+        <a:font script="Olck" typeface="Nirmala UI"/>
+        <a:font script="Osma" typeface="Ebrima"/>
+        <a:font script="Phag" typeface="Phagspa"/>
+        <a:font script="Syrn" typeface="Estrangelo Edessa"/>
+        <a:font script="Syrj" typeface="Estrangelo Edessa"/>
+        <a:font script="Syre" typeface="Estrangelo Edessa"/>
+        <a:font script="Sora" typeface="Nirmala UI"/>
+        <a:font script="Tale" typeface="Microsoft Tai Le"/>
+        <a:font script="Talu" typeface="Microsoft New Tai Lue"/>
+        <a:font script="Tfng" typeface="Ebrima"/>
+      </a:majorFont>
+      <a:minorFont>
+        <a:latin typeface="Calibri" panose="020F0502020204030204"/>
+        <a:ea typeface=""/>
+        <a:cs typeface=""/>
+        <a:font script="Jpan" typeface="游ゴシック"/>
+        <a:font script="Hang" typeface="맑은 고딕"/>
+        <a:font script="Hans" typeface="等线"/>
+        <a:font script="Hant" typeface="新細明體"/>
+        <a:font script="Arab" typeface="Arial"/>
+        <a:font script="Hebr" typeface="Arial"/>
+        <a:font script="Thai" typeface="Cordia New"/>
+        <a:font script="Ethi" typeface="Nyala"/>
+        <a:font script="Beng" typeface="Vrinda"/>
+        <a:font script="Gujr" typeface="Shruti"/>
+        <a:font script="Khmr" typeface="DaunPenh"/>
+        <a:font script="Knda" typeface="Tunga"/>
+        <a:font script="Guru" typeface="Raavi"/>
+        <a:font script="Cans" typeface="Euphemia"/>
+        <a:font script="Cher" typeface="Plantagenet Cherokee"/>
+        <a:font script="Yiii" typeface="Microsoft Yi Baiti"/>
+        <a:font script="Tibt" typeface="Microsoft Himalaya"/>
+        <a:font script="Thaa" typeface="MV Boli"/>
+        <a:font script="Deva" typeface="Mangal"/>
+        <a:font script="Telu" typeface="Gautami"/>
+        <a:font script="Taml" typeface="Latha"/>
+        <a:font script="Syrc" typeface="Estrangelo Edessa"/>
+        <a:font script="Orya" typeface="Kalinga"/>
+        <a:font script="Mlym" typeface="Kartika"/>
+        <a:font script="Laoo" typeface="DokChampa"/>
+        <a:font script="Sinh" typeface="Iskoola Pota"/>
+        <a:font script="Mong" typeface="Mongolian Baiti"/>
+        <a:font script="Viet" typeface="Arial"/>
+        <a:font script="Uigh" typeface="Microsoft Uighur"/>
+        <a:font script="Geor" typeface="Sylfaen"/>
+        <a:font script="Armn" typeface="Arial"/>
+        <a:font script="Bugi" typeface="Leelawadee UI"/>
+        <a:font script="Bopo" typeface="Microsoft JhengHei"/>
+        <a:font script="Java" typeface="Javanese Text"/>
+        <a:font script="Lisu" typeface="Segoe UI"/>
+        <a:font script="Mymr" typeface="Myanmar Text"/>
+        <a:font script="Nkoo" typeface="Ebrima"/>
+        <a:font script="Olck" typeface="Nirmala UI"/>
+        <a:font script="Osma" typeface="Ebrima"/>
+        <a:font script="Phag" typeface="Phagspa"/>
+        <a:font script="Syrn" typeface="Estrangelo Edessa"/>
+        <a:font script="Syrj" typeface="Estrangelo Edessa"/>
+        <a:font script="Syre" typeface="Estrangelo Edessa"/>
+        <a:font script="Sora" typeface="Nirmala UI"/>
+        <a:font script="Tale" typeface="Microsoft Tai Le"/>
+        <a:font script="Talu" typeface="Microsoft New Tai Lue"/>
+        <a:font script="Tfng" typeface="Ebrima"/>
+      </a:minorFont>
+    </a:fontScheme>
+    <a:fmtScheme name="Office">
+      <a:fillStyleLst>
+        <a:solidFill>
+          <a:schemeClr val="phClr"/>
+        </a:solidFill>
+        <a:gradFill rotWithShape="1">
+          <a:gsLst>
+            <a:gs pos="0">
+              <a:schemeClr val="phClr">
+                <a:lumMod val="110000"/>
+                <a:satMod val="105000"/>
+                <a:tint val="67000"/>
+              </a:schemeClr>
+            </a:gs>
+            <a:gs pos="50000">
+              <a:schemeClr val="phClr">
+                <a:lumMod val="105000"/>
+                <a:satMod val="103000"/>
+                <a:tint val="73000"/>
+              </a:schemeClr>
+            </a:gs>
+            <a:gs pos="100000">
+              <a:schemeClr val="phClr">
+                <a:lumMod val="105000"/>
+                <a:satMod val="109000"/>
+                <a:tint val="81000"/>
+              </a:schemeClr>
+            </a:gs>
+          </a:gsLst>
+          <a:lin ang="5400000" scaled="0"/>
+        </a:gradFill>
+        <a:gradFill rotWithShape="1">
+          <a:gsLst>
+            <a:gs pos="0">
+              <a:schemeClr val="phClr">
+                <a:satMod val="103000"/>
+                <a:lumMod val="102000"/>
+                <a:tint val="94000"/>
+              </a:schemeClr>
+            </a:gs>
+            <a:gs pos="50000">
+              <a:schemeClr val="phClr">
+                <a:satMod val="110000"/>
+                <a:lumMod val="100000"/>
+                <a:shade val="100000"/>
+              </a:schemeClr>
+            </a:gs>
+            <a:gs pos="100000">
+              <a:schemeClr val="phClr">
+                <a:lumMod val="99000"/>
+                <a:satMod val="120000"/>
+                <a:shade val="78000"/>
+              </a:schemeClr>
+            </a:gs>
+          </a:gsLst>
+          <a:lin ang="5400000" scaled="0"/>
+        </a:gradFill>
+      </a:fillStyleLst>
+      <a:lnStyleLst>
+        <a:ln w="6350" cap="flat" cmpd="sng" algn="ctr">
+          <a:solidFill>
+            <a:schemeClr val="phClr"/>
+          </a:solidFill>
+          <a:prstDash val="solid"/>
+          <a:miter lim="800000"/>
+        </a:ln>
+        <a:ln w="12700" cap="flat" cmpd="sng" algn="ctr">
+          <a:solidFill>
+            <a:schemeClr val="phClr"/>
+          </a:solidFill>
+          <a:prstDash val="solid"/>
+          <a:miter lim="800000"/>
+        </a:ln>
+        <a:ln w="19050" cap="flat" cmpd="sng" algn="ctr">
+          <a:solidFill>
+            <a:schemeClr val="phClr"/>
+          </a:solidFill>
+          <a:prstDash val="solid"/>
+          <a:miter lim="800000"/>
+        </a:ln>
+      </a:lnStyleLst>
+      <a:effectStyleLst>
+        <a:effectStyle>
+          <a:effectLst/>
+        </a:effectStyle>
+        <a:effectStyle>
+          <a:effectLst/>
+        </a:effectStyle>
+        <a:effectStyle>
+          <a:effectLst>
+            <a:outerShdw blurRad="57150" dist="19050" dir="5400000" algn="ctr" rotWithShape="0">
+              <a:srgbClr val="000000">
+                <a:alpha val="63000"/>
+              </a:srgbClr>
+            </a:outerShdw>
+          </a:effectLst>
+        </a:effectStyle>
+      </a:effectStyleLst>
+      <a:bgFillStyleLst>
+        <a:solidFill>
+          <a:schemeClr val="phClr"/>
+        </a:solidFill>
+        <a:solidFill>
+          <a:schemeClr val="phClr">
+            <a:tint val="95000"/>
+            <a:satMod val="170000"/>
+          </a:schemeClr>
+        </a:solidFill>
+        <a:gradFill rotWithShape="1">
+          <a:gsLst>
+            <a:gs pos="0">
+              <a:schemeClr val="phClr">
+                <a:tint val="93000"/>
+                <a:satMod val="150000"/>
+                <a:shade val="98000"/>
+                <a:lumMod val="102000"/>
+              </a:schemeClr>
+            </a:gs>
+            <a:gs pos="50000">
+              <a:schemeClr val="phClr">
+                <a:tint val="98000"/>
+                <a:satMod val="130000"/>
+                <a:shade val="90000"/>
+                <a:lumMod val="103000"/>
+              </a:schemeClr>
+            </a:gs>
+            <a:gs pos="100000">
+              <a:schemeClr val="phClr">
+                <a:shade val="63000"/>
+                <a:satMod val="120000"/>
+              </a:schemeClr>
+            </a:gs>
+          </a:gsLst>
+          <a:lin ang="5400000" scaled="0"/>
+        </a:gradFill>
+      </a:bgFillStyleLst>
+    </a:fmtScheme>
+  </a:themeElements>
+  <a:objectDefaults/>
+  <a:extraClrSchemeLst/>
+  <a:extLst>
+    <a:ext uri="{05A4C25C-085E-4340-85A3-A5531E510DB2}">
+      <thm15:themeFamily xmlns:thm15="http://schemas.microsoft.com/office/thememl/2012/main" name="Office Theme" id="{62F939B6-93AF-4DB8-9C6B-D6C7DFDC589F}" vid="{4A3C46E8-61CC-4603-A589-7422A47A8E4A}"/>
+    </a:ext>
+  </a:extLst>
+</a:theme>
+</file>
+
+<file path=ppt/theme/theme3.xml><?xml version="1.0" encoding="utf-8"?>
+<a:theme xmlns:a="http://schemas.openxmlformats.org/drawingml/2006/main" name="Office Theme">
+  <a:themeElements>
+    <a:clrScheme name="Office">
+      <a:dk1>
+        <a:sysClr val="windowText" lastClr="000000"/>
+      </a:dk1>
+      <a:lt1>
+        <a:sysClr val="window" lastClr="FFFFFF"/>
+      </a:lt1>
+      <a:dk2>
+        <a:srgbClr val="44546A"/>
+      </a:dk2>
+      <a:lt2>
+        <a:srgbClr val="E7E6E6"/>
+      </a:lt2>
+      <a:accent1>
+        <a:srgbClr val="4472C4"/>
+      </a:accent1>
+      <a:accent2>
+        <a:srgbClr val="ED7D31"/>
+      </a:accent2>
+      <a:accent3>
+        <a:srgbClr val="A5A5A5"/>
+      </a:accent3>
+      <a:accent4>
+        <a:srgbClr val="FFC000"/>
+      </a:accent4>
+      <a:accent5>
+        <a:srgbClr val="5B9BD5"/>
+      </a:accent5>
+      <a:accent6>
+        <a:srgbClr val="70AD47"/>
+      </a:accent6>
+      <a:hlink>
+        <a:srgbClr val="0563C1"/>
+      </a:hlink>
+      <a:folHlink>
+        <a:srgbClr val="954F72"/>
+      </a:folHlink>
+    </a:clrScheme>
+    <a:fontScheme name="Office">
+      <a:majorFont>
+        <a:latin typeface="Calibri Light" panose="020F0302020204030204"/>
+        <a:ea typeface=""/>
+        <a:cs typeface=""/>
+        <a:font script="Jpan" typeface="游ゴシック Light"/>
+        <a:font script="Hang" typeface="맑은 고딕"/>
+        <a:font script="Hans" typeface="等线 Light"/>
+        <a:font script="Hant" typeface="新細明體"/>
+        <a:font script="Arab" typeface="Times New Roman"/>
+        <a:font script="Hebr" typeface="Times New Roman"/>
+        <a:font script="Thai" typeface="Angsana New"/>
+        <a:font script="Ethi" typeface="Nyala"/>
+        <a:font script="Beng" typeface="Vrinda"/>
+        <a:font script="Gujr" typeface="Shruti"/>
+        <a:font script="Khmr" typeface="MoolBoran"/>
+        <a:font script="Knda" typeface="Tunga"/>
+        <a:font script="Guru" typeface="Raavi"/>
+        <a:font script="Cans" typeface="Euphemia"/>
+        <a:font script="Cher" typeface="Plantagenet Cherokee"/>
+        <a:font script="Yiii" typeface="Microsoft Yi Baiti"/>
+        <a:font script="Tibt" typeface="Microsoft Himalaya"/>
+        <a:font script="Thaa" typeface="MV Boli"/>
+        <a:font script="Deva" typeface="Mangal"/>
+        <a:font script="Telu" typeface="Gautami"/>
+        <a:font script="Taml" typeface="Latha"/>
+        <a:font script="Syrc" typeface="Estrangelo Edessa"/>
+        <a:font script="Orya" typeface="Kalinga"/>
+        <a:font script="Mlym" typeface="Kartika"/>
+        <a:font script="Laoo" typeface="DokChampa"/>
+        <a:font script="Sinh" typeface="Iskoola Pota"/>
+        <a:font script="Mong" typeface="Mongolian Baiti"/>
+        <a:font script="Viet" typeface="Times New Roman"/>
+        <a:font script="Uigh" typeface="Microsoft Uighur"/>
+        <a:font script="Geor" typeface="Sylfaen"/>
+        <a:font script="Armn" typeface="Arial"/>
+        <a:font script="Bugi" typeface="Leelawadee UI"/>
+        <a:font script="Bopo" typeface="Microsoft JhengHei"/>
+        <a:font script="Java" typeface="Javanese Text"/>
+        <a:font script="Lisu" typeface="Segoe UI"/>
+        <a:font script="Mymr" typeface="Myanmar Text"/>
+        <a:font script="Nkoo" typeface="Ebrima"/>
+        <a:font script="Olck" typeface="Nirmala UI"/>
+        <a:font script="Osma" typeface="Ebrima"/>
+        <a:font script="Phag" typeface="Phagspa"/>
+        <a:font script="Syrn" typeface="Estrangelo Edessa"/>
+        <a:font script="Syrj" typeface="Estrangelo Edessa"/>
+        <a:font script="Syre" typeface="Estrangelo Edessa"/>
+        <a:font script="Sora" typeface="Nirmala UI"/>
+        <a:font script="Tale" typeface="Microsoft Tai Le"/>
+        <a:font script="Talu" typeface="Microsoft New Tai Lue"/>
+        <a:font script="Tfng" typeface="Ebrima"/>
+      </a:majorFont>
+      <a:minorFont>
+        <a:latin typeface="Calibri" panose="020F0502020204030204"/>
+        <a:ea typeface=""/>
+        <a:cs typeface=""/>
+        <a:font script="Jpan" typeface="游ゴシック"/>
+        <a:font script="Hang" typeface="맑은 고딕"/>
+        <a:font script="Hans" typeface="等线"/>
+        <a:font script="Hant" typeface="新細明體"/>
+        <a:font script="Arab" typeface="Arial"/>
+        <a:font script="Hebr" typeface="Arial"/>
+        <a:font script="Thai" typeface="Cordia New"/>
+        <a:font script="Ethi" typeface="Nyala"/>
+        <a:font script="Beng" typeface="Vrinda"/>
+        <a:font script="Gujr" typeface="Shruti"/>
+        <a:font script="Khmr" typeface="DaunPenh"/>
+        <a:font script="Knda" typeface="Tunga"/>
+        <a:font script="Guru" typeface="Raavi"/>
+        <a:font script="Cans" typeface="Euphemia"/>
+        <a:font script="Cher" typeface="Plantagenet Cherokee"/>
+        <a:font script="Yiii" typeface="Microsoft Yi Baiti"/>
+        <a:font script="Tibt" typeface="Microsoft Himalaya"/>
+        <a:font script="Thaa" typeface="MV Boli"/>
+        <a:font script="Deva" typeface="Mangal"/>
+        <a:font script="Telu" typeface="Gautami"/>
+        <a:font script="Taml" typeface="Latha"/>
+        <a:font script="Syrc" typeface="Estrangelo Edessa"/>
+        <a:font script="Orya" typeface="Kalinga"/>
+        <a:font script="Mlym" typeface="Kartika"/>
+        <a:font script="Laoo" typeface="DokChampa"/>
+        <a:font script="Sinh" typeface="Iskoola Pota"/>
+        <a:font script="Mong" typeface="Mongolian Baiti"/>
+        <a:font script="Viet" typeface="Arial"/>
+        <a:font script="Uigh" typeface="Microsoft Uighur"/>
+        <a:font script="Geor" typeface="Sylfaen"/>
+        <a:font script="Armn" typeface="Arial"/>
+        <a:font script="Bugi" typeface="Leelawadee UI"/>
+        <a:font script="Bopo" typeface="Microsoft JhengHei"/>
+        <a:font script="Java" typeface="Javanese Text"/>
+        <a:font script="Lisu" typeface="Segoe UI"/>
+        <a:font script="Mymr" typeface="Myanmar Text"/>
+        <a:font script="Nkoo" typeface="Ebrima"/>
+        <a:font script="Olck" typeface="Nirmala UI"/>
+        <a:font script="Osma" typeface="Ebrima"/>
+        <a:font script="Phag" typeface="Phagspa"/>
+        <a:font script="Syrn" typeface="Estrangelo Edessa"/>
+        <a:font script="Syrj" typeface="Estrangelo Edessa"/>
+        <a:font script="Syre" typeface="Estrangelo Edessa"/>
+        <a:font script="Sora" typeface="Nirmala UI"/>
+        <a:font script="Tale" typeface="Microsoft Tai Le"/>
+        <a:font script="Talu" typeface="Microsoft New Tai Lue"/>
+        <a:font script="Tfng" typeface="Ebrima"/>
+      </a:minorFont>
+    </a:fontScheme>
+    <a:fmtScheme name="Office">
+      <a:fillStyleLst>
+        <a:solidFill>
+          <a:schemeClr val="phClr"/>
+        </a:solidFill>
+        <a:gradFill rotWithShape="1">
+          <a:gsLst>
+            <a:gs pos="0">
+              <a:schemeClr val="phClr">
+                <a:lumMod val="110000"/>
+                <a:satMod val="105000"/>
+                <a:tint val="67000"/>
+              </a:schemeClr>
+            </a:gs>
+            <a:gs pos="50000">
+              <a:schemeClr val="phClr">
+                <a:lumMod val="105000"/>
+                <a:satMod val="103000"/>
+                <a:tint val="73000"/>
+              </a:schemeClr>
+            </a:gs>
+            <a:gs pos="100000">
+              <a:schemeClr val="phClr">
+                <a:lumMod val="105000"/>
+                <a:satMod val="109000"/>
+                <a:tint val="81000"/>
+              </a:schemeClr>
+            </a:gs>
+          </a:gsLst>
+          <a:lin ang="5400000" scaled="0"/>
+        </a:gradFill>
+        <a:gradFill rotWithShape="1">
+          <a:gsLst>
+            <a:gs pos="0">
+              <a:schemeClr val="phClr">
+                <a:satMod val="103000"/>
+                <a:lumMod val="102000"/>
+                <a:tint val="94000"/>
+              </a:schemeClr>
+            </a:gs>
+            <a:gs pos="50000">
+              <a:schemeClr val="phClr">
+                <a:satMod val="110000"/>
+                <a:lumMod val="100000"/>
+                <a:shade val="100000"/>
+              </a:schemeClr>
+            </a:gs>
+            <a:gs pos="100000">
+              <a:schemeClr val="phClr">
+                <a:lumMod val="99000"/>
+                <a:satMod val="120000"/>
+                <a:shade val="78000"/>
+              </a:schemeClr>
+            </a:gs>
+          </a:gsLst>
+          <a:lin ang="5400000" scaled="0"/>
+        </a:gradFill>
+      </a:fillStyleLst>
+      <a:lnStyleLst>
+        <a:ln w="6350" cap="flat" cmpd="sng" algn="ctr">
+          <a:solidFill>
+            <a:schemeClr val="phClr"/>
+          </a:solidFill>
+          <a:prstDash val="solid"/>
+          <a:miter lim="800000"/>
+        </a:ln>
+        <a:ln w="12700" cap="flat" cmpd="sng" algn="ctr">
+          <a:solidFill>
+            <a:schemeClr val="phClr"/>
+          </a:solidFill>
+          <a:prstDash val="solid"/>
+          <a:miter lim="800000"/>
+        </a:ln>
+        <a:ln w="19050" cap="flat" cmpd="sng" algn="ctr">
+          <a:solidFill>
+            <a:schemeClr val="phClr"/>
+          </a:solidFill>
+          <a:prstDash val="solid"/>
+          <a:miter lim="800000"/>
+        </a:ln>
+      </a:lnStyleLst>
+      <a:effectStyleLst>
+        <a:effectStyle>
+          <a:effectLst/>
+        </a:effectStyle>
+        <a:effectStyle>
+          <a:effectLst/>
+        </a:effectStyle>
+        <a:effectStyle>
+          <a:effectLst>
+            <a:outerShdw blurRad="57150" dist="19050" dir="5400000" algn="ctr" rotWithShape="0">
+              <a:srgbClr val="000000">
+                <a:alpha val="63000"/>
+              </a:srgbClr>
+            </a:outerShdw>
+          </a:effectLst>
+        </a:effectStyle>
+      </a:effectStyleLst>
+      <a:bgFillStyleLst>
+        <a:solidFill>
+          <a:schemeClr val="phClr"/>
+        </a:solidFill>
+        <a:solidFill>
+          <a:schemeClr val="phClr">
+            <a:tint val="95000"/>
+            <a:satMod val="170000"/>
+          </a:schemeClr>
+        </a:solidFill>
+        <a:gradFill rotWithShape="1">
+          <a:gsLst>
+            <a:gs pos="0">
+              <a:schemeClr val="phClr">
+                <a:tint val="93000"/>
+                <a:satMod val="150000"/>
+                <a:shade val="98000"/>
+                <a:lumMod val="102000"/>
+              </a:schemeClr>
+            </a:gs>
+            <a:gs pos="50000">
+              <a:schemeClr val="phClr">
+                <a:tint val="98000"/>
+                <a:satMod val="130000"/>
+                <a:shade val="90000"/>
+                <a:lumMod val="103000"/>
+              </a:schemeClr>
+            </a:gs>
+            <a:gs pos="100000">
+              <a:schemeClr val="phClr">
+                <a:shade val="63000"/>
+                <a:satMod val="120000"/>
+              </a:schemeClr>
+            </a:gs>
+          </a:gsLst>
+          <a:lin ang="5400000" scaled="0"/>
+        </a:gradFill>
+      </a:bgFillStyleLst>
+    </a:fmtScheme>
+  </a:themeElements>
+  <a:objectDefaults/>
+  <a:extraClrSchemeLst/>
+  <a:extLst>
+    <a:ext uri="{05A4C25C-085E-4340-85A3-A5531E510DB2}">
+      <thm15:themeFamily xmlns:thm15="http://schemas.microsoft.com/office/thememl/2012/main" name="Office Theme" id="{62F939B6-93AF-4DB8-9C6B-D6C7DFDC589F}" vid="{4A3C46E8-61CC-4603-A589-7422A47A8E4A}"/>
+    </a:ext>
+  </a:extLst>
+</a:theme>
 </file>
--- a/Introduction_to_Java_8_for_Grade_10_Students.pptx
+++ b/Introduction_to_Java_8_for_Grade_10_Students.pptx
@@ -5,10 +5,10 @@
     <p:sldMasterId id="2147483648" r:id="rId1"/>
   </p:sldMasterIdLst>
   <p:notesMasterIdLst>
-    <p:notesMasterId r:id="rId21"/>
+    <p:notesMasterId r:id="rId22"/>
   </p:notesMasterIdLst>
   <p:handoutMasterIdLst>
-    <p:handoutMasterId r:id="rId22"/>
+    <p:handoutMasterId r:id="rId23"/>
   </p:handoutMasterIdLst>
   <p:sldIdLst>
     <p:sldId id="256" r:id="rId2"/>
@@ -21,15 +21,16 @@
     <p:sldId id="272" r:id="rId9"/>
     <p:sldId id="273" r:id="rId10"/>
     <p:sldId id="274" r:id="rId11"/>
-    <p:sldId id="267" r:id="rId12"/>
-    <p:sldId id="258" r:id="rId13"/>
-    <p:sldId id="259" r:id="rId14"/>
-    <p:sldId id="260" r:id="rId15"/>
-    <p:sldId id="261" r:id="rId16"/>
-    <p:sldId id="262" r:id="rId17"/>
-    <p:sldId id="263" r:id="rId18"/>
-    <p:sldId id="264" r:id="rId19"/>
-    <p:sldId id="265" r:id="rId20"/>
+    <p:sldId id="275" r:id="rId12"/>
+    <p:sldId id="267" r:id="rId13"/>
+    <p:sldId id="258" r:id="rId14"/>
+    <p:sldId id="259" r:id="rId15"/>
+    <p:sldId id="260" r:id="rId16"/>
+    <p:sldId id="261" r:id="rId17"/>
+    <p:sldId id="262" r:id="rId18"/>
+    <p:sldId id="263" r:id="rId19"/>
+    <p:sldId id="264" r:id="rId20"/>
+    <p:sldId id="265" r:id="rId21"/>
   </p:sldIdLst>
   <p:sldSz cx="9144000" cy="6858000" type="screen4x3"/>
   <p:notesSz cx="6858000" cy="9144000"/>
@@ -4279,45 +4280,34 @@
             <p:ph type="title"/>
           </p:nvPr>
         </p:nvSpPr>
-        <p:spPr/>
-        <p:txBody>
-          <a:bodyPr/>
-          <a:lstStyle/>
-          <a:p>
-            <a:r>
-              <a:t>What is Java?</a:t>
-            </a:r>
-          </a:p>
-        </p:txBody>
-      </p:sp>
-      <p:sp>
-        <p:nvSpPr>
-          <p:cNvPr id="3" name="Content Placeholder 2"/>
-          <p:cNvSpPr>
-            <a:spLocks noGrp="1"/>
-          </p:cNvSpPr>
-          <p:nvPr>
-            <p:ph idx="1"/>
-          </p:nvPr>
-        </p:nvSpPr>
-        <p:spPr/>
-        <p:txBody>
-          <a:bodyPr/>
-          <a:lstStyle/>
-          <a:p>
-            <a:r>
-              <a:t>Java is a programming language and computing platform.</a:t>
-            </a:r>
-          </a:p>
-          <a:p>
-            <a:r>
-              <a:t>It is used in various areas such as mobile apps, web applications, games, and bank software.</a:t>
-            </a:r>
-          </a:p>
-          <a:p>
-            <a:r>
-              <a:t>Java has evolved over time, leading up to Java 8.</a:t>
-            </a:r>
+        <p:spPr>
+          <a:xfrm>
+            <a:off x="457200" y="274637"/>
+            <a:ext cx="8573784" cy="2037047"/>
+          </a:xfrm>
+        </p:spPr>
+        <p:txBody>
+          <a:bodyPr>
+            <a:normAutofit/>
+          </a:bodyPr>
+          <a:lstStyle/>
+          <a:p>
+            <a:r>
+              <a:rPr sz="3600" dirty="0"/>
+              <a:t>W</a:t>
+            </a:r>
+            <a:r>
+              <a:rPr lang="en-CA" sz="3600" dirty="0"/>
+              <a:t>ere does Programming Language </a:t>
+            </a:r>
+            <a:br>
+              <a:rPr lang="en-CA" sz="3600" dirty="0"/>
+            </a:br>
+            <a:r>
+              <a:rPr lang="en-CA" sz="3600" dirty="0"/>
+              <a:t>come in?</a:t>
+            </a:r>
+            <a:endParaRPr sz="3600" dirty="0"/>
           </a:p>
         </p:txBody>
       </p:sp>
@@ -4408,10 +4398,44 @@
           </a:p>
         </p:txBody>
       </p:sp>
+      <p:sp>
+        <p:nvSpPr>
+          <p:cNvPr id="9" name="Content Placeholder 8">
+            <a:extLst>
+              <a:ext uri="{FF2B5EF4-FFF2-40B4-BE49-F238E27FC236}">
+                <a16:creationId xmlns:a16="http://schemas.microsoft.com/office/drawing/2014/main" id="{B604709A-DC3A-4690-A915-91A995963D24}"/>
+              </a:ext>
+            </a:extLst>
+          </p:cNvPr>
+          <p:cNvSpPr>
+            <a:spLocks noGrp="1"/>
+          </p:cNvSpPr>
+          <p:nvPr>
+            <p:ph idx="1"/>
+          </p:nvPr>
+        </p:nvSpPr>
+        <p:spPr/>
+        <p:txBody>
+          <a:bodyPr/>
+          <a:lstStyle/>
+          <a:p>
+            <a:endParaRPr lang="en-CA" dirty="0"/>
+          </a:p>
+          <a:p>
+            <a:endParaRPr lang="en-CA" dirty="0"/>
+          </a:p>
+          <a:p>
+            <a:r>
+              <a:rPr lang="en-CA" dirty="0"/>
+              <a:t>Programming languages will be compiled into machine code that is understood by CPU</a:t>
+            </a:r>
+          </a:p>
+        </p:txBody>
+      </p:sp>
     </p:spTree>
     <p:extLst>
       <p:ext uri="{BB962C8B-B14F-4D97-AF65-F5344CB8AC3E}">
-        <p14:creationId xmlns:p14="http://schemas.microsoft.com/office/powerpoint/2010/main" val="49044795"/>
+        <p14:creationId xmlns:p14="http://schemas.microsoft.com/office/powerpoint/2010/main" val="3569006237"/>
       </p:ext>
     </p:extLst>
   </p:cSld>
@@ -4454,7 +4478,7 @@
           <a:lstStyle/>
           <a:p>
             <a:r>
-              <a:t>Why Learn Java?</a:t>
+              <a:t>What is Java?</a:t>
             </a:r>
           </a:p>
         </p:txBody>
@@ -4475,17 +4499,17 @@
           <a:lstStyle/>
           <a:p>
             <a:r>
-              <a:t>Java is one of the most popular programming languages in the world.</a:t>
-            </a:r>
-          </a:p>
-          <a:p>
-            <a:r>
-              <a:t>It offers benefits such as platform independence, strong memory management, and security features.</a:t>
-            </a:r>
-          </a:p>
-          <a:p>
-            <a:r>
-              <a:t>Learning Java opens up a wide range of career opportunities in software development.</a:t>
+              <a:t>Java is a programming language and computing platform.</a:t>
+            </a:r>
+          </a:p>
+          <a:p>
+            <a:r>
+              <a:t>It is used in various areas such as mobile apps, web applications, games, and bank software.</a:t>
+            </a:r>
+          </a:p>
+          <a:p>
+            <a:r>
+              <a:t>Java has evolved over time, leading up to Java 8.</a:t>
             </a:r>
           </a:p>
         </p:txBody>
@@ -4495,7 +4519,7 @@
           <p:cNvPr id="4" name="Date Placeholder 3">
             <a:extLst>
               <a:ext uri="{FF2B5EF4-FFF2-40B4-BE49-F238E27FC236}">
-                <a16:creationId xmlns:a16="http://schemas.microsoft.com/office/drawing/2014/main" id="{6085965C-D9EE-4CF6-8805-E04F1097EC92}"/>
+                <a16:creationId xmlns:a16="http://schemas.microsoft.com/office/drawing/2014/main" id="{70D2D55E-E8FD-4B34-BD27-C14ED9815D8B}"/>
               </a:ext>
             </a:extLst>
           </p:cNvPr>
@@ -4511,7 +4535,7 @@
           <a:bodyPr/>
           <a:lstStyle/>
           <a:p>
-            <a:fld id="{38094CEE-5F31-4EB1-AD37-805759270AF3}" type="datetime1">
+            <a:fld id="{2BEC5103-41C2-4753-9A5D-54D3476FCAC0}" type="datetime1">
               <a:rPr lang="en-US" smtClean="0"/>
               <a:t>12/10/2024</a:t>
             </a:fld>
@@ -4524,7 +4548,7 @@
           <p:cNvPr id="5" name="Footer Placeholder 4">
             <a:extLst>
               <a:ext uri="{FF2B5EF4-FFF2-40B4-BE49-F238E27FC236}">
-                <a16:creationId xmlns:a16="http://schemas.microsoft.com/office/drawing/2014/main" id="{B2DAC55E-393E-4646-94AA-EF69D4F3CE0A}"/>
+                <a16:creationId xmlns:a16="http://schemas.microsoft.com/office/drawing/2014/main" id="{711B9911-AAEF-430B-845E-9DF47E1505BA}"/>
               </a:ext>
             </a:extLst>
           </p:cNvPr>
@@ -4553,7 +4577,7 @@
           <p:cNvPr id="6" name="Slide Number Placeholder 5">
             <a:extLst>
               <a:ext uri="{FF2B5EF4-FFF2-40B4-BE49-F238E27FC236}">
-                <a16:creationId xmlns:a16="http://schemas.microsoft.com/office/drawing/2014/main" id="{1F4CAB76-8648-45D8-AFC6-ACB5A6D41BDA}"/>
+                <a16:creationId xmlns:a16="http://schemas.microsoft.com/office/drawing/2014/main" id="{6A853133-7F41-415A-8C9D-74230DE24FB6}"/>
               </a:ext>
             </a:extLst>
           </p:cNvPr>
@@ -4578,6 +4602,11 @@
         </p:txBody>
       </p:sp>
     </p:spTree>
+    <p:extLst>
+      <p:ext uri="{BB962C8B-B14F-4D97-AF65-F5344CB8AC3E}">
+        <p14:creationId xmlns:p14="http://schemas.microsoft.com/office/powerpoint/2010/main" val="49044795"/>
+      </p:ext>
+    </p:extLst>
   </p:cSld>
   <p:clrMapOvr>
     <a:masterClrMapping/>
@@ -4618,7 +4647,7 @@
           <a:lstStyle/>
           <a:p>
             <a:r>
-              <a:t>Getting Started with Java</a:t>
+              <a:t>Why Learn Java?</a:t>
             </a:r>
           </a:p>
         </p:txBody>
@@ -4639,17 +4668,17 @@
           <a:lstStyle/>
           <a:p>
             <a:r>
-              <a:t>To start, you need to install Java on your computer.</a:t>
-            </a:r>
-          </a:p>
-          <a:p>
-            <a:r>
-              <a:t>Setting up the environment includes installing the Java Development Kit (JDK) and an Integrated Development Environment (IDE).</a:t>
-            </a:r>
-          </a:p>
-          <a:p>
-            <a:r>
-              <a:t>Example of a simple Java program to print 'Hello, World!'</a:t>
+              <a:t>Java is one of the most popular programming languages in the world.</a:t>
+            </a:r>
+          </a:p>
+          <a:p>
+            <a:r>
+              <a:t>It offers benefits such as platform independence, strong memory management, and security features.</a:t>
+            </a:r>
+          </a:p>
+          <a:p>
+            <a:r>
+              <a:t>Learning Java opens up a wide range of career opportunities in software development.</a:t>
             </a:r>
           </a:p>
         </p:txBody>
@@ -4659,7 +4688,7 @@
           <p:cNvPr id="4" name="Date Placeholder 3">
             <a:extLst>
               <a:ext uri="{FF2B5EF4-FFF2-40B4-BE49-F238E27FC236}">
-                <a16:creationId xmlns:a16="http://schemas.microsoft.com/office/drawing/2014/main" id="{4CFB1BC4-B861-4A96-9570-2305B26E52EA}"/>
+                <a16:creationId xmlns:a16="http://schemas.microsoft.com/office/drawing/2014/main" id="{6085965C-D9EE-4CF6-8805-E04F1097EC92}"/>
               </a:ext>
             </a:extLst>
           </p:cNvPr>
@@ -4675,7 +4704,7 @@
           <a:bodyPr/>
           <a:lstStyle/>
           <a:p>
-            <a:fld id="{D874F0C9-A6B4-49B7-A1B5-29FD97D6973B}" type="datetime1">
+            <a:fld id="{38094CEE-5F31-4EB1-AD37-805759270AF3}" type="datetime1">
               <a:rPr lang="en-US" smtClean="0"/>
               <a:t>12/10/2024</a:t>
             </a:fld>
@@ -4688,7 +4717,7 @@
           <p:cNvPr id="5" name="Footer Placeholder 4">
             <a:extLst>
               <a:ext uri="{FF2B5EF4-FFF2-40B4-BE49-F238E27FC236}">
-                <a16:creationId xmlns:a16="http://schemas.microsoft.com/office/drawing/2014/main" id="{CDBDD827-7A08-4534-86EB-34C5C8450622}"/>
+                <a16:creationId xmlns:a16="http://schemas.microsoft.com/office/drawing/2014/main" id="{B2DAC55E-393E-4646-94AA-EF69D4F3CE0A}"/>
               </a:ext>
             </a:extLst>
           </p:cNvPr>
@@ -4717,7 +4746,7 @@
           <p:cNvPr id="6" name="Slide Number Placeholder 5">
             <a:extLst>
               <a:ext uri="{FF2B5EF4-FFF2-40B4-BE49-F238E27FC236}">
-                <a16:creationId xmlns:a16="http://schemas.microsoft.com/office/drawing/2014/main" id="{4393C6A1-8542-49B2-84CE-1FFA40E83FF9}"/>
+                <a16:creationId xmlns:a16="http://schemas.microsoft.com/office/drawing/2014/main" id="{1F4CAB76-8648-45D8-AFC6-ACB5A6D41BDA}"/>
               </a:ext>
             </a:extLst>
           </p:cNvPr>
@@ -4782,7 +4811,7 @@
           <a:lstStyle/>
           <a:p>
             <a:r>
-              <a:t>Basic Concepts in Java</a:t>
+              <a:t>Getting Started with Java</a:t>
             </a:r>
           </a:p>
         </p:txBody>
@@ -4803,17 +4832,17 @@
           <a:lstStyle/>
           <a:p>
             <a:r>
-              <a:t>Variables are used to store information.</a:t>
-            </a:r>
-          </a:p>
-          <a:p>
-            <a:r>
-              <a:t>Java has several primitive data types like int, char, and boolean.</a:t>
-            </a:r>
-          </a:p>
-          <a:p>
-            <a:r>
-              <a:t>Basic operators include addition, subtraction, multiplication, etc.</a:t>
+              <a:t>To start, you need to install Java on your computer.</a:t>
+            </a:r>
+          </a:p>
+          <a:p>
+            <a:r>
+              <a:t>Setting up the environment includes installing the Java Development Kit (JDK) and an Integrated Development Environment (IDE).</a:t>
+            </a:r>
+          </a:p>
+          <a:p>
+            <a:r>
+              <a:t>Example of a simple Java program to print 'Hello, World!'</a:t>
             </a:r>
           </a:p>
         </p:txBody>
@@ -4823,7 +4852,7 @@
           <p:cNvPr id="4" name="Date Placeholder 3">
             <a:extLst>
               <a:ext uri="{FF2B5EF4-FFF2-40B4-BE49-F238E27FC236}">
-                <a16:creationId xmlns:a16="http://schemas.microsoft.com/office/drawing/2014/main" id="{FE54D3CD-48D8-4544-B3FF-CEFC4924FCBC}"/>
+                <a16:creationId xmlns:a16="http://schemas.microsoft.com/office/drawing/2014/main" id="{4CFB1BC4-B861-4A96-9570-2305B26E52EA}"/>
               </a:ext>
             </a:extLst>
           </p:cNvPr>
@@ -4839,7 +4868,7 @@
           <a:bodyPr/>
           <a:lstStyle/>
           <a:p>
-            <a:fld id="{ADA47287-F64F-4BFB-8B4E-FF16577CD6D4}" type="datetime1">
+            <a:fld id="{D874F0C9-A6B4-49B7-A1B5-29FD97D6973B}" type="datetime1">
               <a:rPr lang="en-US" smtClean="0"/>
               <a:t>12/10/2024</a:t>
             </a:fld>
@@ -4852,7 +4881,7 @@
           <p:cNvPr id="5" name="Footer Placeholder 4">
             <a:extLst>
               <a:ext uri="{FF2B5EF4-FFF2-40B4-BE49-F238E27FC236}">
-                <a16:creationId xmlns:a16="http://schemas.microsoft.com/office/drawing/2014/main" id="{8681563A-3FBE-4299-B083-560AFC2101FE}"/>
+                <a16:creationId xmlns:a16="http://schemas.microsoft.com/office/drawing/2014/main" id="{CDBDD827-7A08-4534-86EB-34C5C8450622}"/>
               </a:ext>
             </a:extLst>
           </p:cNvPr>
@@ -4881,7 +4910,7 @@
           <p:cNvPr id="6" name="Slide Number Placeholder 5">
             <a:extLst>
               <a:ext uri="{FF2B5EF4-FFF2-40B4-BE49-F238E27FC236}">
-                <a16:creationId xmlns:a16="http://schemas.microsoft.com/office/drawing/2014/main" id="{1E2619E4-EF6D-46A0-9A3F-9A732D2D819A}"/>
+                <a16:creationId xmlns:a16="http://schemas.microsoft.com/office/drawing/2014/main" id="{4393C6A1-8542-49B2-84CE-1FFA40E83FF9}"/>
               </a:ext>
             </a:extLst>
           </p:cNvPr>
@@ -4946,7 +4975,7 @@
           <a:lstStyle/>
           <a:p>
             <a:r>
-              <a:t>Java 8 Features</a:t>
+              <a:t>Basic Concepts in Java</a:t>
             </a:r>
           </a:p>
         </p:txBody>
@@ -4967,17 +4996,17 @@
           <a:lstStyle/>
           <a:p>
             <a:r>
-              <a:t>Lambda Expressions help simplify coding and make it more flexible.</a:t>
-            </a:r>
-          </a:p>
-          <a:p>
-            <a:r>
-              <a:t>Stream API makes it easy to process collections of objects.</a:t>
-            </a:r>
-          </a:p>
-          <a:p>
-            <a:r>
-              <a:t>The improved Date and Time API helps handle date and time more effectively.</a:t>
+              <a:t>Variables are used to store information.</a:t>
+            </a:r>
+          </a:p>
+          <a:p>
+            <a:r>
+              <a:t>Java has several primitive data types like int, char, and boolean.</a:t>
+            </a:r>
+          </a:p>
+          <a:p>
+            <a:r>
+              <a:t>Basic operators include addition, subtraction, multiplication, etc.</a:t>
             </a:r>
           </a:p>
         </p:txBody>
@@ -4987,7 +5016,7 @@
           <p:cNvPr id="4" name="Date Placeholder 3">
             <a:extLst>
               <a:ext uri="{FF2B5EF4-FFF2-40B4-BE49-F238E27FC236}">
-                <a16:creationId xmlns:a16="http://schemas.microsoft.com/office/drawing/2014/main" id="{149A4939-4928-4FD6-A204-828CAF4E5DD4}"/>
+                <a16:creationId xmlns:a16="http://schemas.microsoft.com/office/drawing/2014/main" id="{FE54D3CD-48D8-4544-B3FF-CEFC4924FCBC}"/>
               </a:ext>
             </a:extLst>
           </p:cNvPr>
@@ -5003,7 +5032,7 @@
           <a:bodyPr/>
           <a:lstStyle/>
           <a:p>
-            <a:fld id="{E3A42FC4-688E-4BFE-9B50-9191488E774A}" type="datetime1">
+            <a:fld id="{ADA47287-F64F-4BFB-8B4E-FF16577CD6D4}" type="datetime1">
               <a:rPr lang="en-US" smtClean="0"/>
               <a:t>12/10/2024</a:t>
             </a:fld>
@@ -5016,7 +5045,7 @@
           <p:cNvPr id="5" name="Footer Placeholder 4">
             <a:extLst>
               <a:ext uri="{FF2B5EF4-FFF2-40B4-BE49-F238E27FC236}">
-                <a16:creationId xmlns:a16="http://schemas.microsoft.com/office/drawing/2014/main" id="{DB67F963-9DD8-4A98-8AE5-F49A0BDB319B}"/>
+                <a16:creationId xmlns:a16="http://schemas.microsoft.com/office/drawing/2014/main" id="{8681563A-3FBE-4299-B083-560AFC2101FE}"/>
               </a:ext>
             </a:extLst>
           </p:cNvPr>
@@ -5045,7 +5074,7 @@
           <p:cNvPr id="6" name="Slide Number Placeholder 5">
             <a:extLst>
               <a:ext uri="{FF2B5EF4-FFF2-40B4-BE49-F238E27FC236}">
-                <a16:creationId xmlns:a16="http://schemas.microsoft.com/office/drawing/2014/main" id="{E413999E-A056-4406-B24B-39E322870C9F}"/>
+                <a16:creationId xmlns:a16="http://schemas.microsoft.com/office/drawing/2014/main" id="{1E2619E4-EF6D-46A0-9A3F-9A732D2D819A}"/>
               </a:ext>
             </a:extLst>
           </p:cNvPr>
@@ -5110,7 +5139,7 @@
           <a:lstStyle/>
           <a:p>
             <a:r>
-              <a:t>Writing Simple Java Programs</a:t>
+              <a:t>Java 8 Features</a:t>
             </a:r>
           </a:p>
         </p:txBody>
@@ -5131,12 +5160,17 @@
           <a:lstStyle/>
           <a:p>
             <a:r>
-              <a:t>A Java program is structured around classes and methods.</a:t>
-            </a:r>
-          </a:p>
-          <a:p>
-            <a:r>
-              <a:t>Examples include using variables, control statements like if-else, and loops like for and while.</a:t>
+              <a:t>Lambda Expressions help simplify coding and make it more flexible.</a:t>
+            </a:r>
+          </a:p>
+          <a:p>
+            <a:r>
+              <a:t>Stream API makes it easy to process collections of objects.</a:t>
+            </a:r>
+          </a:p>
+          <a:p>
+            <a:r>
+              <a:t>The improved Date and Time API helps handle date and time more effectively.</a:t>
             </a:r>
           </a:p>
         </p:txBody>
@@ -5146,7 +5180,7 @@
           <p:cNvPr id="4" name="Date Placeholder 3">
             <a:extLst>
               <a:ext uri="{FF2B5EF4-FFF2-40B4-BE49-F238E27FC236}">
-                <a16:creationId xmlns:a16="http://schemas.microsoft.com/office/drawing/2014/main" id="{50E85653-5A87-46AB-9AF9-E1407E5AA0AE}"/>
+                <a16:creationId xmlns:a16="http://schemas.microsoft.com/office/drawing/2014/main" id="{149A4939-4928-4FD6-A204-828CAF4E5DD4}"/>
               </a:ext>
             </a:extLst>
           </p:cNvPr>
@@ -5162,7 +5196,7 @@
           <a:bodyPr/>
           <a:lstStyle/>
           <a:p>
-            <a:fld id="{E0483B01-A1DE-4E33-9DBC-594529981B16}" type="datetime1">
+            <a:fld id="{E3A42FC4-688E-4BFE-9B50-9191488E774A}" type="datetime1">
               <a:rPr lang="en-US" smtClean="0"/>
               <a:t>12/10/2024</a:t>
             </a:fld>
@@ -5175,7 +5209,7 @@
           <p:cNvPr id="5" name="Footer Placeholder 4">
             <a:extLst>
               <a:ext uri="{FF2B5EF4-FFF2-40B4-BE49-F238E27FC236}">
-                <a16:creationId xmlns:a16="http://schemas.microsoft.com/office/drawing/2014/main" id="{DDB9C2B8-81A3-414A-A20A-2E1B84D5836E}"/>
+                <a16:creationId xmlns:a16="http://schemas.microsoft.com/office/drawing/2014/main" id="{DB67F963-9DD8-4A98-8AE5-F49A0BDB319B}"/>
               </a:ext>
             </a:extLst>
           </p:cNvPr>
@@ -5204,7 +5238,7 @@
           <p:cNvPr id="6" name="Slide Number Placeholder 5">
             <a:extLst>
               <a:ext uri="{FF2B5EF4-FFF2-40B4-BE49-F238E27FC236}">
-                <a16:creationId xmlns:a16="http://schemas.microsoft.com/office/drawing/2014/main" id="{1958A7FA-8AC9-4A3E-A49E-B75DBA2E03D0}"/>
+                <a16:creationId xmlns:a16="http://schemas.microsoft.com/office/drawing/2014/main" id="{E413999E-A056-4406-B24B-39E322870C9F}"/>
               </a:ext>
             </a:extLst>
           </p:cNvPr>
@@ -5269,7 +5303,7 @@
           <a:lstStyle/>
           <a:p>
             <a:r>
-              <a:t>Interactive Activity</a:t>
+              <a:t>Writing Simple Java Programs</a:t>
             </a:r>
           </a:p>
         </p:txBody>
@@ -5290,12 +5324,12 @@
           <a:lstStyle/>
           <a:p>
             <a:r>
-              <a:t>A coding exercise to engage students with a simple task they can try on their computers.</a:t>
-            </a:r>
-          </a:p>
-          <a:p>
-            <a:r>
-              <a:t>Example problem: Write a program to calculate the sum of numbers from 1 to 10.</a:t>
+              <a:t>A Java program is structured around classes and methods.</a:t>
+            </a:r>
+          </a:p>
+          <a:p>
+            <a:r>
+              <a:t>Examples include using variables, control statements like if-else, and loops like for and while.</a:t>
             </a:r>
           </a:p>
         </p:txBody>
@@ -5305,7 +5339,7 @@
           <p:cNvPr id="4" name="Date Placeholder 3">
             <a:extLst>
               <a:ext uri="{FF2B5EF4-FFF2-40B4-BE49-F238E27FC236}">
-                <a16:creationId xmlns:a16="http://schemas.microsoft.com/office/drawing/2014/main" id="{7542D02D-D3FE-45A4-B5AC-5F8FAABC9DC2}"/>
+                <a16:creationId xmlns:a16="http://schemas.microsoft.com/office/drawing/2014/main" id="{50E85653-5A87-46AB-9AF9-E1407E5AA0AE}"/>
               </a:ext>
             </a:extLst>
           </p:cNvPr>
@@ -5321,7 +5355,7 @@
           <a:bodyPr/>
           <a:lstStyle/>
           <a:p>
-            <a:fld id="{19165F3D-1F15-47D1-896B-708A6FCA01A4}" type="datetime1">
+            <a:fld id="{E0483B01-A1DE-4E33-9DBC-594529981B16}" type="datetime1">
               <a:rPr lang="en-US" smtClean="0"/>
               <a:t>12/10/2024</a:t>
             </a:fld>
@@ -5334,7 +5368,7 @@
           <p:cNvPr id="5" name="Footer Placeholder 4">
             <a:extLst>
               <a:ext uri="{FF2B5EF4-FFF2-40B4-BE49-F238E27FC236}">
-                <a16:creationId xmlns:a16="http://schemas.microsoft.com/office/drawing/2014/main" id="{FFEC6B1F-A443-45A2-8B22-1F7F2B0E0B42}"/>
+                <a16:creationId xmlns:a16="http://schemas.microsoft.com/office/drawing/2014/main" id="{DDB9C2B8-81A3-414A-A20A-2E1B84D5836E}"/>
               </a:ext>
             </a:extLst>
           </p:cNvPr>
@@ -5363,7 +5397,7 @@
           <p:cNvPr id="6" name="Slide Number Placeholder 5">
             <a:extLst>
               <a:ext uri="{FF2B5EF4-FFF2-40B4-BE49-F238E27FC236}">
-                <a16:creationId xmlns:a16="http://schemas.microsoft.com/office/drawing/2014/main" id="{07AC6F16-BD2D-4DFD-A248-E685E4A27C82}"/>
+                <a16:creationId xmlns:a16="http://schemas.microsoft.com/office/drawing/2014/main" id="{1958A7FA-8AC9-4A3E-A49E-B75DBA2E03D0}"/>
               </a:ext>
             </a:extLst>
           </p:cNvPr>
@@ -5428,7 +5462,7 @@
           <a:lstStyle/>
           <a:p>
             <a:r>
-              <a:t>Resources to Learn More</a:t>
+              <a:t>Interactive Activity</a:t>
             </a:r>
           </a:p>
         </p:txBody>
@@ -5449,17 +5483,12 @@
           <a:lstStyle/>
           <a:p>
             <a:r>
-              <a:t>Recommended books include 'Head First Java'.</a:t>
-            </a:r>
-          </a:p>
-          <a:p>
-            <a:r>
-              <a:t>Online resources like Codecademy, Coursera, and YouTube channels are helpful.</a:t>
-            </a:r>
-          </a:p>
-          <a:p>
-            <a:r>
-              <a:t>Practice platforms like HackerRank and LeetCode are good for practicing Java.</a:t>
+              <a:t>A coding exercise to engage students with a simple task they can try on their computers.</a:t>
+            </a:r>
+          </a:p>
+          <a:p>
+            <a:r>
+              <a:t>Example problem: Write a program to calculate the sum of numbers from 1 to 10.</a:t>
             </a:r>
           </a:p>
         </p:txBody>
@@ -5469,7 +5498,7 @@
           <p:cNvPr id="4" name="Date Placeholder 3">
             <a:extLst>
               <a:ext uri="{FF2B5EF4-FFF2-40B4-BE49-F238E27FC236}">
-                <a16:creationId xmlns:a16="http://schemas.microsoft.com/office/drawing/2014/main" id="{2344EB75-93D1-4F10-92A1-B5A422ED31D7}"/>
+                <a16:creationId xmlns:a16="http://schemas.microsoft.com/office/drawing/2014/main" id="{7542D02D-D3FE-45A4-B5AC-5F8FAABC9DC2}"/>
               </a:ext>
             </a:extLst>
           </p:cNvPr>
@@ -5485,7 +5514,7 @@
           <a:bodyPr/>
           <a:lstStyle/>
           <a:p>
-            <a:fld id="{BE70A24C-7B9A-4449-8CF0-B07C104FACBC}" type="datetime1">
+            <a:fld id="{19165F3D-1F15-47D1-896B-708A6FCA01A4}" type="datetime1">
               <a:rPr lang="en-US" smtClean="0"/>
               <a:t>12/10/2024</a:t>
             </a:fld>
@@ -5498,7 +5527,7 @@
           <p:cNvPr id="5" name="Footer Placeholder 4">
             <a:extLst>
               <a:ext uri="{FF2B5EF4-FFF2-40B4-BE49-F238E27FC236}">
-                <a16:creationId xmlns:a16="http://schemas.microsoft.com/office/drawing/2014/main" id="{6D022F12-E624-4AD7-B750-6ECCC32D4620}"/>
+                <a16:creationId xmlns:a16="http://schemas.microsoft.com/office/drawing/2014/main" id="{FFEC6B1F-A443-45A2-8B22-1F7F2B0E0B42}"/>
               </a:ext>
             </a:extLst>
           </p:cNvPr>
@@ -5527,7 +5556,7 @@
           <p:cNvPr id="6" name="Slide Number Placeholder 5">
             <a:extLst>
               <a:ext uri="{FF2B5EF4-FFF2-40B4-BE49-F238E27FC236}">
-                <a16:creationId xmlns:a16="http://schemas.microsoft.com/office/drawing/2014/main" id="{F317A065-841B-4456-8BE7-1981A466F70B}"/>
+                <a16:creationId xmlns:a16="http://schemas.microsoft.com/office/drawing/2014/main" id="{07AC6F16-BD2D-4DFD-A248-E685E4A27C82}"/>
               </a:ext>
             </a:extLst>
           </p:cNvPr>
@@ -5592,7 +5621,7 @@
           <a:lstStyle/>
           <a:p>
             <a:r>
-              <a:t>Conclusion and Q&amp;A</a:t>
+              <a:t>Resources to Learn More</a:t>
             </a:r>
           </a:p>
         </p:txBody>
@@ -5613,12 +5642,17 @@
           <a:lstStyle/>
           <a:p>
             <a:r>
-              <a:t>A recap of what was covered in the presentation.</a:t>
-            </a:r>
-          </a:p>
-          <a:p>
-            <a:r>
-              <a:t>Encouragement for students to ask questions to clarify any doubts.</a:t>
+              <a:t>Recommended books include 'Head First Java'.</a:t>
+            </a:r>
+          </a:p>
+          <a:p>
+            <a:r>
+              <a:t>Online resources like Codecademy, Coursera, and YouTube channels are helpful.</a:t>
+            </a:r>
+          </a:p>
+          <a:p>
+            <a:r>
+              <a:t>Practice platforms like HackerRank and LeetCode are good for practicing Java.</a:t>
             </a:r>
           </a:p>
         </p:txBody>
@@ -5628,7 +5662,7 @@
           <p:cNvPr id="4" name="Date Placeholder 3">
             <a:extLst>
               <a:ext uri="{FF2B5EF4-FFF2-40B4-BE49-F238E27FC236}">
-                <a16:creationId xmlns:a16="http://schemas.microsoft.com/office/drawing/2014/main" id="{F63475D3-4B2F-4E21-8187-E4CA0A2E22B6}"/>
+                <a16:creationId xmlns:a16="http://schemas.microsoft.com/office/drawing/2014/main" id="{2344EB75-93D1-4F10-92A1-B5A422ED31D7}"/>
               </a:ext>
             </a:extLst>
           </p:cNvPr>
@@ -5644,7 +5678,7 @@
           <a:bodyPr/>
           <a:lstStyle/>
           <a:p>
-            <a:fld id="{8FA9BE0A-8431-428D-AB74-F284A487038B}" type="datetime1">
+            <a:fld id="{BE70A24C-7B9A-4449-8CF0-B07C104FACBC}" type="datetime1">
               <a:rPr lang="en-US" smtClean="0"/>
               <a:t>12/10/2024</a:t>
             </a:fld>
@@ -5657,7 +5691,7 @@
           <p:cNvPr id="5" name="Footer Placeholder 4">
             <a:extLst>
               <a:ext uri="{FF2B5EF4-FFF2-40B4-BE49-F238E27FC236}">
-                <a16:creationId xmlns:a16="http://schemas.microsoft.com/office/drawing/2014/main" id="{5FE445AF-8AE3-401B-B994-FA9D5E173F4A}"/>
+                <a16:creationId xmlns:a16="http://schemas.microsoft.com/office/drawing/2014/main" id="{6D022F12-E624-4AD7-B750-6ECCC32D4620}"/>
               </a:ext>
             </a:extLst>
           </p:cNvPr>
@@ -5686,7 +5720,7 @@
           <p:cNvPr id="6" name="Slide Number Placeholder 5">
             <a:extLst>
               <a:ext uri="{FF2B5EF4-FFF2-40B4-BE49-F238E27FC236}">
-                <a16:creationId xmlns:a16="http://schemas.microsoft.com/office/drawing/2014/main" id="{6DFD37D3-273D-4962-8252-943F72493B40}"/>
+                <a16:creationId xmlns:a16="http://schemas.microsoft.com/office/drawing/2014/main" id="{F317A065-841B-4456-8BE7-1981A466F70B}"/>
               </a:ext>
             </a:extLst>
           </p:cNvPr>
@@ -5897,6 +5931,165 @@
             <a:fld id="{C1FF6DA9-008F-8B48-92A6-B652298478BF}" type="slidenum">
               <a:rPr lang="en-US" smtClean="0"/>
               <a:t>2</a:t>
+            </a:fld>
+            <a:endParaRPr lang="en-US"/>
+          </a:p>
+        </p:txBody>
+      </p:sp>
+    </p:spTree>
+  </p:cSld>
+  <p:clrMapOvr>
+    <a:masterClrMapping/>
+  </p:clrMapOvr>
+</p:sld>
+</file>
+
+<file path=ppt/slides/slide20.xml><?xml version="1.0" encoding="utf-8"?>
+<p:sld xmlns:a="http://schemas.openxmlformats.org/drawingml/2006/main" xmlns:r="http://schemas.openxmlformats.org/officeDocument/2006/relationships" xmlns:p="http://schemas.openxmlformats.org/presentationml/2006/main">
+  <p:cSld>
+    <p:spTree>
+      <p:nvGrpSpPr>
+        <p:cNvPr id="1" name=""/>
+        <p:cNvGrpSpPr/>
+        <p:nvPr/>
+      </p:nvGrpSpPr>
+      <p:grpSpPr>
+        <a:xfrm>
+          <a:off x="0" y="0"/>
+          <a:ext cx="0" cy="0"/>
+          <a:chOff x="0" y="0"/>
+          <a:chExt cx="0" cy="0"/>
+        </a:xfrm>
+      </p:grpSpPr>
+      <p:sp>
+        <p:nvSpPr>
+          <p:cNvPr id="2" name="Title 1"/>
+          <p:cNvSpPr>
+            <a:spLocks noGrp="1"/>
+          </p:cNvSpPr>
+          <p:nvPr>
+            <p:ph type="title"/>
+          </p:nvPr>
+        </p:nvSpPr>
+        <p:spPr/>
+        <p:txBody>
+          <a:bodyPr/>
+          <a:lstStyle/>
+          <a:p>
+            <a:r>
+              <a:t>Conclusion and Q&amp;A</a:t>
+            </a:r>
+          </a:p>
+        </p:txBody>
+      </p:sp>
+      <p:sp>
+        <p:nvSpPr>
+          <p:cNvPr id="3" name="Content Placeholder 2"/>
+          <p:cNvSpPr>
+            <a:spLocks noGrp="1"/>
+          </p:cNvSpPr>
+          <p:nvPr>
+            <p:ph idx="1"/>
+          </p:nvPr>
+        </p:nvSpPr>
+        <p:spPr/>
+        <p:txBody>
+          <a:bodyPr/>
+          <a:lstStyle/>
+          <a:p>
+            <a:r>
+              <a:t>A recap of what was covered in the presentation.</a:t>
+            </a:r>
+          </a:p>
+          <a:p>
+            <a:r>
+              <a:t>Encouragement for students to ask questions to clarify any doubts.</a:t>
+            </a:r>
+          </a:p>
+        </p:txBody>
+      </p:sp>
+      <p:sp>
+        <p:nvSpPr>
+          <p:cNvPr id="4" name="Date Placeholder 3">
+            <a:extLst>
+              <a:ext uri="{FF2B5EF4-FFF2-40B4-BE49-F238E27FC236}">
+                <a16:creationId xmlns:a16="http://schemas.microsoft.com/office/drawing/2014/main" id="{F63475D3-4B2F-4E21-8187-E4CA0A2E22B6}"/>
+              </a:ext>
+            </a:extLst>
+          </p:cNvPr>
+          <p:cNvSpPr>
+            <a:spLocks noGrp="1"/>
+          </p:cNvSpPr>
+          <p:nvPr>
+            <p:ph type="dt" sz="half" idx="10"/>
+          </p:nvPr>
+        </p:nvSpPr>
+        <p:spPr/>
+        <p:txBody>
+          <a:bodyPr/>
+          <a:lstStyle/>
+          <a:p>
+            <a:fld id="{8FA9BE0A-8431-428D-AB74-F284A487038B}" type="datetime1">
+              <a:rPr lang="en-US" smtClean="0"/>
+              <a:t>12/10/2024</a:t>
+            </a:fld>
+            <a:endParaRPr lang="en-US"/>
+          </a:p>
+        </p:txBody>
+      </p:sp>
+      <p:sp>
+        <p:nvSpPr>
+          <p:cNvPr id="5" name="Footer Placeholder 4">
+            <a:extLst>
+              <a:ext uri="{FF2B5EF4-FFF2-40B4-BE49-F238E27FC236}">
+                <a16:creationId xmlns:a16="http://schemas.microsoft.com/office/drawing/2014/main" id="{5FE445AF-8AE3-401B-B994-FA9D5E173F4A}"/>
+              </a:ext>
+            </a:extLst>
+          </p:cNvPr>
+          <p:cNvSpPr>
+            <a:spLocks noGrp="1"/>
+          </p:cNvSpPr>
+          <p:nvPr>
+            <p:ph type="ftr" sz="quarter" idx="11"/>
+          </p:nvPr>
+        </p:nvSpPr>
+        <p:spPr/>
+        <p:txBody>
+          <a:bodyPr/>
+          <a:lstStyle/>
+          <a:p>
+            <a:r>
+              <a:rPr lang="es-ES"/>
+              <a:t>GitHubRepo: https://github.com/develop2clickcomputers/LearnJavaWithSan</a:t>
+            </a:r>
+            <a:endParaRPr lang="en-US"/>
+          </a:p>
+        </p:txBody>
+      </p:sp>
+      <p:sp>
+        <p:nvSpPr>
+          <p:cNvPr id="6" name="Slide Number Placeholder 5">
+            <a:extLst>
+              <a:ext uri="{FF2B5EF4-FFF2-40B4-BE49-F238E27FC236}">
+                <a16:creationId xmlns:a16="http://schemas.microsoft.com/office/drawing/2014/main" id="{6DFD37D3-273D-4962-8252-943F72493B40}"/>
+              </a:ext>
+            </a:extLst>
+          </p:cNvPr>
+          <p:cNvSpPr>
+            <a:spLocks noGrp="1"/>
+          </p:cNvSpPr>
+          <p:nvPr>
+            <p:ph type="sldNum" sz="quarter" idx="12"/>
+          </p:nvPr>
+        </p:nvSpPr>
+        <p:spPr/>
+        <p:txBody>
+          <a:bodyPr/>
+          <a:lstStyle/>
+          <a:p>
+            <a:fld id="{C1FF6DA9-008F-8B48-92A6-B652298478BF}" type="slidenum">
+              <a:rPr lang="en-US" smtClean="0"/>
+              <a:t>20</a:t>
             </a:fld>
             <a:endParaRPr lang="en-US"/>
           </a:p>
